--- a/Slides/10. Funções Amigas.pptx
+++ b/Slides/10. Funções Amigas.pptx
@@ -2815,7 +2815,7 @@
             <a:fld id="{4C457FC9-8E1D-4A40-BFF1-0E630693B1AB}" type="datetimeFigureOut">
               <a:rPr lang="pt-BR" smtClean="0"/>
               <a:pPr/>
-              <a:t>11/03/2023</a:t>
+              <a:t>08/04/2023</a:t>
             </a:fld>
             <a:endParaRPr lang="pt-BR"/>
           </a:p>
@@ -14567,510 +14567,6 @@
           </a:p>
         </p:txBody>
       </p:sp>
-      <p:sp>
-        <p:nvSpPr>
-          <p:cNvPr id="5" name="CaixaDeTexto 4">
-            <a:extLst>
-              <a:ext uri="{FF2B5EF4-FFF2-40B4-BE49-F238E27FC236}">
-                <a16:creationId xmlns:a16="http://schemas.microsoft.com/office/drawing/2014/main" id="{92E7206C-5511-1FCB-3CF7-3EE7D9101F86}"/>
-              </a:ext>
-            </a:extLst>
-          </p:cNvPr>
-          <p:cNvSpPr txBox="1"/>
-          <p:nvPr/>
-        </p:nvSpPr>
-        <p:spPr>
-          <a:xfrm>
-            <a:off x="2092289" y="3593788"/>
-            <a:ext cx="4116237" cy="2677656"/>
-          </a:xfrm>
-          <a:prstGeom prst="rect">
-            <a:avLst/>
-          </a:prstGeom>
-          <a:noFill/>
-        </p:spPr>
-        <p:txBody>
-          <a:bodyPr wrap="square">
-            <a:spAutoFit/>
-          </a:bodyPr>
-          <a:lstStyle/>
-          <a:p>
-            <a:r>
-              <a:rPr lang="pt-BR" sz="1400" dirty="0" err="1">
-                <a:solidFill>
-                  <a:schemeClr val="accent3">
-                    <a:lumMod val="75000"/>
-                  </a:schemeClr>
-                </a:solidFill>
-                <a:latin typeface="Consolas" panose="020B0609020204030204" pitchFamily="49" charset="0"/>
-                <a:cs typeface="Consolas" panose="020B0609020204030204" pitchFamily="49" charset="0"/>
-              </a:rPr>
-              <a:t>class</a:t>
-            </a:r>
-            <a:r>
-              <a:rPr lang="pt-BR" sz="1400" dirty="0">
-                <a:solidFill>
-                  <a:schemeClr val="accent3">
-                    <a:lumMod val="75000"/>
-                  </a:schemeClr>
-                </a:solidFill>
-                <a:latin typeface="Consolas" panose="020B0609020204030204" pitchFamily="49" charset="0"/>
-                <a:cs typeface="Consolas" panose="020B0609020204030204" pitchFamily="49" charset="0"/>
-              </a:rPr>
-              <a:t> </a:t>
-            </a:r>
-            <a:r>
-              <a:rPr lang="pt-BR" sz="1400" dirty="0">
-                <a:solidFill>
-                  <a:schemeClr val="accent3"/>
-                </a:solidFill>
-                <a:latin typeface="Consolas" panose="020B0609020204030204" pitchFamily="49" charset="0"/>
-                <a:cs typeface="Consolas" panose="020B0609020204030204" pitchFamily="49" charset="0"/>
-              </a:rPr>
-              <a:t>Tempo</a:t>
-            </a:r>
-          </a:p>
-          <a:p>
-            <a:r>
-              <a:rPr lang="pt-BR" sz="1400" dirty="0">
-                <a:latin typeface="Consolas" panose="020B0609020204030204" pitchFamily="49" charset="0"/>
-                <a:cs typeface="Consolas" panose="020B0609020204030204" pitchFamily="49" charset="0"/>
-              </a:rPr>
-              <a:t>{</a:t>
-            </a:r>
-            <a:br>
-              <a:rPr lang="pt-BR" sz="1400" dirty="0">
-                <a:latin typeface="Consolas" panose="020B0609020204030204" pitchFamily="49" charset="0"/>
-                <a:cs typeface="Consolas" panose="020B0609020204030204" pitchFamily="49" charset="0"/>
-              </a:rPr>
-            </a:br>
-            <a:r>
-              <a:rPr lang="pt-BR" sz="1400" dirty="0" err="1">
-                <a:solidFill>
-                  <a:schemeClr val="accent3">
-                    <a:lumMod val="75000"/>
-                  </a:schemeClr>
-                </a:solidFill>
-                <a:latin typeface="Consolas" panose="020B0609020204030204" pitchFamily="49" charset="0"/>
-                <a:cs typeface="Consolas" panose="020B0609020204030204" pitchFamily="49" charset="0"/>
-              </a:rPr>
-              <a:t>private</a:t>
-            </a:r>
-            <a:r>
-              <a:rPr lang="pt-BR" sz="1400" dirty="0">
-                <a:latin typeface="Consolas" panose="020B0609020204030204" pitchFamily="49" charset="0"/>
-                <a:cs typeface="Consolas" panose="020B0609020204030204" pitchFamily="49" charset="0"/>
-              </a:rPr>
-              <a:t>:</a:t>
-            </a:r>
-          </a:p>
-          <a:p>
-            <a:r>
-              <a:rPr lang="pt-BR" sz="1400" dirty="0">
-                <a:solidFill>
-                  <a:schemeClr val="accent3">
-                    <a:lumMod val="75000"/>
-                  </a:schemeClr>
-                </a:solidFill>
-                <a:latin typeface="Consolas" panose="020B0609020204030204" pitchFamily="49" charset="0"/>
-                <a:cs typeface="Consolas" panose="020B0609020204030204" pitchFamily="49" charset="0"/>
-              </a:rPr>
-              <a:t>   </a:t>
-            </a:r>
-            <a:r>
-              <a:rPr lang="pt-BR" sz="1400" dirty="0" err="1">
-                <a:solidFill>
-                  <a:schemeClr val="accent3">
-                    <a:lumMod val="75000"/>
-                  </a:schemeClr>
-                </a:solidFill>
-                <a:latin typeface="Consolas" panose="020B0609020204030204" pitchFamily="49" charset="0"/>
-                <a:cs typeface="Consolas" panose="020B0609020204030204" pitchFamily="49" charset="0"/>
-              </a:rPr>
-              <a:t>int</a:t>
-            </a:r>
-            <a:r>
-              <a:rPr lang="pt-BR" sz="1400" dirty="0">
-                <a:latin typeface="Consolas" panose="020B0609020204030204" pitchFamily="49" charset="0"/>
-                <a:cs typeface="Consolas" panose="020B0609020204030204" pitchFamily="49" charset="0"/>
-              </a:rPr>
-              <a:t> horas;                              </a:t>
-            </a:r>
-            <a:endParaRPr lang="pt-BR" sz="1400" dirty="0">
-              <a:solidFill>
-                <a:schemeClr val="bg1">
-                  <a:lumMod val="50000"/>
-                  <a:lumOff val="50000"/>
-                </a:schemeClr>
-              </a:solidFill>
-              <a:latin typeface="Consolas" panose="020B0609020204030204" pitchFamily="49" charset="0"/>
-              <a:cs typeface="Consolas" panose="020B0609020204030204" pitchFamily="49" charset="0"/>
-            </a:endParaRPr>
-          </a:p>
-          <a:p>
-            <a:r>
-              <a:rPr lang="pt-BR" sz="1400" dirty="0">
-                <a:latin typeface="Consolas" panose="020B0609020204030204" pitchFamily="49" charset="0"/>
-                <a:cs typeface="Consolas" panose="020B0609020204030204" pitchFamily="49" charset="0"/>
-              </a:rPr>
-              <a:t>   </a:t>
-            </a:r>
-            <a:r>
-              <a:rPr lang="pt-BR" sz="1400" dirty="0" err="1">
-                <a:solidFill>
-                  <a:schemeClr val="accent3">
-                    <a:lumMod val="75000"/>
-                  </a:schemeClr>
-                </a:solidFill>
-                <a:latin typeface="Consolas" panose="020B0609020204030204" pitchFamily="49" charset="0"/>
-                <a:cs typeface="Consolas" panose="020B0609020204030204" pitchFamily="49" charset="0"/>
-              </a:rPr>
-              <a:t>int</a:t>
-            </a:r>
-            <a:r>
-              <a:rPr lang="pt-BR" sz="1400" dirty="0">
-                <a:latin typeface="Consolas" panose="020B0609020204030204" pitchFamily="49" charset="0"/>
-                <a:cs typeface="Consolas" panose="020B0609020204030204" pitchFamily="49" charset="0"/>
-              </a:rPr>
-              <a:t> minutos;                            </a:t>
-            </a:r>
-            <a:br>
-              <a:rPr lang="pt-BR" sz="1400" dirty="0">
-                <a:latin typeface="Consolas" panose="020B0609020204030204" pitchFamily="49" charset="0"/>
-                <a:cs typeface="Consolas" panose="020B0609020204030204" pitchFamily="49" charset="0"/>
-              </a:rPr>
-            </a:br>
-            <a:endParaRPr lang="pt-BR" sz="1400" dirty="0">
-              <a:solidFill>
-                <a:schemeClr val="bg1">
-                  <a:lumMod val="75000"/>
-                  <a:lumOff val="25000"/>
-                </a:schemeClr>
-              </a:solidFill>
-              <a:latin typeface="Consolas" panose="020B0609020204030204" pitchFamily="49" charset="0"/>
-              <a:cs typeface="Consolas" panose="020B0609020204030204" pitchFamily="49" charset="0"/>
-            </a:endParaRPr>
-          </a:p>
-          <a:p>
-            <a:r>
-              <a:rPr lang="pt-BR" sz="1400" dirty="0">
-                <a:solidFill>
-                  <a:schemeClr val="accent3">
-                    <a:lumMod val="75000"/>
-                  </a:schemeClr>
-                </a:solidFill>
-                <a:latin typeface="Consolas" panose="020B0609020204030204" pitchFamily="49" charset="0"/>
-                <a:cs typeface="Consolas" panose="020B0609020204030204" pitchFamily="49" charset="0"/>
-              </a:rPr>
-              <a:t>public</a:t>
-            </a:r>
-            <a:r>
-              <a:rPr lang="pt-BR" sz="1400" dirty="0">
-                <a:latin typeface="Consolas" panose="020B0609020204030204" pitchFamily="49" charset="0"/>
-                <a:cs typeface="Consolas" panose="020B0609020204030204" pitchFamily="49" charset="0"/>
-              </a:rPr>
-              <a:t>:</a:t>
-            </a:r>
-          </a:p>
-          <a:p>
-            <a:r>
-              <a:rPr lang="pt-BR" sz="1400" dirty="0">
-                <a:solidFill>
-                  <a:schemeClr val="accent3">
-                    <a:lumMod val="75000"/>
-                  </a:schemeClr>
-                </a:solidFill>
-                <a:latin typeface="Consolas" panose="020B0609020204030204" pitchFamily="49" charset="0"/>
-                <a:cs typeface="Consolas" panose="020B0609020204030204" pitchFamily="49" charset="0"/>
-              </a:rPr>
-              <a:t>   </a:t>
-            </a:r>
-            <a:r>
-              <a:rPr lang="pt-BR" sz="1400" dirty="0">
-                <a:solidFill>
-                  <a:schemeClr val="accent6">
-                    <a:lumMod val="60000"/>
-                    <a:lumOff val="40000"/>
-                  </a:schemeClr>
-                </a:solidFill>
-                <a:latin typeface="Consolas" panose="020B0609020204030204" pitchFamily="49" charset="0"/>
-                <a:cs typeface="Consolas" panose="020B0609020204030204" pitchFamily="49" charset="0"/>
-              </a:rPr>
-              <a:t>Tempo</a:t>
-            </a:r>
-            <a:r>
-              <a:rPr lang="pt-BR" sz="1400" dirty="0">
-                <a:latin typeface="Consolas" panose="020B0609020204030204" pitchFamily="49" charset="0"/>
-                <a:cs typeface="Consolas" panose="020B0609020204030204" pitchFamily="49" charset="0"/>
-              </a:rPr>
-              <a:t>();</a:t>
-            </a:r>
-            <a:br>
-              <a:rPr lang="pt-BR" sz="1400" dirty="0">
-                <a:latin typeface="Consolas" panose="020B0609020204030204" pitchFamily="49" charset="0"/>
-                <a:cs typeface="Consolas" panose="020B0609020204030204" pitchFamily="49" charset="0"/>
-              </a:rPr>
-            </a:br>
-            <a:r>
-              <a:rPr lang="pt-BR" sz="1400" dirty="0">
-                <a:latin typeface="Consolas" panose="020B0609020204030204" pitchFamily="49" charset="0"/>
-                <a:cs typeface="Consolas" panose="020B0609020204030204" pitchFamily="49" charset="0"/>
-              </a:rPr>
-              <a:t> </a:t>
-            </a:r>
-            <a:endParaRPr lang="pt-BR" sz="1400" dirty="0">
-              <a:solidFill>
-                <a:schemeClr val="accent3">
-                  <a:lumMod val="75000"/>
-                </a:schemeClr>
-              </a:solidFill>
-              <a:latin typeface="Consolas" panose="020B0609020204030204" pitchFamily="49" charset="0"/>
-              <a:cs typeface="Consolas" panose="020B0609020204030204" pitchFamily="49" charset="0"/>
-            </a:endParaRPr>
-          </a:p>
-          <a:p>
-            <a:r>
-              <a:rPr lang="pt-BR" sz="1400" dirty="0">
-                <a:solidFill>
-                  <a:schemeClr val="accent3">
-                    <a:lumMod val="75000"/>
-                  </a:schemeClr>
-                </a:solidFill>
-                <a:latin typeface="Consolas" panose="020B0609020204030204" pitchFamily="49" charset="0"/>
-                <a:cs typeface="Consolas" panose="020B0609020204030204" pitchFamily="49" charset="0"/>
-              </a:rPr>
-              <a:t>   </a:t>
-            </a:r>
-            <a:r>
-              <a:rPr lang="pt-BR" sz="1400" dirty="0" err="1">
-                <a:solidFill>
-                  <a:schemeClr val="accent3">
-                    <a:lumMod val="75000"/>
-                  </a:schemeClr>
-                </a:solidFill>
-                <a:latin typeface="Consolas" panose="020B0609020204030204" pitchFamily="49" charset="0"/>
-                <a:cs typeface="Consolas" panose="020B0609020204030204" pitchFamily="49" charset="0"/>
-              </a:rPr>
-              <a:t>void</a:t>
-            </a:r>
-            <a:r>
-              <a:rPr lang="pt-BR" sz="1400" dirty="0">
-                <a:solidFill>
-                  <a:schemeClr val="accent3">
-                    <a:lumMod val="75000"/>
-                  </a:schemeClr>
-                </a:solidFill>
-                <a:latin typeface="Consolas" panose="020B0609020204030204" pitchFamily="49" charset="0"/>
-                <a:cs typeface="Consolas" panose="020B0609020204030204" pitchFamily="49" charset="0"/>
-              </a:rPr>
-              <a:t> </a:t>
-            </a:r>
-            <a:r>
-              <a:rPr lang="pt-BR" sz="1400" dirty="0">
-                <a:solidFill>
-                  <a:schemeClr val="accent6">
-                    <a:lumMod val="60000"/>
-                    <a:lumOff val="40000"/>
-                  </a:schemeClr>
-                </a:solidFill>
-                <a:latin typeface="Consolas" panose="020B0609020204030204" pitchFamily="49" charset="0"/>
-                <a:cs typeface="Consolas" panose="020B0609020204030204" pitchFamily="49" charset="0"/>
-              </a:rPr>
-              <a:t>Resetar</a:t>
-            </a:r>
-            <a:r>
-              <a:rPr lang="pt-BR" sz="1400" dirty="0">
-                <a:latin typeface="Consolas" panose="020B0609020204030204" pitchFamily="49" charset="0"/>
-                <a:cs typeface="Consolas" panose="020B0609020204030204" pitchFamily="49" charset="0"/>
-              </a:rPr>
-              <a:t>(</a:t>
-            </a:r>
-            <a:r>
-              <a:rPr lang="pt-BR" sz="1400" dirty="0" err="1">
-                <a:solidFill>
-                  <a:schemeClr val="accent3">
-                    <a:lumMod val="75000"/>
-                  </a:schemeClr>
-                </a:solidFill>
-                <a:latin typeface="Consolas" panose="020B0609020204030204" pitchFamily="49" charset="0"/>
-                <a:cs typeface="Consolas" panose="020B0609020204030204" pitchFamily="49" charset="0"/>
-              </a:rPr>
-              <a:t>int</a:t>
-            </a:r>
-            <a:r>
-              <a:rPr lang="pt-BR" sz="1400" dirty="0">
-                <a:latin typeface="Consolas" panose="020B0609020204030204" pitchFamily="49" charset="0"/>
-                <a:cs typeface="Consolas" panose="020B0609020204030204" pitchFamily="49" charset="0"/>
-              </a:rPr>
-              <a:t> </a:t>
-            </a:r>
-            <a:r>
-              <a:rPr lang="pt-BR" sz="1400" dirty="0" err="1">
-                <a:latin typeface="Consolas" panose="020B0609020204030204" pitchFamily="49" charset="0"/>
-                <a:cs typeface="Consolas" panose="020B0609020204030204" pitchFamily="49" charset="0"/>
-              </a:rPr>
-              <a:t>h</a:t>
-            </a:r>
-            <a:r>
-              <a:rPr lang="pt-BR" sz="1400" dirty="0">
-                <a:latin typeface="Consolas" panose="020B0609020204030204" pitchFamily="49" charset="0"/>
-                <a:cs typeface="Consolas" panose="020B0609020204030204" pitchFamily="49" charset="0"/>
-              </a:rPr>
-              <a:t> = </a:t>
-            </a:r>
-            <a:r>
-              <a:rPr lang="pt-BR" sz="1400" dirty="0">
-                <a:solidFill>
-                  <a:schemeClr val="accent3">
-                    <a:lumMod val="60000"/>
-                    <a:lumOff val="40000"/>
-                  </a:schemeClr>
-                </a:solidFill>
-                <a:latin typeface="Consolas" panose="020B0609020204030204" pitchFamily="49" charset="0"/>
-                <a:cs typeface="Consolas" panose="020B0609020204030204" pitchFamily="49" charset="0"/>
-              </a:rPr>
-              <a:t>0</a:t>
-            </a:r>
-            <a:r>
-              <a:rPr lang="pt-BR" sz="1400" dirty="0">
-                <a:latin typeface="Consolas" panose="020B0609020204030204" pitchFamily="49" charset="0"/>
-                <a:cs typeface="Consolas" panose="020B0609020204030204" pitchFamily="49" charset="0"/>
-              </a:rPr>
-              <a:t>, </a:t>
-            </a:r>
-            <a:r>
-              <a:rPr lang="pt-BR" sz="1400" dirty="0" err="1">
-                <a:solidFill>
-                  <a:schemeClr val="accent3">
-                    <a:lumMod val="75000"/>
-                  </a:schemeClr>
-                </a:solidFill>
-                <a:latin typeface="Consolas" panose="020B0609020204030204" pitchFamily="49" charset="0"/>
-                <a:cs typeface="Consolas" panose="020B0609020204030204" pitchFamily="49" charset="0"/>
-              </a:rPr>
-              <a:t>int</a:t>
-            </a:r>
-            <a:r>
-              <a:rPr lang="pt-BR" sz="1400" dirty="0">
-                <a:latin typeface="Consolas" panose="020B0609020204030204" pitchFamily="49" charset="0"/>
-                <a:cs typeface="Consolas" panose="020B0609020204030204" pitchFamily="49" charset="0"/>
-              </a:rPr>
-              <a:t> m = </a:t>
-            </a:r>
-            <a:r>
-              <a:rPr lang="pt-BR" sz="1400" dirty="0">
-                <a:solidFill>
-                  <a:schemeClr val="accent3">
-                    <a:lumMod val="60000"/>
-                    <a:lumOff val="40000"/>
-                  </a:schemeClr>
-                </a:solidFill>
-                <a:latin typeface="Consolas" panose="020B0609020204030204" pitchFamily="49" charset="0"/>
-                <a:cs typeface="Consolas" panose="020B0609020204030204" pitchFamily="49" charset="0"/>
-              </a:rPr>
-              <a:t>0</a:t>
-            </a:r>
-            <a:r>
-              <a:rPr lang="pt-BR" sz="1400" dirty="0">
-                <a:latin typeface="Consolas" panose="020B0609020204030204" pitchFamily="49" charset="0"/>
-                <a:cs typeface="Consolas" panose="020B0609020204030204" pitchFamily="49" charset="0"/>
-              </a:rPr>
-              <a:t>); </a:t>
-            </a:r>
-          </a:p>
-          <a:p>
-            <a:r>
-              <a:rPr lang="pt-BR" sz="1400" dirty="0">
-                <a:solidFill>
-                  <a:schemeClr val="accent3">
-                    <a:lumMod val="75000"/>
-                  </a:schemeClr>
-                </a:solidFill>
-                <a:latin typeface="Consolas" panose="020B0609020204030204" pitchFamily="49" charset="0"/>
-                <a:cs typeface="Consolas" panose="020B0609020204030204" pitchFamily="49" charset="0"/>
-              </a:rPr>
-              <a:t>   </a:t>
-            </a:r>
-            <a:r>
-              <a:rPr lang="pt-BR" sz="1400" dirty="0" err="1">
-                <a:solidFill>
-                  <a:schemeClr val="accent3">
-                    <a:lumMod val="75000"/>
-                  </a:schemeClr>
-                </a:solidFill>
-                <a:latin typeface="Consolas" panose="020B0609020204030204" pitchFamily="49" charset="0"/>
-                <a:cs typeface="Consolas" panose="020B0609020204030204" pitchFamily="49" charset="0"/>
-              </a:rPr>
-              <a:t>void</a:t>
-            </a:r>
-            <a:r>
-              <a:rPr lang="pt-BR" sz="1400" dirty="0">
-                <a:latin typeface="Consolas" panose="020B0609020204030204" pitchFamily="49" charset="0"/>
-                <a:cs typeface="Consolas" panose="020B0609020204030204" pitchFamily="49" charset="0"/>
-              </a:rPr>
-              <a:t> </a:t>
-            </a:r>
-            <a:r>
-              <a:rPr lang="pt-BR" sz="1400" dirty="0">
-                <a:solidFill>
-                  <a:schemeClr val="accent6">
-                    <a:lumMod val="60000"/>
-                    <a:lumOff val="40000"/>
-                  </a:schemeClr>
-                </a:solidFill>
-                <a:latin typeface="Consolas" panose="020B0609020204030204" pitchFamily="49" charset="0"/>
-                <a:cs typeface="Consolas" panose="020B0609020204030204" pitchFamily="49" charset="0"/>
-              </a:rPr>
-              <a:t>Exibir</a:t>
-            </a:r>
-            <a:r>
-              <a:rPr lang="pt-BR" sz="1400" dirty="0">
-                <a:latin typeface="Consolas" panose="020B0609020204030204" pitchFamily="49" charset="0"/>
-                <a:cs typeface="Consolas" panose="020B0609020204030204" pitchFamily="49" charset="0"/>
-              </a:rPr>
-              <a:t>() </a:t>
-            </a:r>
-            <a:r>
-              <a:rPr lang="pt-BR" sz="1400" dirty="0" err="1">
-                <a:solidFill>
-                  <a:schemeClr val="accent3">
-                    <a:lumMod val="75000"/>
-                  </a:schemeClr>
-                </a:solidFill>
-                <a:latin typeface="Consolas" panose="020B0609020204030204" pitchFamily="49" charset="0"/>
-                <a:cs typeface="Consolas" panose="020B0609020204030204" pitchFamily="49" charset="0"/>
-              </a:rPr>
-              <a:t>const</a:t>
-            </a:r>
-            <a:r>
-              <a:rPr lang="pt-BR" sz="1400" dirty="0">
-                <a:latin typeface="Consolas" panose="020B0609020204030204" pitchFamily="49" charset="0"/>
-                <a:cs typeface="Consolas" panose="020B0609020204030204" pitchFamily="49" charset="0"/>
-              </a:rPr>
-              <a:t>;</a:t>
-            </a:r>
-            <a:endParaRPr lang="pt-BR" sz="1400" dirty="0">
-              <a:solidFill>
-                <a:schemeClr val="bg1">
-                  <a:lumMod val="50000"/>
-                  <a:lumOff val="50000"/>
-                </a:schemeClr>
-              </a:solidFill>
-              <a:latin typeface="Consolas" panose="020B0609020204030204" pitchFamily="49" charset="0"/>
-              <a:cs typeface="Consolas" panose="020B0609020204030204" pitchFamily="49" charset="0"/>
-            </a:endParaRPr>
-          </a:p>
-          <a:p>
-            <a:r>
-              <a:rPr lang="pt-BR" sz="1400" dirty="0">
-                <a:latin typeface="Consolas" panose="020B0609020204030204" pitchFamily="49" charset="0"/>
-                <a:cs typeface="Consolas" panose="020B0609020204030204" pitchFamily="49" charset="0"/>
-              </a:rPr>
-              <a:t>};</a:t>
-            </a:r>
-          </a:p>
-        </p:txBody>
-      </p:sp>
       <p:grpSp>
         <p:nvGrpSpPr>
           <p:cNvPr id="7" name="Agrupar 6">
@@ -15715,10 +15211,10 @@
       </p:grpSp>
       <p:grpSp>
         <p:nvGrpSpPr>
-          <p:cNvPr id="39" name="Agrupar 38">
+          <p:cNvPr id="6" name="Agrupar 5">
             <a:extLst>
               <a:ext uri="{FF2B5EF4-FFF2-40B4-BE49-F238E27FC236}">
-                <a16:creationId xmlns:a16="http://schemas.microsoft.com/office/drawing/2014/main" id="{FAB76F63-11BF-4E4E-26CD-084279BC91E0}"/>
+                <a16:creationId xmlns:a16="http://schemas.microsoft.com/office/drawing/2014/main" id="{2F9A511D-B685-62F4-1CFA-5631C716191A}"/>
               </a:ext>
             </a:extLst>
           </p:cNvPr>
@@ -15727,18 +15223,18 @@
         </p:nvGrpSpPr>
         <p:grpSpPr>
           <a:xfrm>
-            <a:off x="4452947" y="3593788"/>
-            <a:ext cx="3245951" cy="1672054"/>
-            <a:chOff x="7988764" y="2658204"/>
-            <a:chExt cx="3245951" cy="1672054"/>
+            <a:off x="2092289" y="3593788"/>
+            <a:ext cx="5606609" cy="2677656"/>
+            <a:chOff x="2092289" y="3593788"/>
+            <a:chExt cx="5606609" cy="2677656"/>
           </a:xfrm>
         </p:grpSpPr>
         <p:sp>
           <p:nvSpPr>
-            <p:cNvPr id="23" name="CaixaDeTexto 22">
+            <p:cNvPr id="5" name="CaixaDeTexto 4">
               <a:extLst>
                 <a:ext uri="{FF2B5EF4-FFF2-40B4-BE49-F238E27FC236}">
-                  <a16:creationId xmlns:a16="http://schemas.microsoft.com/office/drawing/2014/main" id="{ABB29914-1CBA-3BB8-9F1E-30BC04A1A7FF}"/>
+                  <a16:creationId xmlns:a16="http://schemas.microsoft.com/office/drawing/2014/main" id="{92E7206C-5511-1FCB-3CF7-3EE7D9101F86}"/>
                 </a:ext>
               </a:extLst>
             </p:cNvPr>
@@ -15747,8 +15243,8 @@
           </p:nvSpPr>
           <p:spPr>
             <a:xfrm>
-              <a:off x="8653292" y="2729820"/>
-              <a:ext cx="2581423" cy="1600438"/>
+              <a:off x="2092289" y="3593788"/>
+              <a:ext cx="4116237" cy="2677656"/>
             </a:xfrm>
             <a:prstGeom prst="rect">
               <a:avLst/>
@@ -15771,6 +15267,88 @@
                   <a:latin typeface="Consolas" panose="020B0609020204030204" pitchFamily="49" charset="0"/>
                   <a:cs typeface="Consolas" panose="020B0609020204030204" pitchFamily="49" charset="0"/>
                 </a:rPr>
+                <a:t>class</a:t>
+              </a:r>
+              <a:r>
+                <a:rPr lang="pt-BR" sz="1400" dirty="0">
+                  <a:solidFill>
+                    <a:schemeClr val="accent3">
+                      <a:lumMod val="75000"/>
+                    </a:schemeClr>
+                  </a:solidFill>
+                  <a:latin typeface="Consolas" panose="020B0609020204030204" pitchFamily="49" charset="0"/>
+                  <a:cs typeface="Consolas" panose="020B0609020204030204" pitchFamily="49" charset="0"/>
+                </a:rPr>
+                <a:t> </a:t>
+              </a:r>
+              <a:r>
+                <a:rPr lang="pt-BR" sz="1400" dirty="0">
+                  <a:solidFill>
+                    <a:schemeClr val="accent3"/>
+                  </a:solidFill>
+                  <a:latin typeface="Consolas" panose="020B0609020204030204" pitchFamily="49" charset="0"/>
+                  <a:cs typeface="Consolas" panose="020B0609020204030204" pitchFamily="49" charset="0"/>
+                </a:rPr>
+                <a:t>Tempo</a:t>
+              </a:r>
+            </a:p>
+            <a:p>
+              <a:r>
+                <a:rPr lang="pt-BR" sz="1400" dirty="0">
+                  <a:latin typeface="Consolas" panose="020B0609020204030204" pitchFamily="49" charset="0"/>
+                  <a:cs typeface="Consolas" panose="020B0609020204030204" pitchFamily="49" charset="0"/>
+                </a:rPr>
+                <a:t>{</a:t>
+              </a:r>
+              <a:br>
+                <a:rPr lang="pt-BR" sz="1400" dirty="0">
+                  <a:latin typeface="Consolas" panose="020B0609020204030204" pitchFamily="49" charset="0"/>
+                  <a:cs typeface="Consolas" panose="020B0609020204030204" pitchFamily="49" charset="0"/>
+                </a:rPr>
+              </a:br>
+              <a:r>
+                <a:rPr lang="pt-BR" sz="1400" dirty="0" err="1">
+                  <a:solidFill>
+                    <a:schemeClr val="accent3">
+                      <a:lumMod val="75000"/>
+                    </a:schemeClr>
+                  </a:solidFill>
+                  <a:latin typeface="Consolas" panose="020B0609020204030204" pitchFamily="49" charset="0"/>
+                  <a:cs typeface="Consolas" panose="020B0609020204030204" pitchFamily="49" charset="0"/>
+                </a:rPr>
+                <a:t>private</a:t>
+              </a:r>
+              <a:r>
+                <a:rPr lang="pt-BR" sz="1400" dirty="0">
+                  <a:latin typeface="Consolas" panose="020B0609020204030204" pitchFamily="49" charset="0"/>
+                  <a:cs typeface="Consolas" panose="020B0609020204030204" pitchFamily="49" charset="0"/>
+                </a:rPr>
+                <a:t>:</a:t>
+              </a:r>
+            </a:p>
+            <a:p>
+              <a:r>
+                <a:rPr lang="pt-BR" sz="1400" dirty="0">
+                  <a:solidFill>
+                    <a:schemeClr val="accent3">
+                      <a:lumMod val="75000"/>
+                    </a:schemeClr>
+                  </a:solidFill>
+                  <a:latin typeface="Consolas" panose="020B0609020204030204" pitchFamily="49" charset="0"/>
+                  <a:cs typeface="Consolas" panose="020B0609020204030204" pitchFamily="49" charset="0"/>
+                </a:rPr>
+                <a:t>   </a:t>
+              </a:r>
+              <a:r>
+                <a:rPr lang="pt-BR" sz="1400" dirty="0" err="1">
+                  <a:solidFill>
+                    <a:schemeClr val="accent3">
+                      <a:lumMod val="75000"/>
+                    </a:schemeClr>
+                  </a:solidFill>
+                  <a:latin typeface="Consolas" panose="020B0609020204030204" pitchFamily="49" charset="0"/>
+                  <a:cs typeface="Consolas" panose="020B0609020204030204" pitchFamily="49" charset="0"/>
+                </a:rPr>
                 <a:t>int</a:t>
               </a:r>
               <a:r>
@@ -15778,7 +15356,45 @@
                   <a:latin typeface="Consolas" panose="020B0609020204030204" pitchFamily="49" charset="0"/>
                   <a:cs typeface="Consolas" panose="020B0609020204030204" pitchFamily="49" charset="0"/>
                 </a:rPr>
-                <a:t> main() </a:t>
+                <a:t> horas;                              </a:t>
+              </a:r>
+              <a:endParaRPr lang="pt-BR" sz="1400" dirty="0">
+                <a:solidFill>
+                  <a:schemeClr val="bg1">
+                    <a:lumMod val="50000"/>
+                    <a:lumOff val="50000"/>
+                  </a:schemeClr>
+                </a:solidFill>
+                <a:latin typeface="Consolas" panose="020B0609020204030204" pitchFamily="49" charset="0"/>
+                <a:cs typeface="Consolas" panose="020B0609020204030204" pitchFamily="49" charset="0"/>
+              </a:endParaRPr>
+            </a:p>
+            <a:p>
+              <a:r>
+                <a:rPr lang="pt-BR" sz="1400" dirty="0">
+                  <a:latin typeface="Consolas" panose="020B0609020204030204" pitchFamily="49" charset="0"/>
+                  <a:cs typeface="Consolas" panose="020B0609020204030204" pitchFamily="49" charset="0"/>
+                </a:rPr>
+                <a:t>   </a:t>
+              </a:r>
+              <a:r>
+                <a:rPr lang="pt-BR" sz="1400" dirty="0" err="1">
+                  <a:solidFill>
+                    <a:schemeClr val="accent3">
+                      <a:lumMod val="75000"/>
+                    </a:schemeClr>
+                  </a:solidFill>
+                  <a:latin typeface="Consolas" panose="020B0609020204030204" pitchFamily="49" charset="0"/>
+                  <a:cs typeface="Consolas" panose="020B0609020204030204" pitchFamily="49" charset="0"/>
+                </a:rPr>
+                <a:t>int</a:t>
+              </a:r>
+              <a:r>
+                <a:rPr lang="pt-BR" sz="1400" dirty="0">
+                  <a:latin typeface="Consolas" panose="020B0609020204030204" pitchFamily="49" charset="0"/>
+                  <a:cs typeface="Consolas" panose="020B0609020204030204" pitchFamily="49" charset="0"/>
+                </a:rPr>
+                <a:t> minutos;                            </a:t>
               </a:r>
               <a:br>
                 <a:rPr lang="pt-BR" sz="1400" dirty="0">
@@ -15786,12 +15402,70 @@
                   <a:cs typeface="Consolas" panose="020B0609020204030204" pitchFamily="49" charset="0"/>
                 </a:rPr>
               </a:br>
-              <a:r>
-                <a:rPr lang="pt-BR" sz="1400" dirty="0">
-                  <a:latin typeface="Consolas" panose="020B0609020204030204" pitchFamily="49" charset="0"/>
-                  <a:cs typeface="Consolas" panose="020B0609020204030204" pitchFamily="49" charset="0"/>
-                </a:rPr>
-                <a:t>{</a:t>
+              <a:endParaRPr lang="pt-BR" sz="1400" dirty="0">
+                <a:solidFill>
+                  <a:schemeClr val="bg1">
+                    <a:lumMod val="75000"/>
+                    <a:lumOff val="25000"/>
+                  </a:schemeClr>
+                </a:solidFill>
+                <a:latin typeface="Consolas" panose="020B0609020204030204" pitchFamily="49" charset="0"/>
+                <a:cs typeface="Consolas" panose="020B0609020204030204" pitchFamily="49" charset="0"/>
+              </a:endParaRPr>
+            </a:p>
+            <a:p>
+              <a:r>
+                <a:rPr lang="pt-BR" sz="1400" dirty="0">
+                  <a:solidFill>
+                    <a:schemeClr val="accent3">
+                      <a:lumMod val="75000"/>
+                    </a:schemeClr>
+                  </a:solidFill>
+                  <a:latin typeface="Consolas" panose="020B0609020204030204" pitchFamily="49" charset="0"/>
+                  <a:cs typeface="Consolas" panose="020B0609020204030204" pitchFamily="49" charset="0"/>
+                </a:rPr>
+                <a:t>public</a:t>
+              </a:r>
+              <a:r>
+                <a:rPr lang="pt-BR" sz="1400" dirty="0">
+                  <a:latin typeface="Consolas" panose="020B0609020204030204" pitchFamily="49" charset="0"/>
+                  <a:cs typeface="Consolas" panose="020B0609020204030204" pitchFamily="49" charset="0"/>
+                </a:rPr>
+                <a:t>:</a:t>
+              </a:r>
+            </a:p>
+            <a:p>
+              <a:r>
+                <a:rPr lang="pt-BR" sz="1400" dirty="0">
+                  <a:solidFill>
+                    <a:schemeClr val="accent3">
+                      <a:lumMod val="75000"/>
+                    </a:schemeClr>
+                  </a:solidFill>
+                  <a:latin typeface="Consolas" panose="020B0609020204030204" pitchFamily="49" charset="0"/>
+                  <a:cs typeface="Consolas" panose="020B0609020204030204" pitchFamily="49" charset="0"/>
+                </a:rPr>
+                <a:t>   </a:t>
+              </a:r>
+              <a:r>
+                <a:rPr lang="pt-BR" sz="1400" dirty="0">
+                  <a:solidFill>
+                    <a:schemeClr val="accent6">
+                      <a:lumMod val="60000"/>
+                      <a:lumOff val="40000"/>
+                    </a:schemeClr>
+                  </a:solidFill>
+                  <a:latin typeface="Consolas" panose="020B0609020204030204" pitchFamily="49" charset="0"/>
+                  <a:cs typeface="Consolas" panose="020B0609020204030204" pitchFamily="49" charset="0"/>
+                </a:rPr>
+                <a:t>Tempo</a:t>
+              </a:r>
+              <a:r>
+                <a:rPr lang="pt-BR" sz="1400" dirty="0">
+                  <a:latin typeface="Consolas" panose="020B0609020204030204" pitchFamily="49" charset="0"/>
+                  <a:cs typeface="Consolas" panose="020B0609020204030204" pitchFamily="49" charset="0"/>
+                </a:rPr>
+                <a:t>();</a:t>
               </a:r>
               <a:br>
                 <a:rPr lang="pt-BR" sz="1400" dirty="0">
@@ -15804,24 +15478,107 @@
                   <a:latin typeface="Consolas" panose="020B0609020204030204" pitchFamily="49" charset="0"/>
                   <a:cs typeface="Consolas" panose="020B0609020204030204" pitchFamily="49" charset="0"/>
                 </a:rPr>
+                <a:t> </a:t>
+              </a:r>
+              <a:endParaRPr lang="pt-BR" sz="1400" dirty="0">
+                <a:solidFill>
+                  <a:schemeClr val="accent3">
+                    <a:lumMod val="75000"/>
+                  </a:schemeClr>
+                </a:solidFill>
+                <a:latin typeface="Consolas" panose="020B0609020204030204" pitchFamily="49" charset="0"/>
+                <a:cs typeface="Consolas" panose="020B0609020204030204" pitchFamily="49" charset="0"/>
+              </a:endParaRPr>
+            </a:p>
+            <a:p>
+              <a:r>
+                <a:rPr lang="pt-BR" sz="1400" dirty="0">
+                  <a:solidFill>
+                    <a:schemeClr val="accent3">
+                      <a:lumMod val="75000"/>
+                    </a:schemeClr>
+                  </a:solidFill>
+                  <a:latin typeface="Consolas" panose="020B0609020204030204" pitchFamily="49" charset="0"/>
+                  <a:cs typeface="Consolas" panose="020B0609020204030204" pitchFamily="49" charset="0"/>
+                </a:rPr>
                 <a:t>   </a:t>
               </a:r>
               <a:r>
-                <a:rPr lang="pt-BR" sz="1400" dirty="0">
-                  <a:solidFill>
-                    <a:schemeClr val="accent3"/>
-                  </a:solidFill>
-                  <a:latin typeface="Consolas" panose="020B0609020204030204" pitchFamily="49" charset="0"/>
-                  <a:cs typeface="Consolas" panose="020B0609020204030204" pitchFamily="49" charset="0"/>
-                </a:rPr>
-                <a:t>Tempo</a:t>
-              </a:r>
-              <a:r>
-                <a:rPr lang="pt-BR" sz="1400" dirty="0">
-                  <a:latin typeface="Consolas" panose="020B0609020204030204" pitchFamily="49" charset="0"/>
-                  <a:cs typeface="Consolas" panose="020B0609020204030204" pitchFamily="49" charset="0"/>
-                </a:rPr>
-                <a:t> t = {</a:t>
+                <a:rPr lang="pt-BR" sz="1400" dirty="0" err="1">
+                  <a:solidFill>
+                    <a:schemeClr val="accent3">
+                      <a:lumMod val="75000"/>
+                    </a:schemeClr>
+                  </a:solidFill>
+                  <a:latin typeface="Consolas" panose="020B0609020204030204" pitchFamily="49" charset="0"/>
+                  <a:cs typeface="Consolas" panose="020B0609020204030204" pitchFamily="49" charset="0"/>
+                </a:rPr>
+                <a:t>void</a:t>
+              </a:r>
+              <a:r>
+                <a:rPr lang="pt-BR" sz="1400" dirty="0">
+                  <a:solidFill>
+                    <a:schemeClr val="accent3">
+                      <a:lumMod val="75000"/>
+                    </a:schemeClr>
+                  </a:solidFill>
+                  <a:latin typeface="Consolas" panose="020B0609020204030204" pitchFamily="49" charset="0"/>
+                  <a:cs typeface="Consolas" panose="020B0609020204030204" pitchFamily="49" charset="0"/>
+                </a:rPr>
+                <a:t> </a:t>
+              </a:r>
+              <a:r>
+                <a:rPr lang="pt-BR" sz="1400" dirty="0">
+                  <a:solidFill>
+                    <a:schemeClr val="accent6">
+                      <a:lumMod val="60000"/>
+                      <a:lumOff val="40000"/>
+                    </a:schemeClr>
+                  </a:solidFill>
+                  <a:latin typeface="Consolas" panose="020B0609020204030204" pitchFamily="49" charset="0"/>
+                  <a:cs typeface="Consolas" panose="020B0609020204030204" pitchFamily="49" charset="0"/>
+                </a:rPr>
+                <a:t>Resetar</a:t>
+              </a:r>
+              <a:r>
+                <a:rPr lang="pt-BR" sz="1400" dirty="0">
+                  <a:latin typeface="Consolas" panose="020B0609020204030204" pitchFamily="49" charset="0"/>
+                  <a:cs typeface="Consolas" panose="020B0609020204030204" pitchFamily="49" charset="0"/>
+                </a:rPr>
+                <a:t>(</a:t>
+              </a:r>
+              <a:r>
+                <a:rPr lang="pt-BR" sz="1400" dirty="0" err="1">
+                  <a:solidFill>
+                    <a:schemeClr val="accent3">
+                      <a:lumMod val="75000"/>
+                    </a:schemeClr>
+                  </a:solidFill>
+                  <a:latin typeface="Consolas" panose="020B0609020204030204" pitchFamily="49" charset="0"/>
+                  <a:cs typeface="Consolas" panose="020B0609020204030204" pitchFamily="49" charset="0"/>
+                </a:rPr>
+                <a:t>int</a:t>
+              </a:r>
+              <a:r>
+                <a:rPr lang="pt-BR" sz="1400" dirty="0">
+                  <a:latin typeface="Consolas" panose="020B0609020204030204" pitchFamily="49" charset="0"/>
+                  <a:cs typeface="Consolas" panose="020B0609020204030204" pitchFamily="49" charset="0"/>
+                </a:rPr>
+                <a:t> </a:t>
+              </a:r>
+              <a:r>
+                <a:rPr lang="pt-BR" sz="1400" dirty="0" err="1">
+                  <a:latin typeface="Consolas" panose="020B0609020204030204" pitchFamily="49" charset="0"/>
+                  <a:cs typeface="Consolas" panose="020B0609020204030204" pitchFamily="49" charset="0"/>
+                </a:rPr>
+                <a:t>h</a:t>
+              </a:r>
+              <a:r>
+                <a:rPr lang="pt-BR" sz="1400" dirty="0">
+                  <a:latin typeface="Consolas" panose="020B0609020204030204" pitchFamily="49" charset="0"/>
+                  <a:cs typeface="Consolas" panose="020B0609020204030204" pitchFamily="49" charset="0"/>
+                </a:rPr>
+                <a:t> = </a:t>
               </a:r>
               <a:r>
                 <a:rPr lang="pt-BR" sz="1400" dirty="0">
@@ -15834,7 +15591,7 @@
                   <a:latin typeface="Consolas" panose="020B0609020204030204" pitchFamily="49" charset="0"/>
                   <a:cs typeface="Consolas" panose="020B0609020204030204" pitchFamily="49" charset="0"/>
                 </a:rPr>
-                <a:t>2</a:t>
+                <a:t>0</a:t>
               </a:r>
               <a:r>
                 <a:rPr lang="pt-BR" sz="1400" dirty="0">
@@ -15842,6 +15599,25 @@
                   <a:cs typeface="Consolas" panose="020B0609020204030204" pitchFamily="49" charset="0"/>
                 </a:rPr>
                 <a:t>, </a:t>
+              </a:r>
+              <a:r>
+                <a:rPr lang="pt-BR" sz="1400" dirty="0" err="1">
+                  <a:solidFill>
+                    <a:schemeClr val="accent3">
+                      <a:lumMod val="75000"/>
+                    </a:schemeClr>
+                  </a:solidFill>
+                  <a:latin typeface="Consolas" panose="020B0609020204030204" pitchFamily="49" charset="0"/>
+                  <a:cs typeface="Consolas" panose="020B0609020204030204" pitchFamily="49" charset="0"/>
+                </a:rPr>
+                <a:t>int</a:t>
+              </a:r>
+              <a:r>
+                <a:rPr lang="pt-BR" sz="1400" dirty="0">
+                  <a:latin typeface="Consolas" panose="020B0609020204030204" pitchFamily="49" charset="0"/>
+                  <a:cs typeface="Consolas" panose="020B0609020204030204" pitchFamily="49" charset="0"/>
+                </a:rPr>
+                <a:t> m = </a:t>
               </a:r>
               <a:r>
                 <a:rPr lang="pt-BR" sz="1400" dirty="0">
@@ -15854,66 +15630,24 @@
                   <a:latin typeface="Consolas" panose="020B0609020204030204" pitchFamily="49" charset="0"/>
                   <a:cs typeface="Consolas" panose="020B0609020204030204" pitchFamily="49" charset="0"/>
                 </a:rPr>
-                <a:t>10</a:t>
-              </a:r>
-              <a:r>
-                <a:rPr lang="pt-BR" sz="1400" dirty="0">
-                  <a:latin typeface="Consolas" panose="020B0609020204030204" pitchFamily="49" charset="0"/>
-                  <a:cs typeface="Consolas" panose="020B0609020204030204" pitchFamily="49" charset="0"/>
-                </a:rPr>
-                <a:t>};</a:t>
-              </a:r>
-              <a:br>
-                <a:rPr lang="pt-BR" sz="1400" dirty="0">
-                  <a:latin typeface="Consolas" panose="020B0609020204030204" pitchFamily="49" charset="0"/>
-                  <a:cs typeface="Consolas" panose="020B0609020204030204" pitchFamily="49" charset="0"/>
-                </a:rPr>
-              </a:br>
-              <a:r>
-                <a:rPr lang="pt-BR" sz="1400" dirty="0">
-                  <a:latin typeface="Consolas" panose="020B0609020204030204" pitchFamily="49" charset="0"/>
-                  <a:cs typeface="Consolas" panose="020B0609020204030204" pitchFamily="49" charset="0"/>
-                </a:rPr>
-                <a:t>   </a:t>
-              </a:r>
-              <a:r>
-                <a:rPr lang="pt-BR" sz="1400" dirty="0" err="1">
-                  <a:latin typeface="Consolas" panose="020B0609020204030204" pitchFamily="49" charset="0"/>
-                  <a:cs typeface="Consolas" panose="020B0609020204030204" pitchFamily="49" charset="0"/>
-                </a:rPr>
-                <a:t>t.horas</a:t>
-              </a:r>
-              <a:r>
-                <a:rPr lang="pt-BR" sz="1400" dirty="0">
-                  <a:latin typeface="Consolas" panose="020B0609020204030204" pitchFamily="49" charset="0"/>
-                  <a:cs typeface="Consolas" panose="020B0609020204030204" pitchFamily="49" charset="0"/>
-                </a:rPr>
-                <a:t> = </a:t>
-              </a:r>
-              <a:r>
-                <a:rPr lang="pt-BR" sz="1400" dirty="0">
-                  <a:solidFill>
-                    <a:schemeClr val="accent3">
-                      <a:lumMod val="60000"/>
-                      <a:lumOff val="40000"/>
-                    </a:schemeClr>
-                  </a:solidFill>
-                  <a:latin typeface="Consolas" panose="020B0609020204030204" pitchFamily="49" charset="0"/>
-                  <a:cs typeface="Consolas" panose="020B0609020204030204" pitchFamily="49" charset="0"/>
-                </a:rPr>
-                <a:t>3</a:t>
-              </a:r>
-              <a:r>
-                <a:rPr lang="pt-BR" sz="1400" dirty="0">
-                  <a:latin typeface="Consolas" panose="020B0609020204030204" pitchFamily="49" charset="0"/>
-                  <a:cs typeface="Consolas" panose="020B0609020204030204" pitchFamily="49" charset="0"/>
-                </a:rPr>
-                <a:t>;</a:t>
+                <a:t>0</a:t>
+              </a:r>
+              <a:r>
+                <a:rPr lang="pt-BR" sz="1400" dirty="0">
+                  <a:latin typeface="Consolas" panose="020B0609020204030204" pitchFamily="49" charset="0"/>
+                  <a:cs typeface="Consolas" panose="020B0609020204030204" pitchFamily="49" charset="0"/>
+                </a:rPr>
+                <a:t>); </a:t>
               </a:r>
             </a:p>
             <a:p>
               <a:r>
                 <a:rPr lang="pt-BR" sz="1400" dirty="0">
+                  <a:solidFill>
+                    <a:schemeClr val="accent3">
+                      <a:lumMod val="75000"/>
+                    </a:schemeClr>
+                  </a:solidFill>
                   <a:latin typeface="Consolas" panose="020B0609020204030204" pitchFamily="49" charset="0"/>
                   <a:cs typeface="Consolas" panose="020B0609020204030204" pitchFamily="49" charset="0"/>
                 </a:rPr>
@@ -15921,13 +15655,25 @@
               </a:r>
               <a:r>
                 <a:rPr lang="pt-BR" sz="1400" dirty="0" err="1">
-                  <a:latin typeface="Consolas" panose="020B0609020204030204" pitchFamily="49" charset="0"/>
-                  <a:cs typeface="Consolas" panose="020B0609020204030204" pitchFamily="49" charset="0"/>
-                </a:rPr>
-                <a:t>t.</a:t>
-              </a:r>
-              <a:r>
-                <a:rPr lang="pt-BR" sz="1400" dirty="0" err="1">
+                  <a:solidFill>
+                    <a:schemeClr val="accent3">
+                      <a:lumMod val="75000"/>
+                    </a:schemeClr>
+                  </a:solidFill>
+                  <a:latin typeface="Consolas" panose="020B0609020204030204" pitchFamily="49" charset="0"/>
+                  <a:cs typeface="Consolas" panose="020B0609020204030204" pitchFamily="49" charset="0"/>
+                </a:rPr>
+                <a:t>void</a:t>
+              </a:r>
+              <a:r>
+                <a:rPr lang="pt-BR" sz="1400" dirty="0">
+                  <a:latin typeface="Consolas" panose="020B0609020204030204" pitchFamily="49" charset="0"/>
+                  <a:cs typeface="Consolas" panose="020B0609020204030204" pitchFamily="49" charset="0"/>
+                </a:rPr>
+                <a:t> </a:t>
+              </a:r>
+              <a:r>
+                <a:rPr lang="pt-BR" sz="1400" dirty="0">
                   <a:solidFill>
                     <a:schemeClr val="accent6">
                       <a:lumMod val="60000"/>
@@ -15937,28 +15683,44 @@
                   <a:latin typeface="Consolas" panose="020B0609020204030204" pitchFamily="49" charset="0"/>
                   <a:cs typeface="Consolas" panose="020B0609020204030204" pitchFamily="49" charset="0"/>
                 </a:rPr>
-                <a:t>Resetar</a:t>
-              </a:r>
-              <a:r>
-                <a:rPr lang="pt-BR" sz="1400" dirty="0">
-                  <a:latin typeface="Consolas" panose="020B0609020204030204" pitchFamily="49" charset="0"/>
-                  <a:cs typeface="Consolas" panose="020B0609020204030204" pitchFamily="49" charset="0"/>
-                </a:rPr>
-                <a:t>(3);</a:t>
-              </a:r>
-              <a:br>
-                <a:rPr lang="pt-BR" sz="1400" dirty="0">
-                  <a:latin typeface="Consolas" panose="020B0609020204030204" pitchFamily="49" charset="0"/>
-                  <a:cs typeface="Consolas" panose="020B0609020204030204" pitchFamily="49" charset="0"/>
-                </a:rPr>
-              </a:br>
-              <a:r>
-                <a:rPr lang="pt-BR" sz="1400" dirty="0">
-                  <a:latin typeface="Consolas" panose="020B0609020204030204" pitchFamily="49" charset="0"/>
-                  <a:cs typeface="Consolas" panose="020B0609020204030204" pitchFamily="49" charset="0"/>
-                </a:rPr>
-                <a:t>   ...</a:t>
-              </a:r>
+                <a:t>Exibir</a:t>
+              </a:r>
+              <a:r>
+                <a:rPr lang="pt-BR" sz="1400" dirty="0">
+                  <a:latin typeface="Consolas" panose="020B0609020204030204" pitchFamily="49" charset="0"/>
+                  <a:cs typeface="Consolas" panose="020B0609020204030204" pitchFamily="49" charset="0"/>
+                </a:rPr>
+                <a:t>() </a:t>
+              </a:r>
+              <a:r>
+                <a:rPr lang="pt-BR" sz="1400" dirty="0" err="1">
+                  <a:solidFill>
+                    <a:schemeClr val="accent3">
+                      <a:lumMod val="75000"/>
+                    </a:schemeClr>
+                  </a:solidFill>
+                  <a:latin typeface="Consolas" panose="020B0609020204030204" pitchFamily="49" charset="0"/>
+                  <a:cs typeface="Consolas" panose="020B0609020204030204" pitchFamily="49" charset="0"/>
+                </a:rPr>
+                <a:t>const</a:t>
+              </a:r>
+              <a:r>
+                <a:rPr lang="pt-BR" sz="1400" dirty="0">
+                  <a:latin typeface="Consolas" panose="020B0609020204030204" pitchFamily="49" charset="0"/>
+                  <a:cs typeface="Consolas" panose="020B0609020204030204" pitchFamily="49" charset="0"/>
+                </a:rPr>
+                <a:t>;</a:t>
+              </a:r>
+              <a:endParaRPr lang="pt-BR" sz="1400" dirty="0">
+                <a:solidFill>
+                  <a:schemeClr val="bg1">
+                    <a:lumMod val="50000"/>
+                    <a:lumOff val="50000"/>
+                  </a:schemeClr>
+                </a:solidFill>
+                <a:latin typeface="Consolas" panose="020B0609020204030204" pitchFamily="49" charset="0"/>
+                <a:cs typeface="Consolas" panose="020B0609020204030204" pitchFamily="49" charset="0"/>
+              </a:endParaRPr>
             </a:p>
             <a:p>
               <a:r>
@@ -15966,133 +15728,392 @@
                   <a:latin typeface="Consolas" panose="020B0609020204030204" pitchFamily="49" charset="0"/>
                   <a:cs typeface="Consolas" panose="020B0609020204030204" pitchFamily="49" charset="0"/>
                 </a:rPr>
-                <a:t>}</a:t>
+                <a:t>};</a:t>
               </a:r>
             </a:p>
           </p:txBody>
         </p:sp>
-        <p:cxnSp>
-          <p:nvCxnSpPr>
-            <p:cNvPr id="24" name="Conector reto 16">
+        <p:grpSp>
+          <p:nvGrpSpPr>
+            <p:cNvPr id="39" name="Agrupar 38">
               <a:extLst>
                 <a:ext uri="{FF2B5EF4-FFF2-40B4-BE49-F238E27FC236}">
-                  <a16:creationId xmlns:a16="http://schemas.microsoft.com/office/drawing/2014/main" id="{C719EF2F-D24F-8D29-15FC-83678C08DBB7}"/>
+                  <a16:creationId xmlns:a16="http://schemas.microsoft.com/office/drawing/2014/main" id="{FAB76F63-11BF-4E4E-26CD-084279BC91E0}"/>
                 </a:ext>
               </a:extLst>
             </p:cNvPr>
-            <p:cNvCxnSpPr>
-              <a:cxnSpLocks/>
-            </p:cNvCxnSpPr>
+            <p:cNvGrpSpPr/>
             <p:nvPr/>
-          </p:nvCxnSpPr>
-          <p:spPr>
-            <a:xfrm flipV="1">
-              <a:off x="7988764" y="2658204"/>
-              <a:ext cx="0" cy="1672054"/>
+          </p:nvGrpSpPr>
+          <p:grpSpPr>
+            <a:xfrm>
+              <a:off x="4452947" y="3593788"/>
+              <a:ext cx="3245951" cy="1672054"/>
+              <a:chOff x="7988764" y="2658204"/>
+              <a:chExt cx="3245951" cy="1672054"/>
             </a:xfrm>
-            <a:prstGeom prst="line">
-              <a:avLst/>
-            </a:prstGeom>
-            <a:ln w="12700">
-              <a:solidFill>
-                <a:schemeClr val="accent6"/>
-              </a:solidFill>
-              <a:prstDash val="dash"/>
-            </a:ln>
-          </p:spPr>
-          <p:style>
-            <a:lnRef idx="1">
-              <a:schemeClr val="accent1"/>
-            </a:lnRef>
-            <a:fillRef idx="0">
-              <a:schemeClr val="accent1"/>
-            </a:fillRef>
-            <a:effectRef idx="0">
-              <a:schemeClr val="accent1"/>
-            </a:effectRef>
-            <a:fontRef idx="minor">
-              <a:schemeClr val="tx1"/>
-            </a:fontRef>
-          </p:style>
-        </p:cxnSp>
-        <p:pic>
-          <p:nvPicPr>
-            <p:cNvPr id="30" name="Gráfico 29" descr="Fechar com preenchimento sólido">
-              <a:extLst>
-                <a:ext uri="{FF2B5EF4-FFF2-40B4-BE49-F238E27FC236}">
-                  <a16:creationId xmlns:a16="http://schemas.microsoft.com/office/drawing/2014/main" id="{A6601EA7-C3A8-7FED-504A-C6FC16F0D457}"/>
-                </a:ext>
-              </a:extLst>
-            </p:cNvPr>
-            <p:cNvPicPr>
-              <a:picLocks noChangeAspect="1"/>
-            </p:cNvPicPr>
-            <p:nvPr/>
-          </p:nvPicPr>
-          <p:blipFill>
-            <a:blip r:embed="rId3">
-              <a:extLst>
-                <a:ext uri="{28A0092B-C50C-407E-A947-70E740481C1C}">
-                  <a14:useLocalDpi xmlns:a14="http://schemas.microsoft.com/office/drawing/2010/main" val="0"/>
-                </a:ext>
-                <a:ext uri="{96DAC541-7B7A-43D3-8B79-37D633B846F1}">
-                  <asvg:svgBlip xmlns:asvg="http://schemas.microsoft.com/office/drawing/2016/SVG/main" r:embed="rId4"/>
-                </a:ext>
-              </a:extLst>
-            </a:blip>
-            <a:stretch>
-              <a:fillRect/>
-            </a:stretch>
-          </p:blipFill>
-          <p:spPr>
-            <a:xfrm>
-              <a:off x="10385293" y="3471179"/>
-              <a:ext cx="160638" cy="160638"/>
-            </a:xfrm>
-            <a:prstGeom prst="rect">
-              <a:avLst/>
-            </a:prstGeom>
-          </p:spPr>
-        </p:pic>
-        <p:pic>
-          <p:nvPicPr>
-            <p:cNvPr id="32" name="Gráfico 31" descr="Marca de seleção com preenchimento sólido">
-              <a:extLst>
-                <a:ext uri="{FF2B5EF4-FFF2-40B4-BE49-F238E27FC236}">
-                  <a16:creationId xmlns:a16="http://schemas.microsoft.com/office/drawing/2014/main" id="{639505F4-0A0F-97DA-934D-C87BA91F97A9}"/>
-                </a:ext>
-              </a:extLst>
-            </p:cNvPr>
-            <p:cNvPicPr>
-              <a:picLocks noChangeAspect="1"/>
-            </p:cNvPicPr>
-            <p:nvPr/>
-          </p:nvPicPr>
-          <p:blipFill>
-            <a:blip r:embed="rId5">
-              <a:extLst>
-                <a:ext uri="{28A0092B-C50C-407E-A947-70E740481C1C}">
-                  <a14:useLocalDpi xmlns:a14="http://schemas.microsoft.com/office/drawing/2010/main" val="0"/>
-                </a:ext>
-                <a:ext uri="{96DAC541-7B7A-43D3-8B79-37D633B846F1}">
-                  <asvg:svgBlip xmlns:asvg="http://schemas.microsoft.com/office/drawing/2016/SVG/main" r:embed="rId6"/>
-                </a:ext>
-              </a:extLst>
-            </a:blip>
-            <a:stretch>
-              <a:fillRect/>
-            </a:stretch>
-          </p:blipFill>
-          <p:spPr>
-            <a:xfrm>
-              <a:off x="10385292" y="3688245"/>
-              <a:ext cx="160640" cy="160640"/>
-            </a:xfrm>
-            <a:prstGeom prst="rect">
-              <a:avLst/>
-            </a:prstGeom>
-          </p:spPr>
-        </p:pic>
+          </p:grpSpPr>
+          <p:sp>
+            <p:nvSpPr>
+              <p:cNvPr id="23" name="CaixaDeTexto 22">
+                <a:extLst>
+                  <a:ext uri="{FF2B5EF4-FFF2-40B4-BE49-F238E27FC236}">
+                    <a16:creationId xmlns:a16="http://schemas.microsoft.com/office/drawing/2014/main" id="{ABB29914-1CBA-3BB8-9F1E-30BC04A1A7FF}"/>
+                  </a:ext>
+                </a:extLst>
+              </p:cNvPr>
+              <p:cNvSpPr txBox="1"/>
+              <p:nvPr/>
+            </p:nvSpPr>
+            <p:spPr>
+              <a:xfrm>
+                <a:off x="8653292" y="2729820"/>
+                <a:ext cx="2581423" cy="1600438"/>
+              </a:xfrm>
+              <a:prstGeom prst="rect">
+                <a:avLst/>
+              </a:prstGeom>
+              <a:noFill/>
+            </p:spPr>
+            <p:txBody>
+              <a:bodyPr wrap="square">
+                <a:spAutoFit/>
+              </a:bodyPr>
+              <a:lstStyle/>
+              <a:p>
+                <a:r>
+                  <a:rPr lang="pt-BR" sz="1400" dirty="0" err="1">
+                    <a:solidFill>
+                      <a:schemeClr val="accent3">
+                        <a:lumMod val="75000"/>
+                      </a:schemeClr>
+                    </a:solidFill>
+                    <a:latin typeface="Consolas" panose="020B0609020204030204" pitchFamily="49" charset="0"/>
+                    <a:cs typeface="Consolas" panose="020B0609020204030204" pitchFamily="49" charset="0"/>
+                  </a:rPr>
+                  <a:t>int</a:t>
+                </a:r>
+                <a:r>
+                  <a:rPr lang="pt-BR" sz="1400" dirty="0">
+                    <a:latin typeface="Consolas" panose="020B0609020204030204" pitchFamily="49" charset="0"/>
+                    <a:cs typeface="Consolas" panose="020B0609020204030204" pitchFamily="49" charset="0"/>
+                  </a:rPr>
+                  <a:t> main() </a:t>
+                </a:r>
+                <a:br>
+                  <a:rPr lang="pt-BR" sz="1400" dirty="0">
+                    <a:latin typeface="Consolas" panose="020B0609020204030204" pitchFamily="49" charset="0"/>
+                    <a:cs typeface="Consolas" panose="020B0609020204030204" pitchFamily="49" charset="0"/>
+                  </a:rPr>
+                </a:br>
+                <a:r>
+                  <a:rPr lang="pt-BR" sz="1400" dirty="0">
+                    <a:latin typeface="Consolas" panose="020B0609020204030204" pitchFamily="49" charset="0"/>
+                    <a:cs typeface="Consolas" panose="020B0609020204030204" pitchFamily="49" charset="0"/>
+                  </a:rPr>
+                  <a:t>{</a:t>
+                </a:r>
+                <a:br>
+                  <a:rPr lang="pt-BR" sz="1400" dirty="0">
+                    <a:latin typeface="Consolas" panose="020B0609020204030204" pitchFamily="49" charset="0"/>
+                    <a:cs typeface="Consolas" panose="020B0609020204030204" pitchFamily="49" charset="0"/>
+                  </a:rPr>
+                </a:br>
+                <a:r>
+                  <a:rPr lang="pt-BR" sz="1400" dirty="0">
+                    <a:latin typeface="Consolas" panose="020B0609020204030204" pitchFamily="49" charset="0"/>
+                    <a:cs typeface="Consolas" panose="020B0609020204030204" pitchFamily="49" charset="0"/>
+                  </a:rPr>
+                  <a:t>   </a:t>
+                </a:r>
+                <a:r>
+                  <a:rPr lang="pt-BR" sz="1400" dirty="0">
+                    <a:solidFill>
+                      <a:schemeClr val="accent3"/>
+                    </a:solidFill>
+                    <a:latin typeface="Consolas" panose="020B0609020204030204" pitchFamily="49" charset="0"/>
+                    <a:cs typeface="Consolas" panose="020B0609020204030204" pitchFamily="49" charset="0"/>
+                  </a:rPr>
+                  <a:t>Tempo</a:t>
+                </a:r>
+                <a:r>
+                  <a:rPr lang="pt-BR" sz="1400" dirty="0">
+                    <a:latin typeface="Consolas" panose="020B0609020204030204" pitchFamily="49" charset="0"/>
+                    <a:cs typeface="Consolas" panose="020B0609020204030204" pitchFamily="49" charset="0"/>
+                  </a:rPr>
+                  <a:t> t = {</a:t>
+                </a:r>
+                <a:r>
+                  <a:rPr lang="pt-BR" sz="1400" dirty="0">
+                    <a:solidFill>
+                      <a:schemeClr val="accent3">
+                        <a:lumMod val="60000"/>
+                        <a:lumOff val="40000"/>
+                      </a:schemeClr>
+                    </a:solidFill>
+                    <a:latin typeface="Consolas" panose="020B0609020204030204" pitchFamily="49" charset="0"/>
+                    <a:cs typeface="Consolas" panose="020B0609020204030204" pitchFamily="49" charset="0"/>
+                  </a:rPr>
+                  <a:t>2</a:t>
+                </a:r>
+                <a:r>
+                  <a:rPr lang="pt-BR" sz="1400" dirty="0">
+                    <a:latin typeface="Consolas" panose="020B0609020204030204" pitchFamily="49" charset="0"/>
+                    <a:cs typeface="Consolas" panose="020B0609020204030204" pitchFamily="49" charset="0"/>
+                  </a:rPr>
+                  <a:t>, </a:t>
+                </a:r>
+                <a:r>
+                  <a:rPr lang="pt-BR" sz="1400" dirty="0">
+                    <a:solidFill>
+                      <a:schemeClr val="accent3">
+                        <a:lumMod val="60000"/>
+                        <a:lumOff val="40000"/>
+                      </a:schemeClr>
+                    </a:solidFill>
+                    <a:latin typeface="Consolas" panose="020B0609020204030204" pitchFamily="49" charset="0"/>
+                    <a:cs typeface="Consolas" panose="020B0609020204030204" pitchFamily="49" charset="0"/>
+                  </a:rPr>
+                  <a:t>10</a:t>
+                </a:r>
+                <a:r>
+                  <a:rPr lang="pt-BR" sz="1400" dirty="0">
+                    <a:latin typeface="Consolas" panose="020B0609020204030204" pitchFamily="49" charset="0"/>
+                    <a:cs typeface="Consolas" panose="020B0609020204030204" pitchFamily="49" charset="0"/>
+                  </a:rPr>
+                  <a:t>};</a:t>
+                </a:r>
+                <a:br>
+                  <a:rPr lang="pt-BR" sz="1400" dirty="0">
+                    <a:latin typeface="Consolas" panose="020B0609020204030204" pitchFamily="49" charset="0"/>
+                    <a:cs typeface="Consolas" panose="020B0609020204030204" pitchFamily="49" charset="0"/>
+                  </a:rPr>
+                </a:br>
+                <a:r>
+                  <a:rPr lang="pt-BR" sz="1400" dirty="0">
+                    <a:latin typeface="Consolas" panose="020B0609020204030204" pitchFamily="49" charset="0"/>
+                    <a:cs typeface="Consolas" panose="020B0609020204030204" pitchFamily="49" charset="0"/>
+                  </a:rPr>
+                  <a:t>   </a:t>
+                </a:r>
+                <a:r>
+                  <a:rPr lang="pt-BR" sz="1400" dirty="0" err="1">
+                    <a:latin typeface="Consolas" panose="020B0609020204030204" pitchFamily="49" charset="0"/>
+                    <a:cs typeface="Consolas" panose="020B0609020204030204" pitchFamily="49" charset="0"/>
+                  </a:rPr>
+                  <a:t>t.horas</a:t>
+                </a:r>
+                <a:r>
+                  <a:rPr lang="pt-BR" sz="1400" dirty="0">
+                    <a:latin typeface="Consolas" panose="020B0609020204030204" pitchFamily="49" charset="0"/>
+                    <a:cs typeface="Consolas" panose="020B0609020204030204" pitchFamily="49" charset="0"/>
+                  </a:rPr>
+                  <a:t> = </a:t>
+                </a:r>
+                <a:r>
+                  <a:rPr lang="pt-BR" sz="1400" dirty="0">
+                    <a:solidFill>
+                      <a:schemeClr val="accent3">
+                        <a:lumMod val="60000"/>
+                        <a:lumOff val="40000"/>
+                      </a:schemeClr>
+                    </a:solidFill>
+                    <a:latin typeface="Consolas" panose="020B0609020204030204" pitchFamily="49" charset="0"/>
+                    <a:cs typeface="Consolas" panose="020B0609020204030204" pitchFamily="49" charset="0"/>
+                  </a:rPr>
+                  <a:t>3</a:t>
+                </a:r>
+                <a:r>
+                  <a:rPr lang="pt-BR" sz="1400" dirty="0">
+                    <a:latin typeface="Consolas" panose="020B0609020204030204" pitchFamily="49" charset="0"/>
+                    <a:cs typeface="Consolas" panose="020B0609020204030204" pitchFamily="49" charset="0"/>
+                  </a:rPr>
+                  <a:t>;</a:t>
+                </a:r>
+              </a:p>
+              <a:p>
+                <a:r>
+                  <a:rPr lang="pt-BR" sz="1400" dirty="0">
+                    <a:latin typeface="Consolas" panose="020B0609020204030204" pitchFamily="49" charset="0"/>
+                    <a:cs typeface="Consolas" panose="020B0609020204030204" pitchFamily="49" charset="0"/>
+                  </a:rPr>
+                  <a:t>   </a:t>
+                </a:r>
+                <a:r>
+                  <a:rPr lang="pt-BR" sz="1400" dirty="0" err="1">
+                    <a:latin typeface="Consolas" panose="020B0609020204030204" pitchFamily="49" charset="0"/>
+                    <a:cs typeface="Consolas" panose="020B0609020204030204" pitchFamily="49" charset="0"/>
+                  </a:rPr>
+                  <a:t>t.</a:t>
+                </a:r>
+                <a:r>
+                  <a:rPr lang="pt-BR" sz="1400" dirty="0" err="1">
+                    <a:solidFill>
+                      <a:schemeClr val="accent6">
+                        <a:lumMod val="60000"/>
+                        <a:lumOff val="40000"/>
+                      </a:schemeClr>
+                    </a:solidFill>
+                    <a:latin typeface="Consolas" panose="020B0609020204030204" pitchFamily="49" charset="0"/>
+                    <a:cs typeface="Consolas" panose="020B0609020204030204" pitchFamily="49" charset="0"/>
+                  </a:rPr>
+                  <a:t>Resetar</a:t>
+                </a:r>
+                <a:r>
+                  <a:rPr lang="pt-BR" sz="1400" dirty="0">
+                    <a:latin typeface="Consolas" panose="020B0609020204030204" pitchFamily="49" charset="0"/>
+                    <a:cs typeface="Consolas" panose="020B0609020204030204" pitchFamily="49" charset="0"/>
+                  </a:rPr>
+                  <a:t>(3);</a:t>
+                </a:r>
+                <a:br>
+                  <a:rPr lang="pt-BR" sz="1400" dirty="0">
+                    <a:latin typeface="Consolas" panose="020B0609020204030204" pitchFamily="49" charset="0"/>
+                    <a:cs typeface="Consolas" panose="020B0609020204030204" pitchFamily="49" charset="0"/>
+                  </a:rPr>
+                </a:br>
+                <a:r>
+                  <a:rPr lang="pt-BR" sz="1400" dirty="0">
+                    <a:latin typeface="Consolas" panose="020B0609020204030204" pitchFamily="49" charset="0"/>
+                    <a:cs typeface="Consolas" panose="020B0609020204030204" pitchFamily="49" charset="0"/>
+                  </a:rPr>
+                  <a:t>   ...</a:t>
+                </a:r>
+              </a:p>
+              <a:p>
+                <a:r>
+                  <a:rPr lang="pt-BR" sz="1400" dirty="0">
+                    <a:latin typeface="Consolas" panose="020B0609020204030204" pitchFamily="49" charset="0"/>
+                    <a:cs typeface="Consolas" panose="020B0609020204030204" pitchFamily="49" charset="0"/>
+                  </a:rPr>
+                  <a:t>}</a:t>
+                </a:r>
+              </a:p>
+            </p:txBody>
+          </p:sp>
+          <p:cxnSp>
+            <p:nvCxnSpPr>
+              <p:cNvPr id="24" name="Conector reto 16">
+                <a:extLst>
+                  <a:ext uri="{FF2B5EF4-FFF2-40B4-BE49-F238E27FC236}">
+                    <a16:creationId xmlns:a16="http://schemas.microsoft.com/office/drawing/2014/main" id="{C719EF2F-D24F-8D29-15FC-83678C08DBB7}"/>
+                  </a:ext>
+                </a:extLst>
+              </p:cNvPr>
+              <p:cNvCxnSpPr>
+                <a:cxnSpLocks/>
+              </p:cNvCxnSpPr>
+              <p:nvPr/>
+            </p:nvCxnSpPr>
+            <p:spPr>
+              <a:xfrm flipV="1">
+                <a:off x="7988764" y="2658204"/>
+                <a:ext cx="0" cy="1672054"/>
+              </a:xfrm>
+              <a:prstGeom prst="line">
+                <a:avLst/>
+              </a:prstGeom>
+              <a:ln w="12700">
+                <a:solidFill>
+                  <a:schemeClr val="accent6"/>
+                </a:solidFill>
+                <a:prstDash val="dash"/>
+              </a:ln>
+            </p:spPr>
+            <p:style>
+              <a:lnRef idx="1">
+                <a:schemeClr val="accent1"/>
+              </a:lnRef>
+              <a:fillRef idx="0">
+                <a:schemeClr val="accent1"/>
+              </a:fillRef>
+              <a:effectRef idx="0">
+                <a:schemeClr val="accent1"/>
+              </a:effectRef>
+              <a:fontRef idx="minor">
+                <a:schemeClr val="tx1"/>
+              </a:fontRef>
+            </p:style>
+          </p:cxnSp>
+          <p:pic>
+            <p:nvPicPr>
+              <p:cNvPr id="30" name="Gráfico 29" descr="Fechar com preenchimento sólido">
+                <a:extLst>
+                  <a:ext uri="{FF2B5EF4-FFF2-40B4-BE49-F238E27FC236}">
+                    <a16:creationId xmlns:a16="http://schemas.microsoft.com/office/drawing/2014/main" id="{A6601EA7-C3A8-7FED-504A-C6FC16F0D457}"/>
+                  </a:ext>
+                </a:extLst>
+              </p:cNvPr>
+              <p:cNvPicPr>
+                <a:picLocks noChangeAspect="1"/>
+              </p:cNvPicPr>
+              <p:nvPr/>
+            </p:nvPicPr>
+            <p:blipFill>
+              <a:blip r:embed="rId3" cstate="print">
+                <a:extLst>
+                  <a:ext uri="{28A0092B-C50C-407E-A947-70E740481C1C}">
+                    <a14:useLocalDpi xmlns:a14="http://schemas.microsoft.com/office/drawing/2010/main" val="0"/>
+                  </a:ext>
+                  <a:ext uri="{96DAC541-7B7A-43D3-8B79-37D633B846F1}">
+                    <asvg:svgBlip xmlns:asvg="http://schemas.microsoft.com/office/drawing/2016/SVG/main" r:embed="rId4"/>
+                  </a:ext>
+                </a:extLst>
+              </a:blip>
+              <a:stretch>
+                <a:fillRect/>
+              </a:stretch>
+            </p:blipFill>
+            <p:spPr>
+              <a:xfrm>
+                <a:off x="10385293" y="3471179"/>
+                <a:ext cx="160638" cy="160638"/>
+              </a:xfrm>
+              <a:prstGeom prst="rect">
+                <a:avLst/>
+              </a:prstGeom>
+            </p:spPr>
+          </p:pic>
+          <p:pic>
+            <p:nvPicPr>
+              <p:cNvPr id="32" name="Gráfico 31" descr="Marca de seleção com preenchimento sólido">
+                <a:extLst>
+                  <a:ext uri="{FF2B5EF4-FFF2-40B4-BE49-F238E27FC236}">
+                    <a16:creationId xmlns:a16="http://schemas.microsoft.com/office/drawing/2014/main" id="{639505F4-0A0F-97DA-934D-C87BA91F97A9}"/>
+                  </a:ext>
+                </a:extLst>
+              </p:cNvPr>
+              <p:cNvPicPr>
+                <a:picLocks noChangeAspect="1"/>
+              </p:cNvPicPr>
+              <p:nvPr/>
+            </p:nvPicPr>
+            <p:blipFill>
+              <a:blip r:embed="rId5" cstate="print">
+                <a:extLst>
+                  <a:ext uri="{28A0092B-C50C-407E-A947-70E740481C1C}">
+                    <a14:useLocalDpi xmlns:a14="http://schemas.microsoft.com/office/drawing/2010/main" val="0"/>
+                  </a:ext>
+                  <a:ext uri="{96DAC541-7B7A-43D3-8B79-37D633B846F1}">
+                    <asvg:svgBlip xmlns:asvg="http://schemas.microsoft.com/office/drawing/2016/SVG/main" r:embed="rId6"/>
+                  </a:ext>
+                </a:extLst>
+              </a:blip>
+              <a:stretch>
+                <a:fillRect/>
+              </a:stretch>
+            </p:blipFill>
+            <p:spPr>
+              <a:xfrm>
+                <a:off x="10385292" y="3688245"/>
+                <a:ext cx="160640" cy="160640"/>
+              </a:xfrm>
+              <a:prstGeom prst="rect">
+                <a:avLst/>
+              </a:prstGeom>
+            </p:spPr>
+          </p:pic>
+        </p:grpSp>
       </p:grpSp>
     </p:spTree>
     <p:extLst>
@@ -17776,721 +17797,12 @@
           </a:p>
         </p:txBody>
       </p:sp>
-      <p:sp>
-        <p:nvSpPr>
-          <p:cNvPr id="16" name="CaixaDeTexto 15">
+      <p:grpSp>
+        <p:nvGrpSpPr>
+          <p:cNvPr id="4" name="Agrupar 3">
             <a:extLst>
               <a:ext uri="{FF2B5EF4-FFF2-40B4-BE49-F238E27FC236}">
-                <a16:creationId xmlns:a16="http://schemas.microsoft.com/office/drawing/2014/main" id="{9EC42E4D-3FBA-E95D-D068-E4B3FC0D297E}"/>
-              </a:ext>
-            </a:extLst>
-          </p:cNvPr>
-          <p:cNvSpPr txBox="1"/>
-          <p:nvPr/>
-        </p:nvSpPr>
-        <p:spPr>
-          <a:xfrm>
-            <a:off x="2106756" y="3189814"/>
-            <a:ext cx="4540829" cy="2893100"/>
-          </a:xfrm>
-          <a:prstGeom prst="rect">
-            <a:avLst/>
-          </a:prstGeom>
-          <a:noFill/>
-        </p:spPr>
-        <p:txBody>
-          <a:bodyPr wrap="square">
-            <a:spAutoFit/>
-          </a:bodyPr>
-          <a:lstStyle/>
-          <a:p>
-            <a:r>
-              <a:rPr lang="pt-BR" sz="1400" dirty="0" err="1">
-                <a:solidFill>
-                  <a:schemeClr val="accent3">
-                    <a:lumMod val="75000"/>
-                  </a:schemeClr>
-                </a:solidFill>
-                <a:latin typeface="Consolas" panose="020B0609020204030204" pitchFamily="49" charset="0"/>
-                <a:cs typeface="Consolas" panose="020B0609020204030204" pitchFamily="49" charset="0"/>
-              </a:rPr>
-              <a:t>class</a:t>
-            </a:r>
-            <a:r>
-              <a:rPr lang="pt-BR" sz="1400" dirty="0">
-                <a:solidFill>
-                  <a:schemeClr val="accent3">
-                    <a:lumMod val="75000"/>
-                  </a:schemeClr>
-                </a:solidFill>
-                <a:latin typeface="Consolas" panose="020B0609020204030204" pitchFamily="49" charset="0"/>
-                <a:cs typeface="Consolas" panose="020B0609020204030204" pitchFamily="49" charset="0"/>
-              </a:rPr>
-              <a:t> </a:t>
-            </a:r>
-            <a:r>
-              <a:rPr lang="pt-BR" sz="1400" dirty="0">
-                <a:solidFill>
-                  <a:schemeClr val="accent3"/>
-                </a:solidFill>
-                <a:latin typeface="Consolas" panose="020B0609020204030204" pitchFamily="49" charset="0"/>
-                <a:cs typeface="Consolas" panose="020B0609020204030204" pitchFamily="49" charset="0"/>
-              </a:rPr>
-              <a:t>Tempo</a:t>
-            </a:r>
-          </a:p>
-          <a:p>
-            <a:r>
-              <a:rPr lang="pt-BR" sz="1400" dirty="0">
-                <a:latin typeface="Consolas" panose="020B0609020204030204" pitchFamily="49" charset="0"/>
-                <a:cs typeface="Consolas" panose="020B0609020204030204" pitchFamily="49" charset="0"/>
-              </a:rPr>
-              <a:t>{</a:t>
-            </a:r>
-            <a:br>
-              <a:rPr lang="pt-BR" sz="1400" dirty="0">
-                <a:latin typeface="Consolas" panose="020B0609020204030204" pitchFamily="49" charset="0"/>
-                <a:cs typeface="Consolas" panose="020B0609020204030204" pitchFamily="49" charset="0"/>
-              </a:rPr>
-            </a:br>
-            <a:r>
-              <a:rPr lang="pt-BR" sz="1400" dirty="0" err="1">
-                <a:solidFill>
-                  <a:schemeClr val="accent3">
-                    <a:lumMod val="75000"/>
-                  </a:schemeClr>
-                </a:solidFill>
-                <a:latin typeface="Consolas" panose="020B0609020204030204" pitchFamily="49" charset="0"/>
-                <a:cs typeface="Consolas" panose="020B0609020204030204" pitchFamily="49" charset="0"/>
-              </a:rPr>
-              <a:t>private</a:t>
-            </a:r>
-            <a:r>
-              <a:rPr lang="pt-BR" sz="1400" dirty="0">
-                <a:latin typeface="Consolas" panose="020B0609020204030204" pitchFamily="49" charset="0"/>
-                <a:cs typeface="Consolas" panose="020B0609020204030204" pitchFamily="49" charset="0"/>
-              </a:rPr>
-              <a:t>:</a:t>
-            </a:r>
-          </a:p>
-          <a:p>
-            <a:r>
-              <a:rPr lang="pt-BR" sz="1400" dirty="0">
-                <a:solidFill>
-                  <a:schemeClr val="accent3">
-                    <a:lumMod val="75000"/>
-                  </a:schemeClr>
-                </a:solidFill>
-                <a:latin typeface="Consolas" panose="020B0609020204030204" pitchFamily="49" charset="0"/>
-                <a:cs typeface="Consolas" panose="020B0609020204030204" pitchFamily="49" charset="0"/>
-              </a:rPr>
-              <a:t>   </a:t>
-            </a:r>
-            <a:r>
-              <a:rPr lang="pt-BR" sz="1400" dirty="0" err="1">
-                <a:solidFill>
-                  <a:schemeClr val="accent3">
-                    <a:lumMod val="75000"/>
-                  </a:schemeClr>
-                </a:solidFill>
-                <a:latin typeface="Consolas" panose="020B0609020204030204" pitchFamily="49" charset="0"/>
-                <a:cs typeface="Consolas" panose="020B0609020204030204" pitchFamily="49" charset="0"/>
-              </a:rPr>
-              <a:t>int</a:t>
-            </a:r>
-            <a:r>
-              <a:rPr lang="pt-BR" sz="1400" dirty="0">
-                <a:latin typeface="Consolas" panose="020B0609020204030204" pitchFamily="49" charset="0"/>
-                <a:cs typeface="Consolas" panose="020B0609020204030204" pitchFamily="49" charset="0"/>
-              </a:rPr>
-              <a:t> horas;</a:t>
-            </a:r>
-          </a:p>
-          <a:p>
-            <a:r>
-              <a:rPr lang="pt-BR" sz="1400" dirty="0">
-                <a:latin typeface="Consolas" panose="020B0609020204030204" pitchFamily="49" charset="0"/>
-                <a:cs typeface="Consolas" panose="020B0609020204030204" pitchFamily="49" charset="0"/>
-              </a:rPr>
-              <a:t>   </a:t>
-            </a:r>
-            <a:r>
-              <a:rPr lang="pt-BR" sz="1400" dirty="0" err="1">
-                <a:solidFill>
-                  <a:schemeClr val="accent3">
-                    <a:lumMod val="75000"/>
-                  </a:schemeClr>
-                </a:solidFill>
-                <a:latin typeface="Consolas" panose="020B0609020204030204" pitchFamily="49" charset="0"/>
-                <a:cs typeface="Consolas" panose="020B0609020204030204" pitchFamily="49" charset="0"/>
-              </a:rPr>
-              <a:t>int</a:t>
-            </a:r>
-            <a:r>
-              <a:rPr lang="pt-BR" sz="1400" dirty="0">
-                <a:latin typeface="Consolas" panose="020B0609020204030204" pitchFamily="49" charset="0"/>
-                <a:cs typeface="Consolas" panose="020B0609020204030204" pitchFamily="49" charset="0"/>
-              </a:rPr>
-              <a:t> minutos;</a:t>
-            </a:r>
-            <a:br>
-              <a:rPr lang="pt-BR" sz="1400" dirty="0">
-                <a:latin typeface="Consolas" panose="020B0609020204030204" pitchFamily="49" charset="0"/>
-                <a:cs typeface="Consolas" panose="020B0609020204030204" pitchFamily="49" charset="0"/>
-              </a:rPr>
-            </a:br>
-            <a:endParaRPr lang="pt-BR" sz="1400" dirty="0">
-              <a:solidFill>
-                <a:schemeClr val="bg1">
-                  <a:lumMod val="75000"/>
-                  <a:lumOff val="25000"/>
-                </a:schemeClr>
-              </a:solidFill>
-              <a:latin typeface="Consolas" panose="020B0609020204030204" pitchFamily="49" charset="0"/>
-              <a:cs typeface="Consolas" panose="020B0609020204030204" pitchFamily="49" charset="0"/>
-            </a:endParaRPr>
-          </a:p>
-          <a:p>
-            <a:r>
-              <a:rPr lang="pt-BR" sz="1400" dirty="0">
-                <a:solidFill>
-                  <a:schemeClr val="accent3">
-                    <a:lumMod val="75000"/>
-                  </a:schemeClr>
-                </a:solidFill>
-                <a:latin typeface="Consolas" panose="020B0609020204030204" pitchFamily="49" charset="0"/>
-                <a:cs typeface="Consolas" panose="020B0609020204030204" pitchFamily="49" charset="0"/>
-              </a:rPr>
-              <a:t>public</a:t>
-            </a:r>
-            <a:r>
-              <a:rPr lang="pt-BR" sz="1400" dirty="0">
-                <a:latin typeface="Consolas" panose="020B0609020204030204" pitchFamily="49" charset="0"/>
-                <a:cs typeface="Consolas" panose="020B0609020204030204" pitchFamily="49" charset="0"/>
-              </a:rPr>
-              <a:t>:</a:t>
-            </a:r>
-          </a:p>
-          <a:p>
-            <a:r>
-              <a:rPr lang="pt-BR" sz="1400" dirty="0">
-                <a:solidFill>
-                  <a:schemeClr val="accent3">
-                    <a:lumMod val="75000"/>
-                  </a:schemeClr>
-                </a:solidFill>
-                <a:latin typeface="Consolas" panose="020B0609020204030204" pitchFamily="49" charset="0"/>
-                <a:cs typeface="Consolas" panose="020B0609020204030204" pitchFamily="49" charset="0"/>
-              </a:rPr>
-              <a:t>   </a:t>
-            </a:r>
-            <a:r>
-              <a:rPr lang="pt-BR" sz="1400" dirty="0">
-                <a:solidFill>
-                  <a:schemeClr val="accent6">
-                    <a:lumMod val="60000"/>
-                    <a:lumOff val="40000"/>
-                  </a:schemeClr>
-                </a:solidFill>
-                <a:latin typeface="Consolas" panose="020B0609020204030204" pitchFamily="49" charset="0"/>
-                <a:cs typeface="Consolas" panose="020B0609020204030204" pitchFamily="49" charset="0"/>
-              </a:rPr>
-              <a:t>...</a:t>
-            </a:r>
-            <a:br>
-              <a:rPr lang="pt-BR" sz="1400" dirty="0">
-                <a:latin typeface="Consolas" panose="020B0609020204030204" pitchFamily="49" charset="0"/>
-                <a:cs typeface="Consolas" panose="020B0609020204030204" pitchFamily="49" charset="0"/>
-              </a:rPr>
-            </a:br>
-            <a:endParaRPr lang="pt-BR" sz="1400" dirty="0">
-              <a:solidFill>
-                <a:schemeClr val="accent3">
-                  <a:lumMod val="75000"/>
-                </a:schemeClr>
-              </a:solidFill>
-              <a:latin typeface="Consolas" panose="020B0609020204030204" pitchFamily="49" charset="0"/>
-              <a:cs typeface="Consolas" panose="020B0609020204030204" pitchFamily="49" charset="0"/>
-            </a:endParaRPr>
-          </a:p>
-          <a:p>
-            <a:r>
-              <a:rPr lang="pt-BR" sz="1400" dirty="0">
-                <a:solidFill>
-                  <a:schemeClr val="accent3">
-                    <a:lumMod val="75000"/>
-                  </a:schemeClr>
-                </a:solidFill>
-                <a:latin typeface="Consolas" panose="020B0609020204030204" pitchFamily="49" charset="0"/>
-                <a:cs typeface="Consolas" panose="020B0609020204030204" pitchFamily="49" charset="0"/>
-              </a:rPr>
-              <a:t>   Tempo</a:t>
-            </a:r>
-            <a:r>
-              <a:rPr lang="pt-BR" sz="1400" dirty="0">
-                <a:latin typeface="Consolas" panose="020B0609020204030204" pitchFamily="49" charset="0"/>
-                <a:cs typeface="Consolas" panose="020B0609020204030204" pitchFamily="49" charset="0"/>
-              </a:rPr>
-              <a:t> </a:t>
-            </a:r>
-            <a:r>
-              <a:rPr lang="pt-BR" sz="1400" dirty="0">
-                <a:solidFill>
-                  <a:schemeClr val="accent6">
-                    <a:lumMod val="60000"/>
-                    <a:lumOff val="40000"/>
-                  </a:schemeClr>
-                </a:solidFill>
-                <a:latin typeface="Consolas" panose="020B0609020204030204" pitchFamily="49" charset="0"/>
-                <a:cs typeface="Consolas" panose="020B0609020204030204" pitchFamily="49" charset="0"/>
-              </a:rPr>
-              <a:t>operator+</a:t>
-            </a:r>
-            <a:r>
-              <a:rPr lang="pt-BR" sz="1400" dirty="0">
-                <a:latin typeface="Consolas" panose="020B0609020204030204" pitchFamily="49" charset="0"/>
-                <a:cs typeface="Consolas" panose="020B0609020204030204" pitchFamily="49" charset="0"/>
-              </a:rPr>
-              <a:t>(</a:t>
-            </a:r>
-            <a:r>
-              <a:rPr lang="pt-BR" sz="1400" dirty="0" err="1">
-                <a:solidFill>
-                  <a:schemeClr val="accent3">
-                    <a:lumMod val="75000"/>
-                  </a:schemeClr>
-                </a:solidFill>
-                <a:latin typeface="Consolas" panose="020B0609020204030204" pitchFamily="49" charset="0"/>
-                <a:cs typeface="Consolas" panose="020B0609020204030204" pitchFamily="49" charset="0"/>
-              </a:rPr>
-              <a:t>const</a:t>
-            </a:r>
-            <a:r>
-              <a:rPr lang="pt-BR" sz="1400" dirty="0">
-                <a:latin typeface="Consolas" panose="020B0609020204030204" pitchFamily="49" charset="0"/>
-                <a:cs typeface="Consolas" panose="020B0609020204030204" pitchFamily="49" charset="0"/>
-              </a:rPr>
-              <a:t> </a:t>
-            </a:r>
-            <a:r>
-              <a:rPr lang="pt-BR" sz="1400" dirty="0">
-                <a:solidFill>
-                  <a:schemeClr val="accent3"/>
-                </a:solidFill>
-                <a:latin typeface="Consolas" panose="020B0609020204030204" pitchFamily="49" charset="0"/>
-                <a:cs typeface="Consolas" panose="020B0609020204030204" pitchFamily="49" charset="0"/>
-              </a:rPr>
-              <a:t>Tempo</a:t>
-            </a:r>
-            <a:r>
-              <a:rPr lang="pt-BR" sz="1400" dirty="0">
-                <a:latin typeface="Consolas" panose="020B0609020204030204" pitchFamily="49" charset="0"/>
-                <a:cs typeface="Consolas" panose="020B0609020204030204" pitchFamily="49" charset="0"/>
-              </a:rPr>
-              <a:t> &amp; t) </a:t>
-            </a:r>
-            <a:r>
-              <a:rPr lang="pt-BR" sz="1400" dirty="0" err="1">
-                <a:solidFill>
-                  <a:schemeClr val="accent3">
-                    <a:lumMod val="75000"/>
-                  </a:schemeClr>
-                </a:solidFill>
-                <a:latin typeface="Consolas" panose="020B0609020204030204" pitchFamily="49" charset="0"/>
-                <a:cs typeface="Consolas" panose="020B0609020204030204" pitchFamily="49" charset="0"/>
-              </a:rPr>
-              <a:t>const</a:t>
-            </a:r>
-            <a:r>
-              <a:rPr lang="pt-BR" sz="1400" dirty="0">
-                <a:latin typeface="Consolas" panose="020B0609020204030204" pitchFamily="49" charset="0"/>
-                <a:cs typeface="Consolas" panose="020B0609020204030204" pitchFamily="49" charset="0"/>
-              </a:rPr>
-              <a:t>;</a:t>
-            </a:r>
-            <a:br>
-              <a:rPr lang="pt-BR" sz="1400" dirty="0">
-                <a:latin typeface="Consolas" panose="020B0609020204030204" pitchFamily="49" charset="0"/>
-                <a:cs typeface="Consolas" panose="020B0609020204030204" pitchFamily="49" charset="0"/>
-              </a:rPr>
-            </a:br>
-            <a:r>
-              <a:rPr lang="pt-BR" sz="1400" dirty="0">
-                <a:latin typeface="Consolas" panose="020B0609020204030204" pitchFamily="49" charset="0"/>
-                <a:cs typeface="Consolas" panose="020B0609020204030204" pitchFamily="49" charset="0"/>
-              </a:rPr>
-              <a:t>   </a:t>
-            </a:r>
-            <a:r>
-              <a:rPr lang="pt-BR" sz="1400" dirty="0">
-                <a:solidFill>
-                  <a:schemeClr val="accent3">
-                    <a:lumMod val="75000"/>
-                  </a:schemeClr>
-                </a:solidFill>
-                <a:latin typeface="Consolas" panose="020B0609020204030204" pitchFamily="49" charset="0"/>
-                <a:cs typeface="Consolas" panose="020B0609020204030204" pitchFamily="49" charset="0"/>
-              </a:rPr>
-              <a:t>Tempo</a:t>
-            </a:r>
-            <a:r>
-              <a:rPr lang="pt-BR" sz="1400" dirty="0">
-                <a:latin typeface="Consolas" panose="020B0609020204030204" pitchFamily="49" charset="0"/>
-                <a:cs typeface="Consolas" panose="020B0609020204030204" pitchFamily="49" charset="0"/>
-              </a:rPr>
-              <a:t> </a:t>
-            </a:r>
-            <a:r>
-              <a:rPr lang="pt-BR" sz="1400" dirty="0">
-                <a:solidFill>
-                  <a:schemeClr val="accent6">
-                    <a:lumMod val="60000"/>
-                    <a:lumOff val="40000"/>
-                  </a:schemeClr>
-                </a:solidFill>
-                <a:latin typeface="Consolas" panose="020B0609020204030204" pitchFamily="49" charset="0"/>
-                <a:cs typeface="Consolas" panose="020B0609020204030204" pitchFamily="49" charset="0"/>
-              </a:rPr>
-              <a:t>operator+</a:t>
-            </a:r>
-            <a:r>
-              <a:rPr lang="pt-BR" sz="1400" dirty="0">
-                <a:latin typeface="Consolas" panose="020B0609020204030204" pitchFamily="49" charset="0"/>
-                <a:cs typeface="Consolas" panose="020B0609020204030204" pitchFamily="49" charset="0"/>
-              </a:rPr>
-              <a:t>(</a:t>
-            </a:r>
-            <a:r>
-              <a:rPr lang="pt-BR" sz="1400" dirty="0" err="1">
-                <a:solidFill>
-                  <a:schemeClr val="accent3">
-                    <a:lumMod val="75000"/>
-                  </a:schemeClr>
-                </a:solidFill>
-                <a:latin typeface="Consolas" panose="020B0609020204030204" pitchFamily="49" charset="0"/>
-                <a:cs typeface="Consolas" panose="020B0609020204030204" pitchFamily="49" charset="0"/>
-              </a:rPr>
-              <a:t>int</a:t>
-            </a:r>
-            <a:r>
-              <a:rPr lang="pt-BR" sz="1400" dirty="0">
-                <a:latin typeface="Consolas" panose="020B0609020204030204" pitchFamily="49" charset="0"/>
-                <a:cs typeface="Consolas" panose="020B0609020204030204" pitchFamily="49" charset="0"/>
-              </a:rPr>
-              <a:t> num) </a:t>
-            </a:r>
-            <a:r>
-              <a:rPr lang="pt-BR" sz="1400" dirty="0" err="1">
-                <a:solidFill>
-                  <a:schemeClr val="accent3">
-                    <a:lumMod val="75000"/>
-                  </a:schemeClr>
-                </a:solidFill>
-                <a:latin typeface="Consolas" panose="020B0609020204030204" pitchFamily="49" charset="0"/>
-                <a:cs typeface="Consolas" panose="020B0609020204030204" pitchFamily="49" charset="0"/>
-              </a:rPr>
-              <a:t>const</a:t>
-            </a:r>
-            <a:r>
-              <a:rPr lang="pt-BR" sz="1400" dirty="0">
-                <a:latin typeface="Consolas" panose="020B0609020204030204" pitchFamily="49" charset="0"/>
-                <a:cs typeface="Consolas" panose="020B0609020204030204" pitchFamily="49" charset="0"/>
-              </a:rPr>
-              <a:t>;</a:t>
-            </a:r>
-            <a:br>
-              <a:rPr lang="pt-BR" sz="1400" dirty="0">
-                <a:latin typeface="Consolas" panose="020B0609020204030204" pitchFamily="49" charset="0"/>
-                <a:cs typeface="Consolas" panose="020B0609020204030204" pitchFamily="49" charset="0"/>
-              </a:rPr>
-            </a:br>
-            <a:r>
-              <a:rPr lang="pt-BR" sz="1400" dirty="0">
-                <a:latin typeface="Consolas" panose="020B0609020204030204" pitchFamily="49" charset="0"/>
-                <a:cs typeface="Consolas" panose="020B0609020204030204" pitchFamily="49" charset="0"/>
-              </a:rPr>
-              <a:t> </a:t>
-            </a:r>
-            <a:br>
-              <a:rPr lang="pt-BR" sz="1400" dirty="0">
-                <a:solidFill>
-                  <a:schemeClr val="bg1">
-                    <a:lumMod val="50000"/>
-                    <a:lumOff val="50000"/>
-                  </a:schemeClr>
-                </a:solidFill>
-                <a:latin typeface="Consolas" panose="020B0609020204030204" pitchFamily="49" charset="0"/>
-                <a:cs typeface="Consolas" panose="020B0609020204030204" pitchFamily="49" charset="0"/>
-              </a:rPr>
-            </a:br>
-            <a:r>
-              <a:rPr lang="pt-BR" sz="1400" dirty="0">
-                <a:latin typeface="Consolas" panose="020B0609020204030204" pitchFamily="49" charset="0"/>
-                <a:cs typeface="Consolas" panose="020B0609020204030204" pitchFamily="49" charset="0"/>
-              </a:rPr>
-              <a:t>};</a:t>
-            </a:r>
-          </a:p>
-        </p:txBody>
-      </p:sp>
-      <p:cxnSp>
-        <p:nvCxnSpPr>
-          <p:cNvPr id="17" name="Conector reto 5">
-            <a:extLst>
-              <a:ext uri="{FF2B5EF4-FFF2-40B4-BE49-F238E27FC236}">
-                <a16:creationId xmlns:a16="http://schemas.microsoft.com/office/drawing/2014/main" id="{05C36966-4987-C7C4-FEC0-E3C46AA3DE1A}"/>
-              </a:ext>
-            </a:extLst>
-          </p:cNvPr>
-          <p:cNvCxnSpPr>
-            <a:cxnSpLocks/>
-          </p:cNvCxnSpPr>
-          <p:nvPr/>
-        </p:nvCxnSpPr>
-        <p:spPr>
-          <a:xfrm flipV="1">
-            <a:off x="7199840" y="3333439"/>
-            <a:ext cx="0" cy="1610754"/>
-          </a:xfrm>
-          <a:prstGeom prst="line">
-            <a:avLst/>
-          </a:prstGeom>
-          <a:ln w="12700">
-            <a:solidFill>
-              <a:schemeClr val="accent6"/>
-            </a:solidFill>
-            <a:prstDash val="dash"/>
-          </a:ln>
-        </p:spPr>
-        <p:style>
-          <a:lnRef idx="1">
-            <a:schemeClr val="accent1"/>
-          </a:lnRef>
-          <a:fillRef idx="0">
-            <a:schemeClr val="accent1"/>
-          </a:fillRef>
-          <a:effectRef idx="0">
-            <a:schemeClr val="accent1"/>
-          </a:effectRef>
-          <a:fontRef idx="minor">
-            <a:schemeClr val="tx1"/>
-          </a:fontRef>
-        </p:style>
-      </p:cxnSp>
-      <p:cxnSp>
-        <p:nvCxnSpPr>
-          <p:cNvPr id="19" name="Conector reto 8">
-            <a:extLst>
-              <a:ext uri="{FF2B5EF4-FFF2-40B4-BE49-F238E27FC236}">
-                <a16:creationId xmlns:a16="http://schemas.microsoft.com/office/drawing/2014/main" id="{E7F5CD4B-B5B5-00AA-B387-6FBBB8ED51D1}"/>
-              </a:ext>
-            </a:extLst>
-          </p:cNvPr>
-          <p:cNvCxnSpPr>
-            <a:cxnSpLocks/>
-          </p:cNvCxnSpPr>
-          <p:nvPr/>
-        </p:nvCxnSpPr>
-        <p:spPr>
-          <a:xfrm flipV="1">
-            <a:off x="4457383" y="3255040"/>
-            <a:ext cx="0" cy="951201"/>
-          </a:xfrm>
-          <a:prstGeom prst="line">
-            <a:avLst/>
-          </a:prstGeom>
-          <a:ln w="12700">
-            <a:solidFill>
-              <a:schemeClr val="accent6"/>
-            </a:solidFill>
-            <a:prstDash val="dash"/>
-          </a:ln>
-        </p:spPr>
-        <p:style>
-          <a:lnRef idx="1">
-            <a:schemeClr val="accent1"/>
-          </a:lnRef>
-          <a:fillRef idx="0">
-            <a:schemeClr val="accent1"/>
-          </a:fillRef>
-          <a:effectRef idx="0">
-            <a:schemeClr val="accent1"/>
-          </a:effectRef>
-          <a:fontRef idx="minor">
-            <a:schemeClr val="tx1"/>
-          </a:fontRef>
-        </p:style>
-      </p:cxnSp>
-      <p:sp>
-        <p:nvSpPr>
-          <p:cNvPr id="20" name="CaixaDeTexto 19">
-            <a:extLst>
-              <a:ext uri="{FF2B5EF4-FFF2-40B4-BE49-F238E27FC236}">
-                <a16:creationId xmlns:a16="http://schemas.microsoft.com/office/drawing/2014/main" id="{B56745B1-D2A4-8B77-ED6A-4A2CB08CC5A5}"/>
-              </a:ext>
-            </a:extLst>
-          </p:cNvPr>
-          <p:cNvSpPr txBox="1"/>
-          <p:nvPr/>
-        </p:nvSpPr>
-        <p:spPr>
-          <a:xfrm>
-            <a:off x="4858401" y="3333439"/>
-            <a:ext cx="2043454" cy="738664"/>
-          </a:xfrm>
-          <a:prstGeom prst="rect">
-            <a:avLst/>
-          </a:prstGeom>
-          <a:noFill/>
-        </p:spPr>
-        <p:txBody>
-          <a:bodyPr wrap="square">
-            <a:spAutoFit/>
-          </a:bodyPr>
-          <a:lstStyle/>
-          <a:p>
-            <a:r>
-              <a:rPr lang="pt-BR" sz="1400" dirty="0">
-                <a:solidFill>
-                  <a:schemeClr val="accent3"/>
-                </a:solidFill>
-                <a:latin typeface="Consolas" panose="020B0609020204030204" pitchFamily="49" charset="0"/>
-              </a:rPr>
-              <a:t>Tempo</a:t>
-            </a:r>
-            <a:r>
-              <a:rPr lang="pt-BR" sz="1400" dirty="0">
-                <a:latin typeface="Consolas" panose="020B0609020204030204" pitchFamily="49" charset="0"/>
-              </a:rPr>
-              <a:t> A { </a:t>
-            </a:r>
-            <a:r>
-              <a:rPr lang="pt-BR" sz="1400" dirty="0">
-                <a:solidFill>
-                  <a:schemeClr val="accent3">
-                    <a:lumMod val="60000"/>
-                    <a:lumOff val="40000"/>
-                  </a:schemeClr>
-                </a:solidFill>
-                <a:latin typeface="Consolas" panose="020B0609020204030204" pitchFamily="49" charset="0"/>
-              </a:rPr>
-              <a:t>1</a:t>
-            </a:r>
-            <a:r>
-              <a:rPr lang="pt-BR" sz="1400" dirty="0">
-                <a:latin typeface="Consolas" panose="020B0609020204030204" pitchFamily="49" charset="0"/>
-              </a:rPr>
-              <a:t>, </a:t>
-            </a:r>
-            <a:r>
-              <a:rPr lang="pt-BR" sz="1400" dirty="0">
-                <a:solidFill>
-                  <a:schemeClr val="accent3">
-                    <a:lumMod val="60000"/>
-                    <a:lumOff val="40000"/>
-                  </a:schemeClr>
-                </a:solidFill>
-                <a:latin typeface="Consolas" panose="020B0609020204030204" pitchFamily="49" charset="0"/>
-              </a:rPr>
-              <a:t>30</a:t>
-            </a:r>
-            <a:r>
-              <a:rPr lang="pt-BR" sz="1400" dirty="0">
-                <a:latin typeface="Consolas" panose="020B0609020204030204" pitchFamily="49" charset="0"/>
-              </a:rPr>
-              <a:t> };</a:t>
-            </a:r>
-          </a:p>
-          <a:p>
-            <a:r>
-              <a:rPr lang="pt-BR" sz="1400" dirty="0">
-                <a:solidFill>
-                  <a:schemeClr val="accent3"/>
-                </a:solidFill>
-                <a:latin typeface="Consolas" panose="020B0609020204030204" pitchFamily="49" charset="0"/>
-              </a:rPr>
-              <a:t>Tempo</a:t>
-            </a:r>
-            <a:r>
-              <a:rPr lang="pt-BR" sz="1400" dirty="0">
-                <a:latin typeface="Consolas" panose="020B0609020204030204" pitchFamily="49" charset="0"/>
-              </a:rPr>
-              <a:t> </a:t>
-            </a:r>
-            <a:r>
-              <a:rPr lang="pt-BR" sz="1400" dirty="0" err="1">
-                <a:latin typeface="Consolas" panose="020B0609020204030204" pitchFamily="49" charset="0"/>
-              </a:rPr>
-              <a:t>B</a:t>
-            </a:r>
-            <a:r>
-              <a:rPr lang="pt-BR" sz="1400" dirty="0">
-                <a:latin typeface="Consolas" panose="020B0609020204030204" pitchFamily="49" charset="0"/>
-              </a:rPr>
-              <a:t> { </a:t>
-            </a:r>
-            <a:r>
-              <a:rPr lang="pt-BR" sz="1400" dirty="0">
-                <a:solidFill>
-                  <a:schemeClr val="accent3">
-                    <a:lumMod val="60000"/>
-                    <a:lumOff val="40000"/>
-                  </a:schemeClr>
-                </a:solidFill>
-                <a:latin typeface="Consolas" panose="020B0609020204030204" pitchFamily="49" charset="0"/>
-              </a:rPr>
-              <a:t>1</a:t>
-            </a:r>
-            <a:r>
-              <a:rPr lang="pt-BR" sz="1400" dirty="0">
-                <a:latin typeface="Consolas" panose="020B0609020204030204" pitchFamily="49" charset="0"/>
-              </a:rPr>
-              <a:t>, </a:t>
-            </a:r>
-            <a:r>
-              <a:rPr lang="pt-BR" sz="1400" dirty="0">
-                <a:solidFill>
-                  <a:schemeClr val="accent3">
-                    <a:lumMod val="60000"/>
-                    <a:lumOff val="40000"/>
-                  </a:schemeClr>
-                </a:solidFill>
-                <a:latin typeface="Consolas" panose="020B0609020204030204" pitchFamily="49" charset="0"/>
-              </a:rPr>
-              <a:t>20</a:t>
-            </a:r>
-            <a:r>
-              <a:rPr lang="pt-BR" sz="1400" dirty="0">
-                <a:latin typeface="Consolas" panose="020B0609020204030204" pitchFamily="49" charset="0"/>
-              </a:rPr>
-              <a:t> };</a:t>
-            </a:r>
-          </a:p>
-          <a:p>
-            <a:r>
-              <a:rPr lang="pt-BR" sz="1400" dirty="0">
-                <a:solidFill>
-                  <a:schemeClr val="accent3"/>
-                </a:solidFill>
-                <a:latin typeface="Consolas" panose="020B0609020204030204" pitchFamily="49" charset="0"/>
-              </a:rPr>
-              <a:t>Tempo</a:t>
-            </a:r>
-            <a:r>
-              <a:rPr lang="pt-BR" sz="1400" dirty="0">
-                <a:latin typeface="Consolas" panose="020B0609020204030204" pitchFamily="49" charset="0"/>
-              </a:rPr>
-              <a:t> C;</a:t>
-            </a:r>
-          </a:p>
-        </p:txBody>
-      </p:sp>
-      <p:grpSp>
-        <p:nvGrpSpPr>
-          <p:cNvPr id="24" name="Agrupar 23">
-            <a:extLst>
-              <a:ext uri="{FF2B5EF4-FFF2-40B4-BE49-F238E27FC236}">
-                <a16:creationId xmlns:a16="http://schemas.microsoft.com/office/drawing/2014/main" id="{A0977C2A-19C4-2E43-EE5C-A18B40EC1A18}"/>
+                <a16:creationId xmlns:a16="http://schemas.microsoft.com/office/drawing/2014/main" id="{826D0B17-D662-A3D9-81C2-F08C588878A2}"/>
               </a:ext>
             </a:extLst>
           </p:cNvPr>
@@ -18499,18 +17811,18 @@
         </p:nvGrpSpPr>
         <p:grpSpPr>
           <a:xfrm>
-            <a:off x="7556177" y="3333439"/>
-            <a:ext cx="3867128" cy="2031325"/>
-            <a:chOff x="7556177" y="3333439"/>
-            <a:chExt cx="3867128" cy="2031325"/>
+            <a:off x="2106756" y="3189814"/>
+            <a:ext cx="9316549" cy="2893100"/>
+            <a:chOff x="2106756" y="3189814"/>
+            <a:chExt cx="9316549" cy="2893100"/>
           </a:xfrm>
         </p:grpSpPr>
         <p:sp>
           <p:nvSpPr>
-            <p:cNvPr id="18" name="CaixaDeTexto 17">
+            <p:cNvPr id="16" name="CaixaDeTexto 15">
               <a:extLst>
                 <a:ext uri="{FF2B5EF4-FFF2-40B4-BE49-F238E27FC236}">
-                  <a16:creationId xmlns:a16="http://schemas.microsoft.com/office/drawing/2014/main" id="{3CCBB82F-EE99-B1BD-11FD-BBBA6867DB50}"/>
+                  <a16:creationId xmlns:a16="http://schemas.microsoft.com/office/drawing/2014/main" id="{9EC42E4D-3FBA-E95D-D068-E4B3FC0D297E}"/>
                 </a:ext>
               </a:extLst>
             </p:cNvPr>
@@ -18519,8 +17831,8 @@
           </p:nvSpPr>
           <p:spPr>
             <a:xfrm>
-              <a:off x="7556177" y="3333439"/>
-              <a:ext cx="3867128" cy="2031325"/>
+              <a:off x="2106756" y="3189814"/>
+              <a:ext cx="4540829" cy="2893100"/>
             </a:xfrm>
             <a:prstGeom prst="rect">
               <a:avLst/>
@@ -18534,12 +17846,413 @@
             <a:lstStyle/>
             <a:p>
               <a:r>
-                <a:rPr lang="pt-BR" sz="1400" dirty="0">
-                  <a:latin typeface="Consolas" panose="020B0609020204030204" pitchFamily="49" charset="0"/>
-                </a:rPr>
-                <a:t>C = A + B;     </a:t>
-              </a:r>
-              <a:r>
+                <a:rPr lang="pt-BR" sz="1400" dirty="0" err="1">
+                  <a:solidFill>
+                    <a:schemeClr val="accent3">
+                      <a:lumMod val="75000"/>
+                    </a:schemeClr>
+                  </a:solidFill>
+                  <a:latin typeface="Consolas" panose="020B0609020204030204" pitchFamily="49" charset="0"/>
+                  <a:cs typeface="Consolas" panose="020B0609020204030204" pitchFamily="49" charset="0"/>
+                </a:rPr>
+                <a:t>class</a:t>
+              </a:r>
+              <a:r>
+                <a:rPr lang="pt-BR" sz="1400" dirty="0">
+                  <a:solidFill>
+                    <a:schemeClr val="accent3">
+                      <a:lumMod val="75000"/>
+                    </a:schemeClr>
+                  </a:solidFill>
+                  <a:latin typeface="Consolas" panose="020B0609020204030204" pitchFamily="49" charset="0"/>
+                  <a:cs typeface="Consolas" panose="020B0609020204030204" pitchFamily="49" charset="0"/>
+                </a:rPr>
+                <a:t> </a:t>
+              </a:r>
+              <a:r>
+                <a:rPr lang="pt-BR" sz="1400" dirty="0">
+                  <a:solidFill>
+                    <a:schemeClr val="accent3"/>
+                  </a:solidFill>
+                  <a:latin typeface="Consolas" panose="020B0609020204030204" pitchFamily="49" charset="0"/>
+                  <a:cs typeface="Consolas" panose="020B0609020204030204" pitchFamily="49" charset="0"/>
+                </a:rPr>
+                <a:t>Tempo</a:t>
+              </a:r>
+            </a:p>
+            <a:p>
+              <a:r>
+                <a:rPr lang="pt-BR" sz="1400" dirty="0">
+                  <a:latin typeface="Consolas" panose="020B0609020204030204" pitchFamily="49" charset="0"/>
+                  <a:cs typeface="Consolas" panose="020B0609020204030204" pitchFamily="49" charset="0"/>
+                </a:rPr>
+                <a:t>{</a:t>
+              </a:r>
+              <a:br>
+                <a:rPr lang="pt-BR" sz="1400" dirty="0">
+                  <a:latin typeface="Consolas" panose="020B0609020204030204" pitchFamily="49" charset="0"/>
+                  <a:cs typeface="Consolas" panose="020B0609020204030204" pitchFamily="49" charset="0"/>
+                </a:rPr>
+              </a:br>
+              <a:r>
+                <a:rPr lang="pt-BR" sz="1400" dirty="0" err="1">
+                  <a:solidFill>
+                    <a:schemeClr val="accent3">
+                      <a:lumMod val="75000"/>
+                    </a:schemeClr>
+                  </a:solidFill>
+                  <a:latin typeface="Consolas" panose="020B0609020204030204" pitchFamily="49" charset="0"/>
+                  <a:cs typeface="Consolas" panose="020B0609020204030204" pitchFamily="49" charset="0"/>
+                </a:rPr>
+                <a:t>private</a:t>
+              </a:r>
+              <a:r>
+                <a:rPr lang="pt-BR" sz="1400" dirty="0">
+                  <a:latin typeface="Consolas" panose="020B0609020204030204" pitchFamily="49" charset="0"/>
+                  <a:cs typeface="Consolas" panose="020B0609020204030204" pitchFamily="49" charset="0"/>
+                </a:rPr>
+                <a:t>:</a:t>
+              </a:r>
+            </a:p>
+            <a:p>
+              <a:r>
+                <a:rPr lang="pt-BR" sz="1400" dirty="0">
+                  <a:solidFill>
+                    <a:schemeClr val="accent3">
+                      <a:lumMod val="75000"/>
+                    </a:schemeClr>
+                  </a:solidFill>
+                  <a:latin typeface="Consolas" panose="020B0609020204030204" pitchFamily="49" charset="0"/>
+                  <a:cs typeface="Consolas" panose="020B0609020204030204" pitchFamily="49" charset="0"/>
+                </a:rPr>
+                <a:t>   </a:t>
+              </a:r>
+              <a:r>
+                <a:rPr lang="pt-BR" sz="1400" dirty="0" err="1">
+                  <a:solidFill>
+                    <a:schemeClr val="accent3">
+                      <a:lumMod val="75000"/>
+                    </a:schemeClr>
+                  </a:solidFill>
+                  <a:latin typeface="Consolas" panose="020B0609020204030204" pitchFamily="49" charset="0"/>
+                  <a:cs typeface="Consolas" panose="020B0609020204030204" pitchFamily="49" charset="0"/>
+                </a:rPr>
+                <a:t>int</a:t>
+              </a:r>
+              <a:r>
+                <a:rPr lang="pt-BR" sz="1400" dirty="0">
+                  <a:latin typeface="Consolas" panose="020B0609020204030204" pitchFamily="49" charset="0"/>
+                  <a:cs typeface="Consolas" panose="020B0609020204030204" pitchFamily="49" charset="0"/>
+                </a:rPr>
+                <a:t> horas;</a:t>
+              </a:r>
+            </a:p>
+            <a:p>
+              <a:r>
+                <a:rPr lang="pt-BR" sz="1400" dirty="0">
+                  <a:latin typeface="Consolas" panose="020B0609020204030204" pitchFamily="49" charset="0"/>
+                  <a:cs typeface="Consolas" panose="020B0609020204030204" pitchFamily="49" charset="0"/>
+                </a:rPr>
+                <a:t>   </a:t>
+              </a:r>
+              <a:r>
+                <a:rPr lang="pt-BR" sz="1400" dirty="0" err="1">
+                  <a:solidFill>
+                    <a:schemeClr val="accent3">
+                      <a:lumMod val="75000"/>
+                    </a:schemeClr>
+                  </a:solidFill>
+                  <a:latin typeface="Consolas" panose="020B0609020204030204" pitchFamily="49" charset="0"/>
+                  <a:cs typeface="Consolas" panose="020B0609020204030204" pitchFamily="49" charset="0"/>
+                </a:rPr>
+                <a:t>int</a:t>
+              </a:r>
+              <a:r>
+                <a:rPr lang="pt-BR" sz="1400" dirty="0">
+                  <a:latin typeface="Consolas" panose="020B0609020204030204" pitchFamily="49" charset="0"/>
+                  <a:cs typeface="Consolas" panose="020B0609020204030204" pitchFamily="49" charset="0"/>
+                </a:rPr>
+                <a:t> minutos;</a:t>
+              </a:r>
+              <a:br>
+                <a:rPr lang="pt-BR" sz="1400" dirty="0">
+                  <a:latin typeface="Consolas" panose="020B0609020204030204" pitchFamily="49" charset="0"/>
+                  <a:cs typeface="Consolas" panose="020B0609020204030204" pitchFamily="49" charset="0"/>
+                </a:rPr>
+              </a:br>
+              <a:endParaRPr lang="pt-BR" sz="1400" dirty="0">
+                <a:solidFill>
+                  <a:schemeClr val="bg1">
+                    <a:lumMod val="75000"/>
+                    <a:lumOff val="25000"/>
+                  </a:schemeClr>
+                </a:solidFill>
+                <a:latin typeface="Consolas" panose="020B0609020204030204" pitchFamily="49" charset="0"/>
+                <a:cs typeface="Consolas" panose="020B0609020204030204" pitchFamily="49" charset="0"/>
+              </a:endParaRPr>
+            </a:p>
+            <a:p>
+              <a:r>
+                <a:rPr lang="pt-BR" sz="1400" dirty="0">
+                  <a:solidFill>
+                    <a:schemeClr val="accent3">
+                      <a:lumMod val="75000"/>
+                    </a:schemeClr>
+                  </a:solidFill>
+                  <a:latin typeface="Consolas" panose="020B0609020204030204" pitchFamily="49" charset="0"/>
+                  <a:cs typeface="Consolas" panose="020B0609020204030204" pitchFamily="49" charset="0"/>
+                </a:rPr>
+                <a:t>public</a:t>
+              </a:r>
+              <a:r>
+                <a:rPr lang="pt-BR" sz="1400" dirty="0">
+                  <a:latin typeface="Consolas" panose="020B0609020204030204" pitchFamily="49" charset="0"/>
+                  <a:cs typeface="Consolas" panose="020B0609020204030204" pitchFamily="49" charset="0"/>
+                </a:rPr>
+                <a:t>:</a:t>
+              </a:r>
+            </a:p>
+            <a:p>
+              <a:r>
+                <a:rPr lang="pt-BR" sz="1400" dirty="0">
+                  <a:solidFill>
+                    <a:schemeClr val="accent3">
+                      <a:lumMod val="75000"/>
+                    </a:schemeClr>
+                  </a:solidFill>
+                  <a:latin typeface="Consolas" panose="020B0609020204030204" pitchFamily="49" charset="0"/>
+                  <a:cs typeface="Consolas" panose="020B0609020204030204" pitchFamily="49" charset="0"/>
+                </a:rPr>
+                <a:t>   </a:t>
+              </a:r>
+              <a:r>
+                <a:rPr lang="pt-BR" sz="1400" dirty="0">
+                  <a:solidFill>
+                    <a:schemeClr val="accent6">
+                      <a:lumMod val="60000"/>
+                      <a:lumOff val="40000"/>
+                    </a:schemeClr>
+                  </a:solidFill>
+                  <a:latin typeface="Consolas" panose="020B0609020204030204" pitchFamily="49" charset="0"/>
+                  <a:cs typeface="Consolas" panose="020B0609020204030204" pitchFamily="49" charset="0"/>
+                </a:rPr>
+                <a:t>...</a:t>
+              </a:r>
+              <a:br>
+                <a:rPr lang="pt-BR" sz="1400" dirty="0">
+                  <a:latin typeface="Consolas" panose="020B0609020204030204" pitchFamily="49" charset="0"/>
+                  <a:cs typeface="Consolas" panose="020B0609020204030204" pitchFamily="49" charset="0"/>
+                </a:rPr>
+              </a:br>
+              <a:endParaRPr lang="pt-BR" sz="1400" dirty="0">
+                <a:solidFill>
+                  <a:schemeClr val="accent3">
+                    <a:lumMod val="75000"/>
+                  </a:schemeClr>
+                </a:solidFill>
+                <a:latin typeface="Consolas" panose="020B0609020204030204" pitchFamily="49" charset="0"/>
+                <a:cs typeface="Consolas" panose="020B0609020204030204" pitchFamily="49" charset="0"/>
+              </a:endParaRPr>
+            </a:p>
+            <a:p>
+              <a:r>
+                <a:rPr lang="pt-BR" sz="1400" dirty="0">
+                  <a:solidFill>
+                    <a:schemeClr val="accent3">
+                      <a:lumMod val="75000"/>
+                    </a:schemeClr>
+                  </a:solidFill>
+                  <a:latin typeface="Consolas" panose="020B0609020204030204" pitchFamily="49" charset="0"/>
+                  <a:cs typeface="Consolas" panose="020B0609020204030204" pitchFamily="49" charset="0"/>
+                </a:rPr>
+                <a:t>   Tempo</a:t>
+              </a:r>
+              <a:r>
+                <a:rPr lang="pt-BR" sz="1400" dirty="0">
+                  <a:latin typeface="Consolas" panose="020B0609020204030204" pitchFamily="49" charset="0"/>
+                  <a:cs typeface="Consolas" panose="020B0609020204030204" pitchFamily="49" charset="0"/>
+                </a:rPr>
+                <a:t> </a:t>
+              </a:r>
+              <a:r>
+                <a:rPr lang="pt-BR" sz="1400" dirty="0">
+                  <a:solidFill>
+                    <a:schemeClr val="accent6">
+                      <a:lumMod val="60000"/>
+                      <a:lumOff val="40000"/>
+                    </a:schemeClr>
+                  </a:solidFill>
+                  <a:latin typeface="Consolas" panose="020B0609020204030204" pitchFamily="49" charset="0"/>
+                  <a:cs typeface="Consolas" panose="020B0609020204030204" pitchFamily="49" charset="0"/>
+                </a:rPr>
+                <a:t>operator+</a:t>
+              </a:r>
+              <a:r>
+                <a:rPr lang="pt-BR" sz="1400" dirty="0">
+                  <a:latin typeface="Consolas" panose="020B0609020204030204" pitchFamily="49" charset="0"/>
+                  <a:cs typeface="Consolas" panose="020B0609020204030204" pitchFamily="49" charset="0"/>
+                </a:rPr>
+                <a:t>(</a:t>
+              </a:r>
+              <a:r>
+                <a:rPr lang="pt-BR" sz="1400" dirty="0" err="1">
+                  <a:solidFill>
+                    <a:schemeClr val="accent3">
+                      <a:lumMod val="75000"/>
+                    </a:schemeClr>
+                  </a:solidFill>
+                  <a:latin typeface="Consolas" panose="020B0609020204030204" pitchFamily="49" charset="0"/>
+                  <a:cs typeface="Consolas" panose="020B0609020204030204" pitchFamily="49" charset="0"/>
+                </a:rPr>
+                <a:t>const</a:t>
+              </a:r>
+              <a:r>
+                <a:rPr lang="pt-BR" sz="1400" dirty="0">
+                  <a:latin typeface="Consolas" panose="020B0609020204030204" pitchFamily="49" charset="0"/>
+                  <a:cs typeface="Consolas" panose="020B0609020204030204" pitchFamily="49" charset="0"/>
+                </a:rPr>
+                <a:t> </a:t>
+              </a:r>
+              <a:r>
+                <a:rPr lang="pt-BR" sz="1400" dirty="0">
+                  <a:solidFill>
+                    <a:schemeClr val="accent3"/>
+                  </a:solidFill>
+                  <a:latin typeface="Consolas" panose="020B0609020204030204" pitchFamily="49" charset="0"/>
+                  <a:cs typeface="Consolas" panose="020B0609020204030204" pitchFamily="49" charset="0"/>
+                </a:rPr>
+                <a:t>Tempo</a:t>
+              </a:r>
+              <a:r>
+                <a:rPr lang="pt-BR" sz="1400" dirty="0">
+                  <a:latin typeface="Consolas" panose="020B0609020204030204" pitchFamily="49" charset="0"/>
+                  <a:cs typeface="Consolas" panose="020B0609020204030204" pitchFamily="49" charset="0"/>
+                </a:rPr>
+                <a:t> &amp; t) </a:t>
+              </a:r>
+              <a:r>
+                <a:rPr lang="pt-BR" sz="1400" dirty="0" err="1">
+                  <a:solidFill>
+                    <a:schemeClr val="accent3">
+                      <a:lumMod val="75000"/>
+                    </a:schemeClr>
+                  </a:solidFill>
+                  <a:latin typeface="Consolas" panose="020B0609020204030204" pitchFamily="49" charset="0"/>
+                  <a:cs typeface="Consolas" panose="020B0609020204030204" pitchFamily="49" charset="0"/>
+                </a:rPr>
+                <a:t>const</a:t>
+              </a:r>
+              <a:r>
+                <a:rPr lang="pt-BR" sz="1400" dirty="0">
+                  <a:latin typeface="Consolas" panose="020B0609020204030204" pitchFamily="49" charset="0"/>
+                  <a:cs typeface="Consolas" panose="020B0609020204030204" pitchFamily="49" charset="0"/>
+                </a:rPr>
+                <a:t>;</a:t>
+              </a:r>
+              <a:br>
+                <a:rPr lang="pt-BR" sz="1400" dirty="0">
+                  <a:latin typeface="Consolas" panose="020B0609020204030204" pitchFamily="49" charset="0"/>
+                  <a:cs typeface="Consolas" panose="020B0609020204030204" pitchFamily="49" charset="0"/>
+                </a:rPr>
+              </a:br>
+              <a:r>
+                <a:rPr lang="pt-BR" sz="1400" dirty="0">
+                  <a:latin typeface="Consolas" panose="020B0609020204030204" pitchFamily="49" charset="0"/>
+                  <a:cs typeface="Consolas" panose="020B0609020204030204" pitchFamily="49" charset="0"/>
+                </a:rPr>
+                <a:t>   </a:t>
+              </a:r>
+              <a:r>
+                <a:rPr lang="pt-BR" sz="1400" dirty="0">
+                  <a:solidFill>
+                    <a:schemeClr val="accent3">
+                      <a:lumMod val="75000"/>
+                    </a:schemeClr>
+                  </a:solidFill>
+                  <a:latin typeface="Consolas" panose="020B0609020204030204" pitchFamily="49" charset="0"/>
+                  <a:cs typeface="Consolas" panose="020B0609020204030204" pitchFamily="49" charset="0"/>
+                </a:rPr>
+                <a:t>Tempo</a:t>
+              </a:r>
+              <a:r>
+                <a:rPr lang="pt-BR" sz="1400" dirty="0">
+                  <a:latin typeface="Consolas" panose="020B0609020204030204" pitchFamily="49" charset="0"/>
+                  <a:cs typeface="Consolas" panose="020B0609020204030204" pitchFamily="49" charset="0"/>
+                </a:rPr>
+                <a:t> </a:t>
+              </a:r>
+              <a:r>
+                <a:rPr lang="pt-BR" sz="1400" dirty="0">
+                  <a:solidFill>
+                    <a:schemeClr val="accent6">
+                      <a:lumMod val="60000"/>
+                      <a:lumOff val="40000"/>
+                    </a:schemeClr>
+                  </a:solidFill>
+                  <a:latin typeface="Consolas" panose="020B0609020204030204" pitchFamily="49" charset="0"/>
+                  <a:cs typeface="Consolas" panose="020B0609020204030204" pitchFamily="49" charset="0"/>
+                </a:rPr>
+                <a:t>operator+</a:t>
+              </a:r>
+              <a:r>
+                <a:rPr lang="pt-BR" sz="1400" dirty="0">
+                  <a:latin typeface="Consolas" panose="020B0609020204030204" pitchFamily="49" charset="0"/>
+                  <a:cs typeface="Consolas" panose="020B0609020204030204" pitchFamily="49" charset="0"/>
+                </a:rPr>
+                <a:t>(</a:t>
+              </a:r>
+              <a:r>
+                <a:rPr lang="pt-BR" sz="1400" dirty="0" err="1">
+                  <a:solidFill>
+                    <a:schemeClr val="accent3">
+                      <a:lumMod val="75000"/>
+                    </a:schemeClr>
+                  </a:solidFill>
+                  <a:latin typeface="Consolas" panose="020B0609020204030204" pitchFamily="49" charset="0"/>
+                  <a:cs typeface="Consolas" panose="020B0609020204030204" pitchFamily="49" charset="0"/>
+                </a:rPr>
+                <a:t>int</a:t>
+              </a:r>
+              <a:r>
+                <a:rPr lang="pt-BR" sz="1400" dirty="0">
+                  <a:latin typeface="Consolas" panose="020B0609020204030204" pitchFamily="49" charset="0"/>
+                  <a:cs typeface="Consolas" panose="020B0609020204030204" pitchFamily="49" charset="0"/>
+                </a:rPr>
+                <a:t> num) </a:t>
+              </a:r>
+              <a:r>
+                <a:rPr lang="pt-BR" sz="1400" dirty="0" err="1">
+                  <a:solidFill>
+                    <a:schemeClr val="accent3">
+                      <a:lumMod val="75000"/>
+                    </a:schemeClr>
+                  </a:solidFill>
+                  <a:latin typeface="Consolas" panose="020B0609020204030204" pitchFamily="49" charset="0"/>
+                  <a:cs typeface="Consolas" panose="020B0609020204030204" pitchFamily="49" charset="0"/>
+                </a:rPr>
+                <a:t>const</a:t>
+              </a:r>
+              <a:r>
+                <a:rPr lang="pt-BR" sz="1400" dirty="0">
+                  <a:latin typeface="Consolas" panose="020B0609020204030204" pitchFamily="49" charset="0"/>
+                  <a:cs typeface="Consolas" panose="020B0609020204030204" pitchFamily="49" charset="0"/>
+                </a:rPr>
+                <a:t>;</a:t>
+              </a:r>
+              <a:br>
+                <a:rPr lang="pt-BR" sz="1400" dirty="0">
+                  <a:latin typeface="Consolas" panose="020B0609020204030204" pitchFamily="49" charset="0"/>
+                  <a:cs typeface="Consolas" panose="020B0609020204030204" pitchFamily="49" charset="0"/>
+                </a:rPr>
+              </a:br>
+              <a:r>
+                <a:rPr lang="pt-BR" sz="1400" dirty="0">
+                  <a:latin typeface="Consolas" panose="020B0609020204030204" pitchFamily="49" charset="0"/>
+                  <a:cs typeface="Consolas" panose="020B0609020204030204" pitchFamily="49" charset="0"/>
+                </a:rPr>
+                <a:t> </a:t>
+              </a:r>
+              <a:br>
                 <a:rPr lang="pt-BR" sz="1400" dirty="0">
                   <a:solidFill>
                     <a:schemeClr val="bg1">
@@ -18548,11 +18261,384 @@
                     </a:schemeClr>
                   </a:solidFill>
                   <a:latin typeface="Consolas" panose="020B0609020204030204" pitchFamily="49" charset="0"/>
-                </a:rPr>
-                <a:t>// </a:t>
+                  <a:cs typeface="Consolas" panose="020B0609020204030204" pitchFamily="49" charset="0"/>
+                </a:rPr>
+              </a:br>
+              <a:r>
+                <a:rPr lang="pt-BR" sz="1400" dirty="0">
+                  <a:latin typeface="Consolas" panose="020B0609020204030204" pitchFamily="49" charset="0"/>
+                  <a:cs typeface="Consolas" panose="020B0609020204030204" pitchFamily="49" charset="0"/>
+                </a:rPr>
+                <a:t>};</a:t>
+              </a:r>
+            </a:p>
+          </p:txBody>
+        </p:sp>
+        <p:cxnSp>
+          <p:nvCxnSpPr>
+            <p:cNvPr id="17" name="Conector reto 5">
+              <a:extLst>
+                <a:ext uri="{FF2B5EF4-FFF2-40B4-BE49-F238E27FC236}">
+                  <a16:creationId xmlns:a16="http://schemas.microsoft.com/office/drawing/2014/main" id="{05C36966-4987-C7C4-FEC0-E3C46AA3DE1A}"/>
+                </a:ext>
+              </a:extLst>
+            </p:cNvPr>
+            <p:cNvCxnSpPr>
+              <a:cxnSpLocks/>
+            </p:cNvCxnSpPr>
+            <p:nvPr/>
+          </p:nvCxnSpPr>
+          <p:spPr>
+            <a:xfrm flipV="1">
+              <a:off x="7199840" y="3333439"/>
+              <a:ext cx="0" cy="1610754"/>
+            </a:xfrm>
+            <a:prstGeom prst="line">
+              <a:avLst/>
+            </a:prstGeom>
+            <a:ln w="12700">
+              <a:solidFill>
+                <a:schemeClr val="accent6"/>
+              </a:solidFill>
+              <a:prstDash val="dash"/>
+            </a:ln>
+          </p:spPr>
+          <p:style>
+            <a:lnRef idx="1">
+              <a:schemeClr val="accent1"/>
+            </a:lnRef>
+            <a:fillRef idx="0">
+              <a:schemeClr val="accent1"/>
+            </a:fillRef>
+            <a:effectRef idx="0">
+              <a:schemeClr val="accent1"/>
+            </a:effectRef>
+            <a:fontRef idx="minor">
+              <a:schemeClr val="tx1"/>
+            </a:fontRef>
+          </p:style>
+        </p:cxnSp>
+        <p:cxnSp>
+          <p:nvCxnSpPr>
+            <p:cNvPr id="19" name="Conector reto 8">
+              <a:extLst>
+                <a:ext uri="{FF2B5EF4-FFF2-40B4-BE49-F238E27FC236}">
+                  <a16:creationId xmlns:a16="http://schemas.microsoft.com/office/drawing/2014/main" id="{E7F5CD4B-B5B5-00AA-B387-6FBBB8ED51D1}"/>
+                </a:ext>
+              </a:extLst>
+            </p:cNvPr>
+            <p:cNvCxnSpPr>
+              <a:cxnSpLocks/>
+            </p:cNvCxnSpPr>
+            <p:nvPr/>
+          </p:nvCxnSpPr>
+          <p:spPr>
+            <a:xfrm flipV="1">
+              <a:off x="4457383" y="3255040"/>
+              <a:ext cx="0" cy="951201"/>
+            </a:xfrm>
+            <a:prstGeom prst="line">
+              <a:avLst/>
+            </a:prstGeom>
+            <a:ln w="12700">
+              <a:solidFill>
+                <a:schemeClr val="accent6"/>
+              </a:solidFill>
+              <a:prstDash val="dash"/>
+            </a:ln>
+          </p:spPr>
+          <p:style>
+            <a:lnRef idx="1">
+              <a:schemeClr val="accent1"/>
+            </a:lnRef>
+            <a:fillRef idx="0">
+              <a:schemeClr val="accent1"/>
+            </a:fillRef>
+            <a:effectRef idx="0">
+              <a:schemeClr val="accent1"/>
+            </a:effectRef>
+            <a:fontRef idx="minor">
+              <a:schemeClr val="tx1"/>
+            </a:fontRef>
+          </p:style>
+        </p:cxnSp>
+        <p:sp>
+          <p:nvSpPr>
+            <p:cNvPr id="20" name="CaixaDeTexto 19">
+              <a:extLst>
+                <a:ext uri="{FF2B5EF4-FFF2-40B4-BE49-F238E27FC236}">
+                  <a16:creationId xmlns:a16="http://schemas.microsoft.com/office/drawing/2014/main" id="{B56745B1-D2A4-8B77-ED6A-4A2CB08CC5A5}"/>
+                </a:ext>
+              </a:extLst>
+            </p:cNvPr>
+            <p:cNvSpPr txBox="1"/>
+            <p:nvPr/>
+          </p:nvSpPr>
+          <p:spPr>
+            <a:xfrm>
+              <a:off x="4858401" y="3333439"/>
+              <a:ext cx="2043454" cy="738664"/>
+            </a:xfrm>
+            <a:prstGeom prst="rect">
+              <a:avLst/>
+            </a:prstGeom>
+            <a:noFill/>
+          </p:spPr>
+          <p:txBody>
+            <a:bodyPr wrap="square">
+              <a:spAutoFit/>
+            </a:bodyPr>
+            <a:lstStyle/>
+            <a:p>
+              <a:r>
+                <a:rPr lang="pt-BR" sz="1400" dirty="0">
+                  <a:solidFill>
+                    <a:schemeClr val="accent3"/>
+                  </a:solidFill>
+                  <a:latin typeface="Consolas" panose="020B0609020204030204" pitchFamily="49" charset="0"/>
+                </a:rPr>
+                <a:t>Tempo</a:t>
+              </a:r>
+              <a:r>
+                <a:rPr lang="pt-BR" sz="1400" dirty="0">
+                  <a:latin typeface="Consolas" panose="020B0609020204030204" pitchFamily="49" charset="0"/>
+                </a:rPr>
+                <a:t> A { </a:t>
+              </a:r>
+              <a:r>
+                <a:rPr lang="pt-BR" sz="1400" dirty="0">
+                  <a:solidFill>
+                    <a:schemeClr val="accent3">
+                      <a:lumMod val="60000"/>
+                      <a:lumOff val="40000"/>
+                    </a:schemeClr>
+                  </a:solidFill>
+                  <a:latin typeface="Consolas" panose="020B0609020204030204" pitchFamily="49" charset="0"/>
+                </a:rPr>
+                <a:t>1</a:t>
+              </a:r>
+              <a:r>
+                <a:rPr lang="pt-BR" sz="1400" dirty="0">
+                  <a:latin typeface="Consolas" panose="020B0609020204030204" pitchFamily="49" charset="0"/>
+                </a:rPr>
+                <a:t>, </a:t>
+              </a:r>
+              <a:r>
+                <a:rPr lang="pt-BR" sz="1400" dirty="0">
+                  <a:solidFill>
+                    <a:schemeClr val="accent3">
+                      <a:lumMod val="60000"/>
+                      <a:lumOff val="40000"/>
+                    </a:schemeClr>
+                  </a:solidFill>
+                  <a:latin typeface="Consolas" panose="020B0609020204030204" pitchFamily="49" charset="0"/>
+                </a:rPr>
+                <a:t>30</a:t>
+              </a:r>
+              <a:r>
+                <a:rPr lang="pt-BR" sz="1400" dirty="0">
+                  <a:latin typeface="Consolas" panose="020B0609020204030204" pitchFamily="49" charset="0"/>
+                </a:rPr>
+                <a:t> };</a:t>
+              </a:r>
+            </a:p>
+            <a:p>
+              <a:r>
+                <a:rPr lang="pt-BR" sz="1400" dirty="0">
+                  <a:solidFill>
+                    <a:schemeClr val="accent3"/>
+                  </a:solidFill>
+                  <a:latin typeface="Consolas" panose="020B0609020204030204" pitchFamily="49" charset="0"/>
+                </a:rPr>
+                <a:t>Tempo</a:t>
+              </a:r>
+              <a:r>
+                <a:rPr lang="pt-BR" sz="1400" dirty="0">
+                  <a:latin typeface="Consolas" panose="020B0609020204030204" pitchFamily="49" charset="0"/>
+                </a:rPr>
+                <a:t> </a:t>
               </a:r>
               <a:r>
                 <a:rPr lang="pt-BR" sz="1400" dirty="0" err="1">
+                  <a:latin typeface="Consolas" panose="020B0609020204030204" pitchFamily="49" charset="0"/>
+                </a:rPr>
+                <a:t>B</a:t>
+              </a:r>
+              <a:r>
+                <a:rPr lang="pt-BR" sz="1400" dirty="0">
+                  <a:latin typeface="Consolas" panose="020B0609020204030204" pitchFamily="49" charset="0"/>
+                </a:rPr>
+                <a:t> { </a:t>
+              </a:r>
+              <a:r>
+                <a:rPr lang="pt-BR" sz="1400" dirty="0">
+                  <a:solidFill>
+                    <a:schemeClr val="accent3">
+                      <a:lumMod val="60000"/>
+                      <a:lumOff val="40000"/>
+                    </a:schemeClr>
+                  </a:solidFill>
+                  <a:latin typeface="Consolas" panose="020B0609020204030204" pitchFamily="49" charset="0"/>
+                </a:rPr>
+                <a:t>1</a:t>
+              </a:r>
+              <a:r>
+                <a:rPr lang="pt-BR" sz="1400" dirty="0">
+                  <a:latin typeface="Consolas" panose="020B0609020204030204" pitchFamily="49" charset="0"/>
+                </a:rPr>
+                <a:t>, </a:t>
+              </a:r>
+              <a:r>
+                <a:rPr lang="pt-BR" sz="1400" dirty="0">
+                  <a:solidFill>
+                    <a:schemeClr val="accent3">
+                      <a:lumMod val="60000"/>
+                      <a:lumOff val="40000"/>
+                    </a:schemeClr>
+                  </a:solidFill>
+                  <a:latin typeface="Consolas" panose="020B0609020204030204" pitchFamily="49" charset="0"/>
+                </a:rPr>
+                <a:t>20</a:t>
+              </a:r>
+              <a:r>
+                <a:rPr lang="pt-BR" sz="1400" dirty="0">
+                  <a:latin typeface="Consolas" panose="020B0609020204030204" pitchFamily="49" charset="0"/>
+                </a:rPr>
+                <a:t> };</a:t>
+              </a:r>
+            </a:p>
+            <a:p>
+              <a:r>
+                <a:rPr lang="pt-BR" sz="1400" dirty="0">
+                  <a:solidFill>
+                    <a:schemeClr val="accent3"/>
+                  </a:solidFill>
+                  <a:latin typeface="Consolas" panose="020B0609020204030204" pitchFamily="49" charset="0"/>
+                </a:rPr>
+                <a:t>Tempo</a:t>
+              </a:r>
+              <a:r>
+                <a:rPr lang="pt-BR" sz="1400" dirty="0">
+                  <a:latin typeface="Consolas" panose="020B0609020204030204" pitchFamily="49" charset="0"/>
+                </a:rPr>
+                <a:t> C;</a:t>
+              </a:r>
+            </a:p>
+          </p:txBody>
+        </p:sp>
+        <p:grpSp>
+          <p:nvGrpSpPr>
+            <p:cNvPr id="24" name="Agrupar 23">
+              <a:extLst>
+                <a:ext uri="{FF2B5EF4-FFF2-40B4-BE49-F238E27FC236}">
+                  <a16:creationId xmlns:a16="http://schemas.microsoft.com/office/drawing/2014/main" id="{A0977C2A-19C4-2E43-EE5C-A18B40EC1A18}"/>
+                </a:ext>
+              </a:extLst>
+            </p:cNvPr>
+            <p:cNvGrpSpPr/>
+            <p:nvPr/>
+          </p:nvGrpSpPr>
+          <p:grpSpPr>
+            <a:xfrm>
+              <a:off x="7556177" y="3333439"/>
+              <a:ext cx="3867128" cy="2031325"/>
+              <a:chOff x="7556177" y="3333439"/>
+              <a:chExt cx="3867128" cy="2031325"/>
+            </a:xfrm>
+          </p:grpSpPr>
+          <p:sp>
+            <p:nvSpPr>
+              <p:cNvPr id="18" name="CaixaDeTexto 17">
+                <a:extLst>
+                  <a:ext uri="{FF2B5EF4-FFF2-40B4-BE49-F238E27FC236}">
+                    <a16:creationId xmlns:a16="http://schemas.microsoft.com/office/drawing/2014/main" id="{3CCBB82F-EE99-B1BD-11FD-BBBA6867DB50}"/>
+                  </a:ext>
+                </a:extLst>
+              </p:cNvPr>
+              <p:cNvSpPr txBox="1"/>
+              <p:nvPr/>
+            </p:nvSpPr>
+            <p:spPr>
+              <a:xfrm>
+                <a:off x="7556177" y="3333439"/>
+                <a:ext cx="3867128" cy="2031325"/>
+              </a:xfrm>
+              <a:prstGeom prst="rect">
+                <a:avLst/>
+              </a:prstGeom>
+              <a:noFill/>
+            </p:spPr>
+            <p:txBody>
+              <a:bodyPr wrap="square">
+                <a:spAutoFit/>
+              </a:bodyPr>
+              <a:lstStyle/>
+              <a:p>
+                <a:r>
+                  <a:rPr lang="pt-BR" sz="1400" dirty="0">
+                    <a:latin typeface="Consolas" panose="020B0609020204030204" pitchFamily="49" charset="0"/>
+                  </a:rPr>
+                  <a:t>C = A + B;     </a:t>
+                </a:r>
+                <a:r>
+                  <a:rPr lang="pt-BR" sz="1400" dirty="0">
+                    <a:solidFill>
+                      <a:schemeClr val="bg1">
+                        <a:lumMod val="50000"/>
+                        <a:lumOff val="50000"/>
+                      </a:schemeClr>
+                    </a:solidFill>
+                    <a:latin typeface="Consolas" panose="020B0609020204030204" pitchFamily="49" charset="0"/>
+                  </a:rPr>
+                  <a:t>// </a:t>
+                </a:r>
+                <a:r>
+                  <a:rPr lang="pt-BR" sz="1400" dirty="0" err="1">
+                    <a:solidFill>
+                      <a:schemeClr val="bg1">
+                        <a:lumMod val="50000"/>
+                        <a:lumOff val="50000"/>
+                      </a:schemeClr>
+                    </a:solidFill>
+                    <a:latin typeface="Consolas" panose="020B0609020204030204" pitchFamily="49" charset="0"/>
+                  </a:rPr>
+                  <a:t>A.operator</a:t>
+                </a:r>
+                <a:r>
+                  <a:rPr lang="pt-BR" sz="1400" dirty="0">
+                    <a:solidFill>
+                      <a:schemeClr val="bg1">
+                        <a:lumMod val="50000"/>
+                        <a:lumOff val="50000"/>
+                      </a:schemeClr>
+                    </a:solidFill>
+                    <a:latin typeface="Consolas" panose="020B0609020204030204" pitchFamily="49" charset="0"/>
+                  </a:rPr>
+                  <a:t>+(B)</a:t>
+                </a:r>
+                <a:br>
+                  <a:rPr lang="pt-BR" sz="1400" dirty="0">
+                    <a:latin typeface="Consolas" panose="020B0609020204030204" pitchFamily="49" charset="0"/>
+                  </a:rPr>
+                </a:br>
+                <a:r>
+                  <a:rPr lang="pt-BR" sz="1400" dirty="0">
+                    <a:latin typeface="Consolas" panose="020B0609020204030204" pitchFamily="49" charset="0"/>
+                  </a:rPr>
+                  <a:t>               </a:t>
+                </a:r>
+                <a:br>
+                  <a:rPr lang="pt-BR" sz="1400" dirty="0">
+                    <a:solidFill>
+                      <a:schemeClr val="bg1">
+                        <a:lumMod val="50000"/>
+                        <a:lumOff val="50000"/>
+                      </a:schemeClr>
+                    </a:solidFill>
+                    <a:latin typeface="Consolas" panose="020B0609020204030204" pitchFamily="49" charset="0"/>
+                  </a:rPr>
+                </a:br>
+                <a:endParaRPr lang="pt-BR" sz="1400" dirty="0">
                   <a:solidFill>
                     <a:schemeClr val="bg1">
                       <a:lumMod val="50000"/>
@@ -18560,11 +18646,155 @@
                     </a:schemeClr>
                   </a:solidFill>
                   <a:latin typeface="Consolas" panose="020B0609020204030204" pitchFamily="49" charset="0"/>
-                </a:rPr>
-                <a:t>A.operator</a:t>
-              </a:r>
-              <a:r>
-                <a:rPr lang="pt-BR" sz="1400" dirty="0">
+                </a:endParaRPr>
+              </a:p>
+              <a:p>
+                <a:r>
+                  <a:rPr lang="pt-BR" sz="1400" dirty="0">
+                    <a:latin typeface="Consolas" panose="020B0609020204030204" pitchFamily="49" charset="0"/>
+                  </a:rPr>
+                  <a:t>C = A + </a:t>
+                </a:r>
+                <a:r>
+                  <a:rPr lang="pt-BR" sz="1400" dirty="0">
+                    <a:solidFill>
+                      <a:schemeClr val="accent3">
+                        <a:lumMod val="60000"/>
+                        <a:lumOff val="40000"/>
+                      </a:schemeClr>
+                    </a:solidFill>
+                    <a:latin typeface="Consolas" panose="020B0609020204030204" pitchFamily="49" charset="0"/>
+                  </a:rPr>
+                  <a:t>2</a:t>
+                </a:r>
+                <a:r>
+                  <a:rPr lang="pt-BR" sz="1400" dirty="0">
+                    <a:latin typeface="Consolas" panose="020B0609020204030204" pitchFamily="49" charset="0"/>
+                  </a:rPr>
+                  <a:t>;     </a:t>
+                </a:r>
+                <a:r>
+                  <a:rPr lang="pt-BR" sz="1400" dirty="0">
+                    <a:solidFill>
+                      <a:schemeClr val="bg1">
+                        <a:lumMod val="50000"/>
+                        <a:lumOff val="50000"/>
+                      </a:schemeClr>
+                    </a:solidFill>
+                    <a:latin typeface="Consolas" panose="020B0609020204030204" pitchFamily="49" charset="0"/>
+                  </a:rPr>
+                  <a:t>// </a:t>
+                </a:r>
+                <a:r>
+                  <a:rPr lang="pt-BR" sz="1400" dirty="0" err="1">
+                    <a:solidFill>
+                      <a:schemeClr val="bg1">
+                        <a:lumMod val="50000"/>
+                        <a:lumOff val="50000"/>
+                      </a:schemeClr>
+                    </a:solidFill>
+                    <a:latin typeface="Consolas" panose="020B0609020204030204" pitchFamily="49" charset="0"/>
+                  </a:rPr>
+                  <a:t>A.operator</a:t>
+                </a:r>
+                <a:r>
+                  <a:rPr lang="pt-BR" sz="1400" dirty="0">
+                    <a:solidFill>
+                      <a:schemeClr val="bg1">
+                        <a:lumMod val="50000"/>
+                        <a:lumOff val="50000"/>
+                      </a:schemeClr>
+                    </a:solidFill>
+                    <a:latin typeface="Consolas" panose="020B0609020204030204" pitchFamily="49" charset="0"/>
+                  </a:rPr>
+                  <a:t>+(2);</a:t>
+                </a:r>
+                <a:br>
+                  <a:rPr lang="pt-BR" sz="1400" dirty="0">
+                    <a:latin typeface="Consolas" panose="020B0609020204030204" pitchFamily="49" charset="0"/>
+                  </a:rPr>
+                </a:br>
+                <a:r>
+                  <a:rPr lang="pt-BR" sz="1400" dirty="0">
+                    <a:latin typeface="Consolas" panose="020B0609020204030204" pitchFamily="49" charset="0"/>
+                  </a:rPr>
+                  <a:t>               </a:t>
+                </a:r>
+                <a:br>
+                  <a:rPr lang="pt-BR" sz="1400" dirty="0">
+                    <a:latin typeface="Consolas" panose="020B0609020204030204" pitchFamily="49" charset="0"/>
+                  </a:rPr>
+                </a:br>
+                <a:br>
+                  <a:rPr lang="pt-BR" sz="1400" dirty="0">
+                    <a:latin typeface="Consolas" panose="020B0609020204030204" pitchFamily="49" charset="0"/>
+                  </a:rPr>
+                </a:br>
+                <a:r>
+                  <a:rPr lang="pt-BR" sz="1400" dirty="0">
+                    <a:latin typeface="Consolas" panose="020B0609020204030204" pitchFamily="49" charset="0"/>
+                  </a:rPr>
+                  <a:t>C = </a:t>
+                </a:r>
+                <a:r>
+                  <a:rPr lang="pt-BR" sz="1400" dirty="0">
+                    <a:solidFill>
+                      <a:schemeClr val="accent3">
+                        <a:lumMod val="60000"/>
+                        <a:lumOff val="40000"/>
+                      </a:schemeClr>
+                    </a:solidFill>
+                    <a:latin typeface="Consolas" panose="020B0609020204030204" pitchFamily="49" charset="0"/>
+                  </a:rPr>
+                  <a:t>2</a:t>
+                </a:r>
+                <a:r>
+                  <a:rPr lang="pt-BR" sz="1400" dirty="0">
+                    <a:latin typeface="Consolas" panose="020B0609020204030204" pitchFamily="49" charset="0"/>
+                  </a:rPr>
+                  <a:t> + A;     </a:t>
+                </a:r>
+                <a:r>
+                  <a:rPr lang="pt-BR" sz="1400" dirty="0">
+                    <a:solidFill>
+                      <a:schemeClr val="bg1">
+                        <a:lumMod val="50000"/>
+                        <a:lumOff val="50000"/>
+                      </a:schemeClr>
+                    </a:solidFill>
+                    <a:latin typeface="Consolas" panose="020B0609020204030204" pitchFamily="49" charset="0"/>
+                  </a:rPr>
+                  <a:t>// 2 não é Tempo</a:t>
+                </a:r>
+              </a:p>
+              <a:p>
+                <a:r>
+                  <a:rPr lang="pt-BR" sz="1400" dirty="0">
+                    <a:latin typeface="Consolas" panose="020B0609020204030204" pitchFamily="49" charset="0"/>
+                  </a:rPr>
+                  <a:t>               </a:t>
+                </a:r>
+                <a:r>
+                  <a:rPr lang="pt-BR" sz="1400" dirty="0">
+                    <a:solidFill>
+                      <a:schemeClr val="bg1">
+                        <a:lumMod val="50000"/>
+                        <a:lumOff val="50000"/>
+                      </a:schemeClr>
+                    </a:solidFill>
+                    <a:latin typeface="Consolas" panose="020B0609020204030204" pitchFamily="49" charset="0"/>
+                  </a:rPr>
+                  <a:t>// 2.operator+(A)</a:t>
+                </a:r>
+              </a:p>
+              <a:p>
+                <a:r>
+                  <a:rPr lang="pt-BR" sz="1400" dirty="0">
+                    <a:latin typeface="Consolas" panose="020B0609020204030204" pitchFamily="49" charset="0"/>
+                  </a:rPr>
+                  <a:t>               </a:t>
+                </a:r>
+                <a:endParaRPr lang="pt-BR" sz="1400" dirty="0">
                   <a:solidFill>
                     <a:schemeClr val="bg1">
                       <a:lumMod val="50000"/>
@@ -18572,316 +18802,128 @@
                     </a:schemeClr>
                   </a:solidFill>
                   <a:latin typeface="Consolas" panose="020B0609020204030204" pitchFamily="49" charset="0"/>
-                </a:rPr>
-                <a:t>+(B)</a:t>
-              </a:r>
-              <a:br>
-                <a:rPr lang="pt-BR" sz="1400" dirty="0">
-                  <a:latin typeface="Consolas" panose="020B0609020204030204" pitchFamily="49" charset="0"/>
-                </a:rPr>
-              </a:br>
-              <a:r>
-                <a:rPr lang="pt-BR" sz="1400" dirty="0">
-                  <a:latin typeface="Consolas" panose="020B0609020204030204" pitchFamily="49" charset="0"/>
-                </a:rPr>
-                <a:t>               </a:t>
-              </a:r>
-              <a:br>
-                <a:rPr lang="pt-BR" sz="1400" dirty="0">
-                  <a:solidFill>
-                    <a:schemeClr val="bg1">
-                      <a:lumMod val="50000"/>
-                      <a:lumOff val="50000"/>
-                    </a:schemeClr>
-                  </a:solidFill>
-                  <a:latin typeface="Consolas" panose="020B0609020204030204" pitchFamily="49" charset="0"/>
-                </a:rPr>
-              </a:br>
-              <a:endParaRPr lang="pt-BR" sz="1400" dirty="0">
-                <a:solidFill>
-                  <a:schemeClr val="bg1">
-                    <a:lumMod val="50000"/>
-                    <a:lumOff val="50000"/>
-                  </a:schemeClr>
-                </a:solidFill>
-                <a:latin typeface="Consolas" panose="020B0609020204030204" pitchFamily="49" charset="0"/>
-              </a:endParaRPr>
-            </a:p>
-            <a:p>
-              <a:r>
-                <a:rPr lang="pt-BR" sz="1400" dirty="0">
-                  <a:latin typeface="Consolas" panose="020B0609020204030204" pitchFamily="49" charset="0"/>
-                </a:rPr>
-                <a:t>C = A + </a:t>
-              </a:r>
-              <a:r>
-                <a:rPr lang="pt-BR" sz="1400" dirty="0">
-                  <a:solidFill>
-                    <a:schemeClr val="accent3">
-                      <a:lumMod val="60000"/>
-                      <a:lumOff val="40000"/>
-                    </a:schemeClr>
-                  </a:solidFill>
-                  <a:latin typeface="Consolas" panose="020B0609020204030204" pitchFamily="49" charset="0"/>
-                </a:rPr>
-                <a:t>2</a:t>
-              </a:r>
-              <a:r>
-                <a:rPr lang="pt-BR" sz="1400" dirty="0">
-                  <a:latin typeface="Consolas" panose="020B0609020204030204" pitchFamily="49" charset="0"/>
-                </a:rPr>
-                <a:t>;     </a:t>
-              </a:r>
-              <a:r>
-                <a:rPr lang="pt-BR" sz="1400" dirty="0">
-                  <a:solidFill>
-                    <a:schemeClr val="bg1">
-                      <a:lumMod val="50000"/>
-                      <a:lumOff val="50000"/>
-                    </a:schemeClr>
-                  </a:solidFill>
-                  <a:latin typeface="Consolas" panose="020B0609020204030204" pitchFamily="49" charset="0"/>
-                </a:rPr>
-                <a:t>// </a:t>
-              </a:r>
-              <a:r>
-                <a:rPr lang="pt-BR" sz="1400" dirty="0" err="1">
-                  <a:solidFill>
-                    <a:schemeClr val="bg1">
-                      <a:lumMod val="50000"/>
-                      <a:lumOff val="50000"/>
-                    </a:schemeClr>
-                  </a:solidFill>
-                  <a:latin typeface="Consolas" panose="020B0609020204030204" pitchFamily="49" charset="0"/>
-                </a:rPr>
-                <a:t>A.operator</a:t>
-              </a:r>
-              <a:r>
-                <a:rPr lang="pt-BR" sz="1400" dirty="0">
-                  <a:solidFill>
-                    <a:schemeClr val="bg1">
-                      <a:lumMod val="50000"/>
-                      <a:lumOff val="50000"/>
-                    </a:schemeClr>
-                  </a:solidFill>
-                  <a:latin typeface="Consolas" panose="020B0609020204030204" pitchFamily="49" charset="0"/>
-                </a:rPr>
-                <a:t>+(2);</a:t>
-              </a:r>
-              <a:br>
-                <a:rPr lang="pt-BR" sz="1400" dirty="0">
-                  <a:latin typeface="Consolas" panose="020B0609020204030204" pitchFamily="49" charset="0"/>
-                </a:rPr>
-              </a:br>
-              <a:r>
-                <a:rPr lang="pt-BR" sz="1400" dirty="0">
-                  <a:latin typeface="Consolas" panose="020B0609020204030204" pitchFamily="49" charset="0"/>
-                </a:rPr>
-                <a:t>               </a:t>
-              </a:r>
-              <a:br>
-                <a:rPr lang="pt-BR" sz="1400" dirty="0">
-                  <a:latin typeface="Consolas" panose="020B0609020204030204" pitchFamily="49" charset="0"/>
-                </a:rPr>
-              </a:br>
-              <a:br>
-                <a:rPr lang="pt-BR" sz="1400" dirty="0">
-                  <a:latin typeface="Consolas" panose="020B0609020204030204" pitchFamily="49" charset="0"/>
-                </a:rPr>
-              </a:br>
-              <a:r>
-                <a:rPr lang="pt-BR" sz="1400" dirty="0">
-                  <a:latin typeface="Consolas" panose="020B0609020204030204" pitchFamily="49" charset="0"/>
-                </a:rPr>
-                <a:t>C = </a:t>
-              </a:r>
-              <a:r>
-                <a:rPr lang="pt-BR" sz="1400" dirty="0">
-                  <a:solidFill>
-                    <a:schemeClr val="accent3">
-                      <a:lumMod val="60000"/>
-                      <a:lumOff val="40000"/>
-                    </a:schemeClr>
-                  </a:solidFill>
-                  <a:latin typeface="Consolas" panose="020B0609020204030204" pitchFamily="49" charset="0"/>
-                </a:rPr>
-                <a:t>2</a:t>
-              </a:r>
-              <a:r>
-                <a:rPr lang="pt-BR" sz="1400" dirty="0">
-                  <a:latin typeface="Consolas" panose="020B0609020204030204" pitchFamily="49" charset="0"/>
-                </a:rPr>
-                <a:t> + A;     </a:t>
-              </a:r>
-              <a:r>
-                <a:rPr lang="pt-BR" sz="1400" dirty="0">
-                  <a:solidFill>
-                    <a:schemeClr val="bg1">
-                      <a:lumMod val="50000"/>
-                      <a:lumOff val="50000"/>
-                    </a:schemeClr>
-                  </a:solidFill>
-                  <a:latin typeface="Consolas" panose="020B0609020204030204" pitchFamily="49" charset="0"/>
-                </a:rPr>
-                <a:t>// 2 não é Tempo</a:t>
-              </a:r>
-            </a:p>
-            <a:p>
-              <a:r>
-                <a:rPr lang="pt-BR" sz="1400" dirty="0">
-                  <a:latin typeface="Consolas" panose="020B0609020204030204" pitchFamily="49" charset="0"/>
-                </a:rPr>
-                <a:t>               </a:t>
-              </a:r>
-              <a:r>
-                <a:rPr lang="pt-BR" sz="1400" dirty="0">
-                  <a:solidFill>
-                    <a:schemeClr val="bg1">
-                      <a:lumMod val="50000"/>
-                      <a:lumOff val="50000"/>
-                    </a:schemeClr>
-                  </a:solidFill>
-                  <a:latin typeface="Consolas" panose="020B0609020204030204" pitchFamily="49" charset="0"/>
-                </a:rPr>
-                <a:t>// 2.operator+(A)</a:t>
-              </a:r>
-            </a:p>
-            <a:p>
-              <a:r>
-                <a:rPr lang="pt-BR" sz="1400" dirty="0">
-                  <a:latin typeface="Consolas" panose="020B0609020204030204" pitchFamily="49" charset="0"/>
-                </a:rPr>
-                <a:t>               </a:t>
-              </a:r>
-              <a:endParaRPr lang="pt-BR" sz="1400" dirty="0">
-                <a:solidFill>
-                  <a:schemeClr val="bg1">
-                    <a:lumMod val="50000"/>
-                    <a:lumOff val="50000"/>
-                  </a:schemeClr>
-                </a:solidFill>
-                <a:latin typeface="Consolas" panose="020B0609020204030204" pitchFamily="49" charset="0"/>
-              </a:endParaRPr>
-            </a:p>
-          </p:txBody>
-        </p:sp>
-        <p:pic>
-          <p:nvPicPr>
-            <p:cNvPr id="21" name="Gráfico 20" descr="Fechar com preenchimento sólido">
-              <a:extLst>
-                <a:ext uri="{FF2B5EF4-FFF2-40B4-BE49-F238E27FC236}">
-                  <a16:creationId xmlns:a16="http://schemas.microsoft.com/office/drawing/2014/main" id="{934183FC-ADF6-6ED1-5E21-63F80EFF1889}"/>
-                </a:ext>
-              </a:extLst>
-            </p:cNvPr>
-            <p:cNvPicPr>
-              <a:picLocks noChangeAspect="1"/>
-            </p:cNvPicPr>
-            <p:nvPr/>
-          </p:nvPicPr>
-          <p:blipFill>
-            <a:blip r:embed="rId2">
-              <a:extLst>
-                <a:ext uri="{28A0092B-C50C-407E-A947-70E740481C1C}">
-                  <a14:useLocalDpi xmlns:a14="http://schemas.microsoft.com/office/drawing/2010/main" val="0"/>
-                </a:ext>
-                <a:ext uri="{96DAC541-7B7A-43D3-8B79-37D633B846F1}">
-                  <asvg:svgBlip xmlns:asvg="http://schemas.microsoft.com/office/drawing/2016/SVG/main" r:embed="rId3"/>
-                </a:ext>
-              </a:extLst>
-            </a:blip>
-            <a:stretch>
-              <a:fillRect/>
-            </a:stretch>
-          </p:blipFill>
-          <p:spPr>
-            <a:xfrm>
-              <a:off x="8758151" y="4686544"/>
-              <a:ext cx="218565" cy="218565"/>
-            </a:xfrm>
-            <a:prstGeom prst="rect">
-              <a:avLst/>
-            </a:prstGeom>
-          </p:spPr>
-        </p:pic>
-        <p:pic>
-          <p:nvPicPr>
-            <p:cNvPr id="22" name="Gráfico 21" descr="Marca de seleção com preenchimento sólido">
-              <a:extLst>
-                <a:ext uri="{FF2B5EF4-FFF2-40B4-BE49-F238E27FC236}">
-                  <a16:creationId xmlns:a16="http://schemas.microsoft.com/office/drawing/2014/main" id="{4BA005A7-60AC-6AA2-1835-E3243B587621}"/>
-                </a:ext>
-              </a:extLst>
-            </p:cNvPr>
-            <p:cNvPicPr>
-              <a:picLocks noChangeAspect="1"/>
-            </p:cNvPicPr>
-            <p:nvPr/>
-          </p:nvPicPr>
-          <p:blipFill>
-            <a:blip r:embed="rId4">
-              <a:extLst>
-                <a:ext uri="{28A0092B-C50C-407E-A947-70E740481C1C}">
-                  <a14:useLocalDpi xmlns:a14="http://schemas.microsoft.com/office/drawing/2010/main" val="0"/>
-                </a:ext>
-                <a:ext uri="{96DAC541-7B7A-43D3-8B79-37D633B846F1}">
-                  <asvg:svgBlip xmlns:asvg="http://schemas.microsoft.com/office/drawing/2016/SVG/main" r:embed="rId5"/>
-                </a:ext>
-              </a:extLst>
-            </a:blip>
-            <a:stretch>
-              <a:fillRect/>
-            </a:stretch>
-          </p:blipFill>
-          <p:spPr>
-            <a:xfrm>
-              <a:off x="8758150" y="4038340"/>
-              <a:ext cx="218566" cy="218566"/>
-            </a:xfrm>
-            <a:prstGeom prst="rect">
-              <a:avLst/>
-            </a:prstGeom>
-          </p:spPr>
-        </p:pic>
-        <p:pic>
-          <p:nvPicPr>
-            <p:cNvPr id="23" name="Gráfico 22" descr="Marca de seleção com preenchimento sólido">
-              <a:extLst>
-                <a:ext uri="{FF2B5EF4-FFF2-40B4-BE49-F238E27FC236}">
-                  <a16:creationId xmlns:a16="http://schemas.microsoft.com/office/drawing/2014/main" id="{5DD16C2D-969D-6EB4-79B9-A4F8367297F7}"/>
-                </a:ext>
-              </a:extLst>
-            </p:cNvPr>
-            <p:cNvPicPr>
-              <a:picLocks noChangeAspect="1"/>
-            </p:cNvPicPr>
-            <p:nvPr/>
-          </p:nvPicPr>
-          <p:blipFill>
-            <a:blip r:embed="rId4">
-              <a:extLst>
-                <a:ext uri="{28A0092B-C50C-407E-A947-70E740481C1C}">
-                  <a14:useLocalDpi xmlns:a14="http://schemas.microsoft.com/office/drawing/2010/main" val="0"/>
-                </a:ext>
-                <a:ext uri="{96DAC541-7B7A-43D3-8B79-37D633B846F1}">
-                  <asvg:svgBlip xmlns:asvg="http://schemas.microsoft.com/office/drawing/2016/SVG/main" r:embed="rId5"/>
-                </a:ext>
-              </a:extLst>
-            </a:blip>
-            <a:stretch>
-              <a:fillRect/>
-            </a:stretch>
-          </p:blipFill>
-          <p:spPr>
-            <a:xfrm>
-              <a:off x="8758150" y="3386403"/>
-              <a:ext cx="218566" cy="218566"/>
-            </a:xfrm>
-            <a:prstGeom prst="rect">
-              <a:avLst/>
-            </a:prstGeom>
-          </p:spPr>
-        </p:pic>
+                </a:endParaRPr>
+              </a:p>
+            </p:txBody>
+          </p:sp>
+          <p:pic>
+            <p:nvPicPr>
+              <p:cNvPr id="21" name="Gráfico 20" descr="Fechar com preenchimento sólido">
+                <a:extLst>
+                  <a:ext uri="{FF2B5EF4-FFF2-40B4-BE49-F238E27FC236}">
+                    <a16:creationId xmlns:a16="http://schemas.microsoft.com/office/drawing/2014/main" id="{934183FC-ADF6-6ED1-5E21-63F80EFF1889}"/>
+                  </a:ext>
+                </a:extLst>
+              </p:cNvPr>
+              <p:cNvPicPr>
+                <a:picLocks noChangeAspect="1"/>
+              </p:cNvPicPr>
+              <p:nvPr/>
+            </p:nvPicPr>
+            <p:blipFill>
+              <a:blip r:embed="rId2" cstate="print">
+                <a:extLst>
+                  <a:ext uri="{28A0092B-C50C-407E-A947-70E740481C1C}">
+                    <a14:useLocalDpi xmlns:a14="http://schemas.microsoft.com/office/drawing/2010/main" val="0"/>
+                  </a:ext>
+                  <a:ext uri="{96DAC541-7B7A-43D3-8B79-37D633B846F1}">
+                    <asvg:svgBlip xmlns:asvg="http://schemas.microsoft.com/office/drawing/2016/SVG/main" r:embed="rId3"/>
+                  </a:ext>
+                </a:extLst>
+              </a:blip>
+              <a:stretch>
+                <a:fillRect/>
+              </a:stretch>
+            </p:blipFill>
+            <p:spPr>
+              <a:xfrm>
+                <a:off x="8758151" y="4686544"/>
+                <a:ext cx="218565" cy="218565"/>
+              </a:xfrm>
+              <a:prstGeom prst="rect">
+                <a:avLst/>
+              </a:prstGeom>
+            </p:spPr>
+          </p:pic>
+          <p:pic>
+            <p:nvPicPr>
+              <p:cNvPr id="22" name="Gráfico 21" descr="Marca de seleção com preenchimento sólido">
+                <a:extLst>
+                  <a:ext uri="{FF2B5EF4-FFF2-40B4-BE49-F238E27FC236}">
+                    <a16:creationId xmlns:a16="http://schemas.microsoft.com/office/drawing/2014/main" id="{4BA005A7-60AC-6AA2-1835-E3243B587621}"/>
+                  </a:ext>
+                </a:extLst>
+              </p:cNvPr>
+              <p:cNvPicPr>
+                <a:picLocks noChangeAspect="1"/>
+              </p:cNvPicPr>
+              <p:nvPr/>
+            </p:nvPicPr>
+            <p:blipFill>
+              <a:blip r:embed="rId4" cstate="print">
+                <a:extLst>
+                  <a:ext uri="{28A0092B-C50C-407E-A947-70E740481C1C}">
+                    <a14:useLocalDpi xmlns:a14="http://schemas.microsoft.com/office/drawing/2010/main" val="0"/>
+                  </a:ext>
+                  <a:ext uri="{96DAC541-7B7A-43D3-8B79-37D633B846F1}">
+                    <asvg:svgBlip xmlns:asvg="http://schemas.microsoft.com/office/drawing/2016/SVG/main" r:embed="rId5"/>
+                  </a:ext>
+                </a:extLst>
+              </a:blip>
+              <a:stretch>
+                <a:fillRect/>
+              </a:stretch>
+            </p:blipFill>
+            <p:spPr>
+              <a:xfrm>
+                <a:off x="8758150" y="4038340"/>
+                <a:ext cx="218566" cy="218566"/>
+              </a:xfrm>
+              <a:prstGeom prst="rect">
+                <a:avLst/>
+              </a:prstGeom>
+            </p:spPr>
+          </p:pic>
+          <p:pic>
+            <p:nvPicPr>
+              <p:cNvPr id="23" name="Gráfico 22" descr="Marca de seleção com preenchimento sólido">
+                <a:extLst>
+                  <a:ext uri="{FF2B5EF4-FFF2-40B4-BE49-F238E27FC236}">
+                    <a16:creationId xmlns:a16="http://schemas.microsoft.com/office/drawing/2014/main" id="{5DD16C2D-969D-6EB4-79B9-A4F8367297F7}"/>
+                  </a:ext>
+                </a:extLst>
+              </p:cNvPr>
+              <p:cNvPicPr>
+                <a:picLocks noChangeAspect="1"/>
+              </p:cNvPicPr>
+              <p:nvPr/>
+            </p:nvPicPr>
+            <p:blipFill>
+              <a:blip r:embed="rId4" cstate="print">
+                <a:extLst>
+                  <a:ext uri="{28A0092B-C50C-407E-A947-70E740481C1C}">
+                    <a14:useLocalDpi xmlns:a14="http://schemas.microsoft.com/office/drawing/2010/main" val="0"/>
+                  </a:ext>
+                  <a:ext uri="{96DAC541-7B7A-43D3-8B79-37D633B846F1}">
+                    <asvg:svgBlip xmlns:asvg="http://schemas.microsoft.com/office/drawing/2016/SVG/main" r:embed="rId5"/>
+                  </a:ext>
+                </a:extLst>
+              </a:blip>
+              <a:stretch>
+                <a:fillRect/>
+              </a:stretch>
+            </p:blipFill>
+            <p:spPr>
+              <a:xfrm>
+                <a:off x="8758150" y="3386403"/>
+                <a:ext cx="218566" cy="218566"/>
+              </a:xfrm>
+              <a:prstGeom prst="rect">
+                <a:avLst/>
+              </a:prstGeom>
+            </p:spPr>
+          </p:pic>
+        </p:grpSp>
       </p:grpSp>
     </p:spTree>
     <p:extLst>
@@ -19818,7 +19860,7 @@
             <p:nvPr/>
           </p:nvPicPr>
           <p:blipFill>
-            <a:blip r:embed="rId3">
+            <a:blip r:embed="rId3" cstate="print">
               <a:extLst>
                 <a:ext uri="{28A0092B-C50C-407E-A947-70E740481C1C}">
                   <a14:useLocalDpi xmlns:a14="http://schemas.microsoft.com/office/drawing/2010/main" val="0"/>
@@ -19857,7 +19899,7 @@
             <p:nvPr/>
           </p:nvPicPr>
           <p:blipFill>
-            <a:blip r:embed="rId3">
+            <a:blip r:embed="rId3" cstate="print">
               <a:extLst>
                 <a:ext uri="{28A0092B-C50C-407E-A947-70E740481C1C}">
                   <a14:useLocalDpi xmlns:a14="http://schemas.microsoft.com/office/drawing/2010/main" val="0"/>
@@ -19896,7 +19938,7 @@
             <p:nvPr/>
           </p:nvPicPr>
           <p:blipFill>
-            <a:blip r:embed="rId3">
+            <a:blip r:embed="rId3" cstate="print">
               <a:extLst>
                 <a:ext uri="{28A0092B-C50C-407E-A947-70E740481C1C}">
                   <a14:useLocalDpi xmlns:a14="http://schemas.microsoft.com/office/drawing/2010/main" val="0"/>
@@ -20529,7 +20571,7 @@
               <p:nvPr/>
             </p:nvPicPr>
             <p:blipFill>
-              <a:blip r:embed="rId2">
+              <a:blip r:embed="rId2" cstate="print">
                 <a:extLst>
                   <a:ext uri="{28A0092B-C50C-407E-A947-70E740481C1C}">
                     <a14:useLocalDpi xmlns:a14="http://schemas.microsoft.com/office/drawing/2010/main" val="0"/>
@@ -20568,7 +20610,7 @@
               <p:nvPr/>
             </p:nvPicPr>
             <p:blipFill>
-              <a:blip r:embed="rId2">
+              <a:blip r:embed="rId2" cstate="print">
                 <a:extLst>
                   <a:ext uri="{28A0092B-C50C-407E-A947-70E740481C1C}">
                     <a14:useLocalDpi xmlns:a14="http://schemas.microsoft.com/office/drawing/2010/main" val="0"/>
@@ -21890,377 +21932,12 @@
           </a:p>
         </p:txBody>
       </p:sp>
-      <p:sp>
-        <p:nvSpPr>
-          <p:cNvPr id="4" name="CaixaDeTexto 3">
+      <p:grpSp>
+        <p:nvGrpSpPr>
+          <p:cNvPr id="5" name="Agrupar 4">
             <a:extLst>
               <a:ext uri="{FF2B5EF4-FFF2-40B4-BE49-F238E27FC236}">
-                <a16:creationId xmlns:a16="http://schemas.microsoft.com/office/drawing/2014/main" id="{DFF3EBCF-60A9-558F-5F36-732A281DA942}"/>
-              </a:ext>
-            </a:extLst>
-          </p:cNvPr>
-          <p:cNvSpPr txBox="1"/>
-          <p:nvPr/>
-        </p:nvSpPr>
-        <p:spPr>
-          <a:xfrm>
-            <a:off x="2381866" y="4563045"/>
-            <a:ext cx="4748777" cy="1600438"/>
-          </a:xfrm>
-          <a:prstGeom prst="rect">
-            <a:avLst/>
-          </a:prstGeom>
-          <a:noFill/>
-        </p:spPr>
-        <p:txBody>
-          <a:bodyPr wrap="square" rtlCol="0">
-            <a:spAutoFit/>
-          </a:bodyPr>
-          <a:lstStyle/>
-          <a:p>
-            <a:r>
-              <a:rPr lang="pt-BR" sz="1400" dirty="0">
-                <a:solidFill>
-                  <a:schemeClr val="accent3"/>
-                </a:solidFill>
-                <a:latin typeface="Consolas" panose="020B0609020204030204" pitchFamily="49" charset="0"/>
-                <a:cs typeface="Consolas" panose="020B0609020204030204" pitchFamily="49" charset="0"/>
-              </a:rPr>
-              <a:t>Tempo </a:t>
-            </a:r>
-            <a:r>
-              <a:rPr lang="pt-BR" sz="1400" dirty="0">
-                <a:solidFill>
-                  <a:schemeClr val="accent6">
-                    <a:lumMod val="60000"/>
-                    <a:lumOff val="40000"/>
-                  </a:schemeClr>
-                </a:solidFill>
-                <a:latin typeface="Consolas" panose="020B0609020204030204" pitchFamily="49" charset="0"/>
-                <a:cs typeface="Consolas" panose="020B0609020204030204" pitchFamily="49" charset="0"/>
-              </a:rPr>
-              <a:t>operator+</a:t>
-            </a:r>
-            <a:r>
-              <a:rPr lang="pt-BR" sz="1400" dirty="0">
-                <a:latin typeface="Consolas" panose="020B0609020204030204" pitchFamily="49" charset="0"/>
-                <a:cs typeface="Consolas" panose="020B0609020204030204" pitchFamily="49" charset="0"/>
-              </a:rPr>
-              <a:t>(</a:t>
-            </a:r>
-            <a:r>
-              <a:rPr lang="pt-BR" sz="1400" dirty="0" err="1">
-                <a:solidFill>
-                  <a:schemeClr val="accent3">
-                    <a:lumMod val="75000"/>
-                  </a:schemeClr>
-                </a:solidFill>
-                <a:latin typeface="Consolas" panose="020B0609020204030204" pitchFamily="49" charset="0"/>
-                <a:cs typeface="Consolas" panose="020B0609020204030204" pitchFamily="49" charset="0"/>
-              </a:rPr>
-              <a:t>int</a:t>
-            </a:r>
-            <a:r>
-              <a:rPr lang="pt-BR" sz="1400" dirty="0">
-                <a:latin typeface="Consolas" panose="020B0609020204030204" pitchFamily="49" charset="0"/>
-                <a:cs typeface="Consolas" panose="020B0609020204030204" pitchFamily="49" charset="0"/>
-              </a:rPr>
-              <a:t> num, </a:t>
-            </a:r>
-            <a:r>
-              <a:rPr lang="pt-BR" sz="1400" dirty="0" err="1">
-                <a:solidFill>
-                  <a:schemeClr val="accent3">
-                    <a:lumMod val="75000"/>
-                  </a:schemeClr>
-                </a:solidFill>
-                <a:latin typeface="Consolas" panose="020B0609020204030204" pitchFamily="49" charset="0"/>
-                <a:cs typeface="Consolas" panose="020B0609020204030204" pitchFamily="49" charset="0"/>
-              </a:rPr>
-              <a:t>const</a:t>
-            </a:r>
-            <a:r>
-              <a:rPr lang="pt-BR" sz="1400" dirty="0">
-                <a:solidFill>
-                  <a:schemeClr val="accent3">
-                    <a:lumMod val="75000"/>
-                  </a:schemeClr>
-                </a:solidFill>
-                <a:latin typeface="Consolas" panose="020B0609020204030204" pitchFamily="49" charset="0"/>
-                <a:cs typeface="Consolas" panose="020B0609020204030204" pitchFamily="49" charset="0"/>
-              </a:rPr>
-              <a:t> </a:t>
-            </a:r>
-            <a:r>
-              <a:rPr lang="pt-BR" sz="1400" dirty="0">
-                <a:solidFill>
-                  <a:schemeClr val="accent3"/>
-                </a:solidFill>
-                <a:latin typeface="Consolas" panose="020B0609020204030204" pitchFamily="49" charset="0"/>
-                <a:cs typeface="Consolas" panose="020B0609020204030204" pitchFamily="49" charset="0"/>
-              </a:rPr>
-              <a:t>Tempo</a:t>
-            </a:r>
-            <a:r>
-              <a:rPr lang="pt-BR" sz="1400" dirty="0">
-                <a:latin typeface="Consolas" panose="020B0609020204030204" pitchFamily="49" charset="0"/>
-                <a:cs typeface="Consolas" panose="020B0609020204030204" pitchFamily="49" charset="0"/>
-              </a:rPr>
-              <a:t> &amp; </a:t>
-            </a:r>
-            <a:r>
-              <a:rPr lang="pt-BR" sz="1400" dirty="0">
-                <a:solidFill>
-                  <a:schemeClr val="tx1">
-                    <a:lumMod val="75000"/>
-                  </a:schemeClr>
-                </a:solidFill>
-                <a:latin typeface="Consolas" panose="020B0609020204030204" pitchFamily="49" charset="0"/>
-                <a:cs typeface="Consolas" panose="020B0609020204030204" pitchFamily="49" charset="0"/>
-              </a:rPr>
-              <a:t>t</a:t>
-            </a:r>
-            <a:r>
-              <a:rPr lang="pt-BR" sz="1400" dirty="0">
-                <a:latin typeface="Consolas" panose="020B0609020204030204" pitchFamily="49" charset="0"/>
-                <a:cs typeface="Consolas" panose="020B0609020204030204" pitchFamily="49" charset="0"/>
-              </a:rPr>
-              <a:t>)</a:t>
-            </a:r>
-          </a:p>
-          <a:p>
-            <a:r>
-              <a:rPr lang="pt-BR" sz="1400" dirty="0">
-                <a:latin typeface="Consolas" panose="020B0609020204030204" pitchFamily="49" charset="0"/>
-                <a:cs typeface="Consolas" panose="020B0609020204030204" pitchFamily="49" charset="0"/>
-              </a:rPr>
-              <a:t>{</a:t>
-            </a:r>
-            <a:br>
-              <a:rPr lang="pt-BR" sz="1400" dirty="0">
-                <a:latin typeface="Consolas" panose="020B0609020204030204" pitchFamily="49" charset="0"/>
-                <a:cs typeface="Consolas" panose="020B0609020204030204" pitchFamily="49" charset="0"/>
-              </a:rPr>
-            </a:br>
-            <a:r>
-              <a:rPr lang="pt-BR" sz="1400" dirty="0">
-                <a:latin typeface="Consolas" panose="020B0609020204030204" pitchFamily="49" charset="0"/>
-                <a:cs typeface="Consolas" panose="020B0609020204030204" pitchFamily="49" charset="0"/>
-              </a:rPr>
-              <a:t>    </a:t>
-            </a:r>
-            <a:r>
-              <a:rPr lang="pt-BR" sz="1400" dirty="0">
-                <a:solidFill>
-                  <a:schemeClr val="accent3"/>
-                </a:solidFill>
-                <a:latin typeface="Consolas" panose="020B0609020204030204" pitchFamily="49" charset="0"/>
-                <a:cs typeface="Consolas" panose="020B0609020204030204" pitchFamily="49" charset="0"/>
-              </a:rPr>
-              <a:t>Tempo</a:t>
-            </a:r>
-            <a:r>
-              <a:rPr lang="pt-BR" sz="1400" dirty="0">
-                <a:latin typeface="Consolas" panose="020B0609020204030204" pitchFamily="49" charset="0"/>
-                <a:cs typeface="Consolas" panose="020B0609020204030204" pitchFamily="49" charset="0"/>
-              </a:rPr>
-              <a:t> </a:t>
-            </a:r>
-            <a:r>
-              <a:rPr lang="pt-BR" sz="1400" dirty="0">
-                <a:solidFill>
-                  <a:schemeClr val="tx1">
-                    <a:lumMod val="75000"/>
-                  </a:schemeClr>
-                </a:solidFill>
-                <a:latin typeface="Consolas" panose="020B0609020204030204" pitchFamily="49" charset="0"/>
-                <a:cs typeface="Consolas" panose="020B0609020204030204" pitchFamily="49" charset="0"/>
-              </a:rPr>
-              <a:t>soma</a:t>
-            </a:r>
-            <a:r>
-              <a:rPr lang="pt-BR" sz="1400" dirty="0">
-                <a:latin typeface="Consolas" panose="020B0609020204030204" pitchFamily="49" charset="0"/>
-                <a:cs typeface="Consolas" panose="020B0609020204030204" pitchFamily="49" charset="0"/>
-              </a:rPr>
-              <a:t>;</a:t>
-            </a:r>
-            <a:br>
-              <a:rPr lang="pt-BR" sz="1400" dirty="0">
-                <a:latin typeface="Consolas" panose="020B0609020204030204" pitchFamily="49" charset="0"/>
-                <a:cs typeface="Consolas" panose="020B0609020204030204" pitchFamily="49" charset="0"/>
-              </a:rPr>
-            </a:br>
-            <a:r>
-              <a:rPr lang="pt-BR" sz="1400" dirty="0">
-                <a:latin typeface="Consolas" panose="020B0609020204030204" pitchFamily="49" charset="0"/>
-                <a:cs typeface="Consolas" panose="020B0609020204030204" pitchFamily="49" charset="0"/>
-              </a:rPr>
-              <a:t>    </a:t>
-            </a:r>
-            <a:r>
-              <a:rPr lang="pt-BR" sz="1400" dirty="0">
-                <a:solidFill>
-                  <a:schemeClr val="tx1">
-                    <a:lumMod val="75000"/>
-                  </a:schemeClr>
-                </a:solidFill>
-                <a:latin typeface="Consolas" panose="020B0609020204030204" pitchFamily="49" charset="0"/>
-                <a:cs typeface="Consolas" panose="020B0609020204030204" pitchFamily="49" charset="0"/>
-              </a:rPr>
-              <a:t>soma</a:t>
-            </a:r>
-            <a:r>
-              <a:rPr lang="pt-BR" sz="1400" dirty="0">
-                <a:latin typeface="Consolas" panose="020B0609020204030204" pitchFamily="49" charset="0"/>
-                <a:cs typeface="Consolas" panose="020B0609020204030204" pitchFamily="49" charset="0"/>
-              </a:rPr>
-              <a:t>.horas = num + </a:t>
-            </a:r>
-            <a:r>
-              <a:rPr lang="pt-BR" sz="1400" dirty="0">
-                <a:solidFill>
-                  <a:schemeClr val="tx1">
-                    <a:lumMod val="75000"/>
-                  </a:schemeClr>
-                </a:solidFill>
-                <a:latin typeface="Consolas" panose="020B0609020204030204" pitchFamily="49" charset="0"/>
-                <a:cs typeface="Consolas" panose="020B0609020204030204" pitchFamily="49" charset="0"/>
-              </a:rPr>
-              <a:t>t</a:t>
-            </a:r>
-            <a:r>
-              <a:rPr lang="pt-BR" sz="1400" dirty="0">
-                <a:latin typeface="Consolas" panose="020B0609020204030204" pitchFamily="49" charset="0"/>
-                <a:cs typeface="Consolas" panose="020B0609020204030204" pitchFamily="49" charset="0"/>
-              </a:rPr>
-              <a:t>.horas; </a:t>
-            </a:r>
-          </a:p>
-          <a:p>
-            <a:r>
-              <a:rPr lang="pt-BR" sz="1400" dirty="0">
-                <a:solidFill>
-                  <a:schemeClr val="tx1">
-                    <a:lumMod val="75000"/>
-                  </a:schemeClr>
-                </a:solidFill>
-                <a:latin typeface="Consolas" panose="020B0609020204030204" pitchFamily="49" charset="0"/>
-                <a:cs typeface="Consolas" panose="020B0609020204030204" pitchFamily="49" charset="0"/>
-              </a:rPr>
-              <a:t>    soma</a:t>
-            </a:r>
-            <a:r>
-              <a:rPr lang="pt-BR" sz="1400" dirty="0">
-                <a:latin typeface="Consolas" panose="020B0609020204030204" pitchFamily="49" charset="0"/>
-                <a:cs typeface="Consolas" panose="020B0609020204030204" pitchFamily="49" charset="0"/>
-              </a:rPr>
-              <a:t>.minutos = </a:t>
-            </a:r>
-            <a:r>
-              <a:rPr lang="pt-BR" sz="1400" dirty="0" err="1">
-                <a:solidFill>
-                  <a:schemeClr val="tx1">
-                    <a:lumMod val="75000"/>
-                  </a:schemeClr>
-                </a:solidFill>
-                <a:latin typeface="Consolas" panose="020B0609020204030204" pitchFamily="49" charset="0"/>
-                <a:cs typeface="Consolas" panose="020B0609020204030204" pitchFamily="49" charset="0"/>
-              </a:rPr>
-              <a:t>t</a:t>
-            </a:r>
-            <a:r>
-              <a:rPr lang="pt-BR" sz="1400" dirty="0" err="1">
-                <a:latin typeface="Consolas" panose="020B0609020204030204" pitchFamily="49" charset="0"/>
-                <a:cs typeface="Consolas" panose="020B0609020204030204" pitchFamily="49" charset="0"/>
-              </a:rPr>
-              <a:t>.minutos</a:t>
-            </a:r>
-            <a:r>
-              <a:rPr lang="pt-BR" sz="1400" dirty="0">
-                <a:latin typeface="Consolas" panose="020B0609020204030204" pitchFamily="49" charset="0"/>
-                <a:cs typeface="Consolas" panose="020B0609020204030204" pitchFamily="49" charset="0"/>
-              </a:rPr>
-              <a:t>; </a:t>
-            </a:r>
-            <a:br>
-              <a:rPr lang="pt-BR" sz="1400" dirty="0">
-                <a:latin typeface="Consolas" panose="020B0609020204030204" pitchFamily="49" charset="0"/>
-                <a:cs typeface="Consolas" panose="020B0609020204030204" pitchFamily="49" charset="0"/>
-              </a:rPr>
-            </a:br>
-            <a:r>
-              <a:rPr lang="pt-BR" sz="1400" dirty="0">
-                <a:latin typeface="Consolas" panose="020B0609020204030204" pitchFamily="49" charset="0"/>
-                <a:cs typeface="Consolas" panose="020B0609020204030204" pitchFamily="49" charset="0"/>
-              </a:rPr>
-              <a:t>    </a:t>
-            </a:r>
-            <a:r>
-              <a:rPr lang="pt-BR" sz="1400" dirty="0" err="1">
-                <a:solidFill>
-                  <a:schemeClr val="accent3">
-                    <a:lumMod val="75000"/>
-                  </a:schemeClr>
-                </a:solidFill>
-                <a:latin typeface="Consolas" panose="020B0609020204030204" pitchFamily="49" charset="0"/>
-                <a:cs typeface="Consolas" panose="020B0609020204030204" pitchFamily="49" charset="0"/>
-              </a:rPr>
-              <a:t>return</a:t>
-            </a:r>
-            <a:r>
-              <a:rPr lang="pt-BR" sz="1400" dirty="0">
-                <a:latin typeface="Consolas" panose="020B0609020204030204" pitchFamily="49" charset="0"/>
-                <a:cs typeface="Consolas" panose="020B0609020204030204" pitchFamily="49" charset="0"/>
-              </a:rPr>
-              <a:t> </a:t>
-            </a:r>
-            <a:r>
-              <a:rPr lang="pt-BR" sz="1400" dirty="0">
-                <a:solidFill>
-                  <a:schemeClr val="tx1">
-                    <a:lumMod val="75000"/>
-                  </a:schemeClr>
-                </a:solidFill>
-                <a:latin typeface="Consolas" panose="020B0609020204030204" pitchFamily="49" charset="0"/>
-                <a:cs typeface="Consolas" panose="020B0609020204030204" pitchFamily="49" charset="0"/>
-              </a:rPr>
-              <a:t>soma</a:t>
-            </a:r>
-            <a:r>
-              <a:rPr lang="pt-BR" sz="1400" dirty="0">
-                <a:latin typeface="Consolas" panose="020B0609020204030204" pitchFamily="49" charset="0"/>
-                <a:cs typeface="Consolas" panose="020B0609020204030204" pitchFamily="49" charset="0"/>
-              </a:rPr>
-              <a:t>;</a:t>
-            </a:r>
-          </a:p>
-          <a:p>
-            <a:r>
-              <a:rPr lang="pt-BR" sz="1400" dirty="0">
-                <a:latin typeface="Consolas" panose="020B0609020204030204" pitchFamily="49" charset="0"/>
-                <a:cs typeface="Consolas" panose="020B0609020204030204" pitchFamily="49" charset="0"/>
-              </a:rPr>
-              <a:t>}</a:t>
-            </a:r>
-            <a:endParaRPr lang="pt-BR" sz="1400" dirty="0">
-              <a:solidFill>
-                <a:schemeClr val="accent3">
-                  <a:lumMod val="75000"/>
-                </a:schemeClr>
-              </a:solidFill>
-              <a:latin typeface="Consolas" panose="020B0609020204030204" pitchFamily="49" charset="0"/>
-              <a:cs typeface="Consolas" panose="020B0609020204030204" pitchFamily="49" charset="0"/>
-            </a:endParaRPr>
-          </a:p>
-        </p:txBody>
-      </p:sp>
-      <p:grpSp>
-        <p:nvGrpSpPr>
-          <p:cNvPr id="19" name="Agrupar 18">
-            <a:extLst>
-              <a:ext uri="{FF2B5EF4-FFF2-40B4-BE49-F238E27FC236}">
-                <a16:creationId xmlns:a16="http://schemas.microsoft.com/office/drawing/2014/main" id="{FAD1FF75-1966-91BD-0E50-C2D208F32EFF}"/>
+                <a16:creationId xmlns:a16="http://schemas.microsoft.com/office/drawing/2014/main" id="{887F08B3-F5E0-B1C0-242C-440B3F968003}"/>
               </a:ext>
             </a:extLst>
           </p:cNvPr>
@@ -22270,17 +21947,17 @@
         <p:grpSpPr>
           <a:xfrm>
             <a:off x="2082808" y="3498691"/>
-            <a:ext cx="3426567" cy="307777"/>
-            <a:chOff x="7560586" y="3602204"/>
-            <a:chExt cx="3426567" cy="307777"/>
+            <a:ext cx="5047835" cy="2664792"/>
+            <a:chOff x="2082808" y="3498691"/>
+            <a:chExt cx="5047835" cy="2664792"/>
           </a:xfrm>
         </p:grpSpPr>
         <p:sp>
           <p:nvSpPr>
-            <p:cNvPr id="7" name="CaixaDeTexto 6">
+            <p:cNvPr id="4" name="CaixaDeTexto 3">
               <a:extLst>
                 <a:ext uri="{FF2B5EF4-FFF2-40B4-BE49-F238E27FC236}">
-                  <a16:creationId xmlns:a16="http://schemas.microsoft.com/office/drawing/2014/main" id="{A32ADDFD-43DF-8EDC-8010-EA0DD7872382}"/>
+                  <a16:creationId xmlns:a16="http://schemas.microsoft.com/office/drawing/2014/main" id="{DFF3EBCF-60A9-558F-5F36-732A281DA942}"/>
                 </a:ext>
               </a:extLst>
             </p:cNvPr>
@@ -22289,8 +21966,8 @@
           </p:nvSpPr>
           <p:spPr>
             <a:xfrm>
-              <a:off x="7894149" y="3602204"/>
-              <a:ext cx="3093004" cy="307777"/>
+              <a:off x="2381866" y="4563045"/>
+              <a:ext cx="4748777" cy="1600438"/>
             </a:xfrm>
             <a:prstGeom prst="rect">
               <a:avLst/>
@@ -22298,7 +21975,7 @@
             <a:noFill/>
           </p:spPr>
           <p:txBody>
-            <a:bodyPr wrap="square">
+            <a:bodyPr wrap="square" rtlCol="0">
               <a:spAutoFit/>
             </a:bodyPr>
             <a:lstStyle/>
@@ -22306,27 +21983,15 @@
               <a:r>
                 <a:rPr lang="pt-BR" sz="1400" dirty="0">
                   <a:solidFill>
-                    <a:schemeClr val="accent3">
-                      <a:lumMod val="75000"/>
-                    </a:schemeClr>
-                  </a:solidFill>
-                  <a:latin typeface="Consolas" panose="020B0609020204030204" pitchFamily="49" charset="0"/>
-                  <a:cs typeface="Consolas" panose="020B0609020204030204" pitchFamily="49" charset="0"/>
-                </a:rPr>
-                <a:t>friend</a:t>
-              </a:r>
-              <a:r>
-                <a:rPr lang="pt-BR" sz="1400" dirty="0">
-                  <a:solidFill>
                     <a:schemeClr val="accent3"/>
                   </a:solidFill>
                   <a:latin typeface="Consolas" panose="020B0609020204030204" pitchFamily="49" charset="0"/>
                   <a:cs typeface="Consolas" panose="020B0609020204030204" pitchFamily="49" charset="0"/>
                 </a:rPr>
-                <a:t> Tempo </a:t>
-              </a:r>
-              <a:r>
-                <a:rPr lang="pt-BR" sz="1400" dirty="0" err="1">
+                <a:t>Tempo </a:t>
+              </a:r>
+              <a:r>
+                <a:rPr lang="pt-BR" sz="1400" dirty="0">
                   <a:solidFill>
                     <a:schemeClr val="accent6">
                       <a:lumMod val="60000"/>
@@ -22336,359 +22001,757 @@
                   <a:latin typeface="Consolas" panose="020B0609020204030204" pitchFamily="49" charset="0"/>
                   <a:cs typeface="Consolas" panose="020B0609020204030204" pitchFamily="49" charset="0"/>
                 </a:rPr>
-                <a:t>operator</a:t>
-              </a:r>
-              <a:r>
-                <a:rPr lang="pt-BR" sz="1400" dirty="0">
+                <a:t>operator+</a:t>
+              </a:r>
+              <a:r>
+                <a:rPr lang="pt-BR" sz="1400" dirty="0">
+                  <a:latin typeface="Consolas" panose="020B0609020204030204" pitchFamily="49" charset="0"/>
+                  <a:cs typeface="Consolas" panose="020B0609020204030204" pitchFamily="49" charset="0"/>
+                </a:rPr>
+                <a:t>(</a:t>
+              </a:r>
+              <a:r>
+                <a:rPr lang="pt-BR" sz="1400" dirty="0" err="1">
+                  <a:solidFill>
+                    <a:schemeClr val="accent3">
+                      <a:lumMod val="75000"/>
+                    </a:schemeClr>
+                  </a:solidFill>
+                  <a:latin typeface="Consolas" panose="020B0609020204030204" pitchFamily="49" charset="0"/>
+                  <a:cs typeface="Consolas" panose="020B0609020204030204" pitchFamily="49" charset="0"/>
+                </a:rPr>
+                <a:t>int</a:t>
+              </a:r>
+              <a:r>
+                <a:rPr lang="pt-BR" sz="1400" dirty="0">
+                  <a:latin typeface="Consolas" panose="020B0609020204030204" pitchFamily="49" charset="0"/>
+                  <a:cs typeface="Consolas" panose="020B0609020204030204" pitchFamily="49" charset="0"/>
+                </a:rPr>
+                <a:t> num, </a:t>
+              </a:r>
+              <a:r>
+                <a:rPr lang="pt-BR" sz="1400" dirty="0" err="1">
+                  <a:solidFill>
+                    <a:schemeClr val="accent3">
+                      <a:lumMod val="75000"/>
+                    </a:schemeClr>
+                  </a:solidFill>
+                  <a:latin typeface="Consolas" panose="020B0609020204030204" pitchFamily="49" charset="0"/>
+                  <a:cs typeface="Consolas" panose="020B0609020204030204" pitchFamily="49" charset="0"/>
+                </a:rPr>
+                <a:t>const</a:t>
+              </a:r>
+              <a:r>
+                <a:rPr lang="pt-BR" sz="1400" dirty="0">
+                  <a:solidFill>
+                    <a:schemeClr val="accent3">
+                      <a:lumMod val="75000"/>
+                    </a:schemeClr>
+                  </a:solidFill>
+                  <a:latin typeface="Consolas" panose="020B0609020204030204" pitchFamily="49" charset="0"/>
+                  <a:cs typeface="Consolas" panose="020B0609020204030204" pitchFamily="49" charset="0"/>
+                </a:rPr>
+                <a:t> </a:t>
+              </a:r>
+              <a:r>
+                <a:rPr lang="pt-BR" sz="1400" dirty="0">
+                  <a:solidFill>
+                    <a:schemeClr val="accent3"/>
+                  </a:solidFill>
+                  <a:latin typeface="Consolas" panose="020B0609020204030204" pitchFamily="49" charset="0"/>
+                  <a:cs typeface="Consolas" panose="020B0609020204030204" pitchFamily="49" charset="0"/>
+                </a:rPr>
+                <a:t>Tempo</a:t>
+              </a:r>
+              <a:r>
+                <a:rPr lang="pt-BR" sz="1400" dirty="0">
+                  <a:latin typeface="Consolas" panose="020B0609020204030204" pitchFamily="49" charset="0"/>
+                  <a:cs typeface="Consolas" panose="020B0609020204030204" pitchFamily="49" charset="0"/>
+                </a:rPr>
+                <a:t> &amp; </a:t>
+              </a:r>
+              <a:r>
+                <a:rPr lang="pt-BR" sz="1400" dirty="0">
+                  <a:solidFill>
+                    <a:schemeClr val="tx1">
+                      <a:lumMod val="75000"/>
+                    </a:schemeClr>
+                  </a:solidFill>
+                  <a:latin typeface="Consolas" panose="020B0609020204030204" pitchFamily="49" charset="0"/>
+                  <a:cs typeface="Consolas" panose="020B0609020204030204" pitchFamily="49" charset="0"/>
+                </a:rPr>
+                <a:t>t</a:t>
+              </a:r>
+              <a:r>
+                <a:rPr lang="pt-BR" sz="1400" dirty="0">
+                  <a:latin typeface="Consolas" panose="020B0609020204030204" pitchFamily="49" charset="0"/>
+                  <a:cs typeface="Consolas" panose="020B0609020204030204" pitchFamily="49" charset="0"/>
+                </a:rPr>
+                <a:t>)</a:t>
+              </a:r>
+            </a:p>
+            <a:p>
+              <a:r>
+                <a:rPr lang="pt-BR" sz="1400" dirty="0">
+                  <a:latin typeface="Consolas" panose="020B0609020204030204" pitchFamily="49" charset="0"/>
+                  <a:cs typeface="Consolas" panose="020B0609020204030204" pitchFamily="49" charset="0"/>
+                </a:rPr>
+                <a:t>{</a:t>
+              </a:r>
+              <a:br>
+                <a:rPr lang="pt-BR" sz="1400" dirty="0">
+                  <a:latin typeface="Consolas" panose="020B0609020204030204" pitchFamily="49" charset="0"/>
+                  <a:cs typeface="Consolas" panose="020B0609020204030204" pitchFamily="49" charset="0"/>
+                </a:rPr>
+              </a:br>
+              <a:r>
+                <a:rPr lang="pt-BR" sz="1400" dirty="0">
+                  <a:latin typeface="Consolas" panose="020B0609020204030204" pitchFamily="49" charset="0"/>
+                  <a:cs typeface="Consolas" panose="020B0609020204030204" pitchFamily="49" charset="0"/>
+                </a:rPr>
+                <a:t>    </a:t>
+              </a:r>
+              <a:r>
+                <a:rPr lang="pt-BR" sz="1400" dirty="0">
+                  <a:solidFill>
+                    <a:schemeClr val="accent3"/>
+                  </a:solidFill>
+                  <a:latin typeface="Consolas" panose="020B0609020204030204" pitchFamily="49" charset="0"/>
+                  <a:cs typeface="Consolas" panose="020B0609020204030204" pitchFamily="49" charset="0"/>
+                </a:rPr>
+                <a:t>Tempo</a:t>
+              </a:r>
+              <a:r>
+                <a:rPr lang="pt-BR" sz="1400" dirty="0">
+                  <a:latin typeface="Consolas" panose="020B0609020204030204" pitchFamily="49" charset="0"/>
+                  <a:cs typeface="Consolas" panose="020B0609020204030204" pitchFamily="49" charset="0"/>
+                </a:rPr>
+                <a:t> </a:t>
+              </a:r>
+              <a:r>
+                <a:rPr lang="pt-BR" sz="1400" dirty="0">
+                  <a:solidFill>
+                    <a:schemeClr val="tx1">
+                      <a:lumMod val="75000"/>
+                    </a:schemeClr>
+                  </a:solidFill>
+                  <a:latin typeface="Consolas" panose="020B0609020204030204" pitchFamily="49" charset="0"/>
+                  <a:cs typeface="Consolas" panose="020B0609020204030204" pitchFamily="49" charset="0"/>
+                </a:rPr>
+                <a:t>soma</a:t>
+              </a:r>
+              <a:r>
+                <a:rPr lang="pt-BR" sz="1400" dirty="0">
+                  <a:latin typeface="Consolas" panose="020B0609020204030204" pitchFamily="49" charset="0"/>
+                  <a:cs typeface="Consolas" panose="020B0609020204030204" pitchFamily="49" charset="0"/>
+                </a:rPr>
+                <a:t>;</a:t>
+              </a:r>
+              <a:br>
+                <a:rPr lang="pt-BR" sz="1400" dirty="0">
+                  <a:latin typeface="Consolas" panose="020B0609020204030204" pitchFamily="49" charset="0"/>
+                  <a:cs typeface="Consolas" panose="020B0609020204030204" pitchFamily="49" charset="0"/>
+                </a:rPr>
+              </a:br>
+              <a:r>
+                <a:rPr lang="pt-BR" sz="1400" dirty="0">
+                  <a:latin typeface="Consolas" panose="020B0609020204030204" pitchFamily="49" charset="0"/>
+                  <a:cs typeface="Consolas" panose="020B0609020204030204" pitchFamily="49" charset="0"/>
+                </a:rPr>
+                <a:t>    </a:t>
+              </a:r>
+              <a:r>
+                <a:rPr lang="pt-BR" sz="1400" dirty="0">
+                  <a:solidFill>
+                    <a:schemeClr val="tx1">
+                      <a:lumMod val="75000"/>
+                    </a:schemeClr>
+                  </a:solidFill>
+                  <a:latin typeface="Consolas" panose="020B0609020204030204" pitchFamily="49" charset="0"/>
+                  <a:cs typeface="Consolas" panose="020B0609020204030204" pitchFamily="49" charset="0"/>
+                </a:rPr>
+                <a:t>soma</a:t>
+              </a:r>
+              <a:r>
+                <a:rPr lang="pt-BR" sz="1400" dirty="0">
+                  <a:latin typeface="Consolas" panose="020B0609020204030204" pitchFamily="49" charset="0"/>
+                  <a:cs typeface="Consolas" panose="020B0609020204030204" pitchFamily="49" charset="0"/>
+                </a:rPr>
+                <a:t>.horas = num + </a:t>
+              </a:r>
+              <a:r>
+                <a:rPr lang="pt-BR" sz="1400" dirty="0">
+                  <a:solidFill>
+                    <a:schemeClr val="tx1">
+                      <a:lumMod val="75000"/>
+                    </a:schemeClr>
+                  </a:solidFill>
+                  <a:latin typeface="Consolas" panose="020B0609020204030204" pitchFamily="49" charset="0"/>
+                  <a:cs typeface="Consolas" panose="020B0609020204030204" pitchFamily="49" charset="0"/>
+                </a:rPr>
+                <a:t>t</a:t>
+              </a:r>
+              <a:r>
+                <a:rPr lang="pt-BR" sz="1400" dirty="0">
+                  <a:latin typeface="Consolas" panose="020B0609020204030204" pitchFamily="49" charset="0"/>
+                  <a:cs typeface="Consolas" panose="020B0609020204030204" pitchFamily="49" charset="0"/>
+                </a:rPr>
+                <a:t>.horas; </a:t>
+              </a:r>
+            </a:p>
+            <a:p>
+              <a:r>
+                <a:rPr lang="pt-BR" sz="1400" dirty="0">
+                  <a:solidFill>
+                    <a:schemeClr val="tx1">
+                      <a:lumMod val="75000"/>
+                    </a:schemeClr>
+                  </a:solidFill>
+                  <a:latin typeface="Consolas" panose="020B0609020204030204" pitchFamily="49" charset="0"/>
+                  <a:cs typeface="Consolas" panose="020B0609020204030204" pitchFamily="49" charset="0"/>
+                </a:rPr>
+                <a:t>    soma</a:t>
+              </a:r>
+              <a:r>
+                <a:rPr lang="pt-BR" sz="1400" dirty="0">
+                  <a:latin typeface="Consolas" panose="020B0609020204030204" pitchFamily="49" charset="0"/>
+                  <a:cs typeface="Consolas" panose="020B0609020204030204" pitchFamily="49" charset="0"/>
+                </a:rPr>
+                <a:t>.minutos = </a:t>
+              </a:r>
+              <a:r>
+                <a:rPr lang="pt-BR" sz="1400" dirty="0" err="1">
+                  <a:solidFill>
+                    <a:schemeClr val="tx1">
+                      <a:lumMod val="75000"/>
+                    </a:schemeClr>
+                  </a:solidFill>
+                  <a:latin typeface="Consolas" panose="020B0609020204030204" pitchFamily="49" charset="0"/>
+                  <a:cs typeface="Consolas" panose="020B0609020204030204" pitchFamily="49" charset="0"/>
+                </a:rPr>
+                <a:t>t</a:t>
+              </a:r>
+              <a:r>
+                <a:rPr lang="pt-BR" sz="1400" dirty="0" err="1">
+                  <a:latin typeface="Consolas" panose="020B0609020204030204" pitchFamily="49" charset="0"/>
+                  <a:cs typeface="Consolas" panose="020B0609020204030204" pitchFamily="49" charset="0"/>
+                </a:rPr>
+                <a:t>.minutos</a:t>
+              </a:r>
+              <a:r>
+                <a:rPr lang="pt-BR" sz="1400" dirty="0">
+                  <a:latin typeface="Consolas" panose="020B0609020204030204" pitchFamily="49" charset="0"/>
+                  <a:cs typeface="Consolas" panose="020B0609020204030204" pitchFamily="49" charset="0"/>
+                </a:rPr>
+                <a:t>; </a:t>
+              </a:r>
+              <a:br>
+                <a:rPr lang="pt-BR" sz="1400" dirty="0">
+                  <a:latin typeface="Consolas" panose="020B0609020204030204" pitchFamily="49" charset="0"/>
+                  <a:cs typeface="Consolas" panose="020B0609020204030204" pitchFamily="49" charset="0"/>
+                </a:rPr>
+              </a:br>
+              <a:r>
+                <a:rPr lang="pt-BR" sz="1400" dirty="0">
+                  <a:latin typeface="Consolas" panose="020B0609020204030204" pitchFamily="49" charset="0"/>
+                  <a:cs typeface="Consolas" panose="020B0609020204030204" pitchFamily="49" charset="0"/>
+                </a:rPr>
+                <a:t>    </a:t>
+              </a:r>
+              <a:r>
+                <a:rPr lang="pt-BR" sz="1400" dirty="0" err="1">
+                  <a:solidFill>
+                    <a:schemeClr val="accent3">
+                      <a:lumMod val="75000"/>
+                    </a:schemeClr>
+                  </a:solidFill>
+                  <a:latin typeface="Consolas" panose="020B0609020204030204" pitchFamily="49" charset="0"/>
+                  <a:cs typeface="Consolas" panose="020B0609020204030204" pitchFamily="49" charset="0"/>
+                </a:rPr>
+                <a:t>return</a:t>
+              </a:r>
+              <a:r>
+                <a:rPr lang="pt-BR" sz="1400" dirty="0">
+                  <a:latin typeface="Consolas" panose="020B0609020204030204" pitchFamily="49" charset="0"/>
+                  <a:cs typeface="Consolas" panose="020B0609020204030204" pitchFamily="49" charset="0"/>
+                </a:rPr>
+                <a:t> </a:t>
+              </a:r>
+              <a:r>
+                <a:rPr lang="pt-BR" sz="1400" dirty="0">
+                  <a:solidFill>
+                    <a:schemeClr val="tx1">
+                      <a:lumMod val="75000"/>
+                    </a:schemeClr>
+                  </a:solidFill>
+                  <a:latin typeface="Consolas" panose="020B0609020204030204" pitchFamily="49" charset="0"/>
+                  <a:cs typeface="Consolas" panose="020B0609020204030204" pitchFamily="49" charset="0"/>
+                </a:rPr>
+                <a:t>soma</a:t>
+              </a:r>
+              <a:r>
+                <a:rPr lang="pt-BR" sz="1400" dirty="0">
+                  <a:latin typeface="Consolas" panose="020B0609020204030204" pitchFamily="49" charset="0"/>
+                  <a:cs typeface="Consolas" panose="020B0609020204030204" pitchFamily="49" charset="0"/>
+                </a:rPr>
+                <a:t>;</a:t>
+              </a:r>
+            </a:p>
+            <a:p>
+              <a:r>
+                <a:rPr lang="pt-BR" sz="1400" dirty="0">
+                  <a:latin typeface="Consolas" panose="020B0609020204030204" pitchFamily="49" charset="0"/>
+                  <a:cs typeface="Consolas" panose="020B0609020204030204" pitchFamily="49" charset="0"/>
+                </a:rPr>
+                <a:t>}</a:t>
+              </a:r>
+              <a:endParaRPr lang="pt-BR" sz="1400" dirty="0">
+                <a:solidFill>
+                  <a:schemeClr val="accent3">
+                    <a:lumMod val="75000"/>
+                  </a:schemeClr>
+                </a:solidFill>
+                <a:latin typeface="Consolas" panose="020B0609020204030204" pitchFamily="49" charset="0"/>
+                <a:cs typeface="Consolas" panose="020B0609020204030204" pitchFamily="49" charset="0"/>
+              </a:endParaRPr>
+            </a:p>
+          </p:txBody>
+        </p:sp>
+        <p:grpSp>
+          <p:nvGrpSpPr>
+            <p:cNvPr id="19" name="Agrupar 18">
+              <a:extLst>
+                <a:ext uri="{FF2B5EF4-FFF2-40B4-BE49-F238E27FC236}">
+                  <a16:creationId xmlns:a16="http://schemas.microsoft.com/office/drawing/2014/main" id="{FAD1FF75-1966-91BD-0E50-C2D208F32EFF}"/>
+                </a:ext>
+              </a:extLst>
+            </p:cNvPr>
+            <p:cNvGrpSpPr/>
+            <p:nvPr/>
+          </p:nvGrpSpPr>
+          <p:grpSpPr>
+            <a:xfrm>
+              <a:off x="2082808" y="3498691"/>
+              <a:ext cx="3426567" cy="307777"/>
+              <a:chOff x="7560586" y="3602204"/>
+              <a:chExt cx="3426567" cy="307777"/>
+            </a:xfrm>
+          </p:grpSpPr>
+          <p:sp>
+            <p:nvSpPr>
+              <p:cNvPr id="7" name="CaixaDeTexto 6">
+                <a:extLst>
+                  <a:ext uri="{FF2B5EF4-FFF2-40B4-BE49-F238E27FC236}">
+                    <a16:creationId xmlns:a16="http://schemas.microsoft.com/office/drawing/2014/main" id="{A32ADDFD-43DF-8EDC-8010-EA0DD7872382}"/>
+                  </a:ext>
+                </a:extLst>
+              </p:cNvPr>
+              <p:cNvSpPr txBox="1"/>
+              <p:nvPr/>
+            </p:nvSpPr>
+            <p:spPr>
+              <a:xfrm>
+                <a:off x="7894149" y="3602204"/>
+                <a:ext cx="3093004" cy="307777"/>
+              </a:xfrm>
+              <a:prstGeom prst="rect">
+                <a:avLst/>
+              </a:prstGeom>
+              <a:noFill/>
+            </p:spPr>
+            <p:txBody>
+              <a:bodyPr wrap="square">
+                <a:spAutoFit/>
+              </a:bodyPr>
+              <a:lstStyle/>
+              <a:p>
+                <a:r>
+                  <a:rPr lang="pt-BR" sz="1400" dirty="0">
+                    <a:solidFill>
+                      <a:schemeClr val="accent3">
+                        <a:lumMod val="75000"/>
+                      </a:schemeClr>
+                    </a:solidFill>
+                    <a:latin typeface="Consolas" panose="020B0609020204030204" pitchFamily="49" charset="0"/>
+                    <a:cs typeface="Consolas" panose="020B0609020204030204" pitchFamily="49" charset="0"/>
+                  </a:rPr>
+                  <a:t>friend</a:t>
+                </a:r>
+                <a:r>
+                  <a:rPr lang="pt-BR" sz="1400" dirty="0">
+                    <a:solidFill>
+                      <a:schemeClr val="accent3"/>
+                    </a:solidFill>
+                    <a:latin typeface="Consolas" panose="020B0609020204030204" pitchFamily="49" charset="0"/>
+                    <a:cs typeface="Consolas" panose="020B0609020204030204" pitchFamily="49" charset="0"/>
+                  </a:rPr>
+                  <a:t> Tempo </a:t>
+                </a:r>
+                <a:r>
+                  <a:rPr lang="pt-BR" sz="1400" dirty="0" err="1">
+                    <a:solidFill>
+                      <a:schemeClr val="accent6">
+                        <a:lumMod val="60000"/>
+                        <a:lumOff val="40000"/>
+                      </a:schemeClr>
+                    </a:solidFill>
+                    <a:latin typeface="Consolas" panose="020B0609020204030204" pitchFamily="49" charset="0"/>
+                    <a:cs typeface="Consolas" panose="020B0609020204030204" pitchFamily="49" charset="0"/>
+                  </a:rPr>
+                  <a:t>operator</a:t>
+                </a:r>
+                <a:r>
+                  <a:rPr lang="pt-BR" sz="1400" dirty="0">
+                    <a:solidFill>
+                      <a:schemeClr val="accent6">
+                        <a:lumMod val="60000"/>
+                        <a:lumOff val="40000"/>
+                      </a:schemeClr>
+                    </a:solidFill>
+                    <a:latin typeface="Consolas" panose="020B0609020204030204" pitchFamily="49" charset="0"/>
+                    <a:cs typeface="Consolas" panose="020B0609020204030204" pitchFamily="49" charset="0"/>
+                  </a:rPr>
+                  <a:t>+</a:t>
+                </a:r>
+                <a:r>
+                  <a:rPr lang="pt-BR" sz="1400" dirty="0">
+                    <a:latin typeface="Consolas" panose="020B0609020204030204" pitchFamily="49" charset="0"/>
+                    <a:cs typeface="Consolas" panose="020B0609020204030204" pitchFamily="49" charset="0"/>
+                  </a:rPr>
+                  <a:t>( </a:t>
+                </a:r>
+                <a:r>
+                  <a:rPr lang="pt-BR" sz="1400" dirty="0">
+                    <a:solidFill>
+                      <a:schemeClr val="accent6">
+                        <a:lumMod val="60000"/>
+                        <a:lumOff val="40000"/>
+                      </a:schemeClr>
+                    </a:solidFill>
+                    <a:latin typeface="Consolas" panose="020B0609020204030204" pitchFamily="49" charset="0"/>
+                    <a:cs typeface="Consolas" panose="020B0609020204030204" pitchFamily="49" charset="0"/>
+                  </a:rPr>
+                  <a:t>...</a:t>
+                </a:r>
+                <a:endParaRPr lang="pt-BR" sz="1400" dirty="0">
                   <a:solidFill>
                     <a:schemeClr val="accent6">
                       <a:lumMod val="60000"/>
                       <a:lumOff val="40000"/>
                     </a:schemeClr>
                   </a:solidFill>
-                  <a:latin typeface="Consolas" panose="020B0609020204030204" pitchFamily="49" charset="0"/>
-                  <a:cs typeface="Consolas" panose="020B0609020204030204" pitchFamily="49" charset="0"/>
-                </a:rPr>
-                <a:t>+</a:t>
-              </a:r>
-              <a:r>
-                <a:rPr lang="pt-BR" sz="1400" dirty="0">
-                  <a:latin typeface="Consolas" panose="020B0609020204030204" pitchFamily="49" charset="0"/>
-                  <a:cs typeface="Consolas" panose="020B0609020204030204" pitchFamily="49" charset="0"/>
-                </a:rPr>
-                <a:t>( </a:t>
-              </a:r>
-              <a:r>
-                <a:rPr lang="pt-BR" sz="1400" dirty="0">
+                </a:endParaRPr>
+              </a:p>
+            </p:txBody>
+          </p:sp>
+          <p:pic>
+            <p:nvPicPr>
+              <p:cNvPr id="11" name="Gráfico 10" descr="Fechar com preenchimento sólido">
+                <a:extLst>
+                  <a:ext uri="{FF2B5EF4-FFF2-40B4-BE49-F238E27FC236}">
+                    <a16:creationId xmlns:a16="http://schemas.microsoft.com/office/drawing/2014/main" id="{C58A54D0-1D06-F4A6-1575-A4A89C81B236}"/>
+                  </a:ext>
+                </a:extLst>
+              </p:cNvPr>
+              <p:cNvPicPr>
+                <a:picLocks noChangeAspect="1"/>
+              </p:cNvPicPr>
+              <p:nvPr/>
+            </p:nvPicPr>
+            <p:blipFill>
+              <a:blip r:embed="rId3" cstate="print">
+                <a:extLst>
+                  <a:ext uri="{28A0092B-C50C-407E-A947-70E740481C1C}">
+                    <a14:useLocalDpi xmlns:a14="http://schemas.microsoft.com/office/drawing/2010/main" val="0"/>
+                  </a:ext>
+                  <a:ext uri="{96DAC541-7B7A-43D3-8B79-37D633B846F1}">
+                    <asvg:svgBlip xmlns:asvg="http://schemas.microsoft.com/office/drawing/2016/SVG/main" r:embed="rId4"/>
+                  </a:ext>
+                </a:extLst>
+              </a:blip>
+              <a:stretch>
+                <a:fillRect/>
+              </a:stretch>
+            </p:blipFill>
+            <p:spPr>
+              <a:xfrm>
+                <a:off x="7560586" y="3648016"/>
+                <a:ext cx="218565" cy="218565"/>
+              </a:xfrm>
+              <a:prstGeom prst="rect">
+                <a:avLst/>
+              </a:prstGeom>
+            </p:spPr>
+          </p:pic>
+          <p:sp>
+            <p:nvSpPr>
+              <p:cNvPr id="18" name="Retângulo Arredondado 17">
+                <a:extLst>
+                  <a:ext uri="{FF2B5EF4-FFF2-40B4-BE49-F238E27FC236}">
+                    <a16:creationId xmlns:a16="http://schemas.microsoft.com/office/drawing/2014/main" id="{FC1C41F0-9434-5E32-DA4D-E845AB49C45D}"/>
+                  </a:ext>
+                </a:extLst>
+              </p:cNvPr>
+              <p:cNvSpPr/>
+              <p:nvPr/>
+            </p:nvSpPr>
+            <p:spPr>
+              <a:xfrm>
+                <a:off x="7944465" y="3641326"/>
+                <a:ext cx="677352" cy="231934"/>
+              </a:xfrm>
+              <a:prstGeom prst="roundRect">
+                <a:avLst/>
+              </a:prstGeom>
+              <a:noFill/>
+              <a:ln w="19050">
+                <a:solidFill>
+                  <a:schemeClr val="accent6"/>
+                </a:solidFill>
+                <a:prstDash val="sysDash"/>
+              </a:ln>
+            </p:spPr>
+            <p:style>
+              <a:lnRef idx="2">
+                <a:schemeClr val="accent1">
+                  <a:shade val="50000"/>
+                </a:schemeClr>
+              </a:lnRef>
+              <a:fillRef idx="1">
+                <a:schemeClr val="accent1"/>
+              </a:fillRef>
+              <a:effectRef idx="0">
+                <a:schemeClr val="accent1"/>
+              </a:effectRef>
+              <a:fontRef idx="minor">
+                <a:schemeClr val="lt1"/>
+              </a:fontRef>
+            </p:style>
+            <p:txBody>
+              <a:bodyPr rtlCol="0" anchor="ctr"/>
+              <a:lstStyle/>
+              <a:p>
+                <a:pPr algn="ctr"/>
+                <a:endParaRPr lang="pt-BR" dirty="0"/>
+              </a:p>
+            </p:txBody>
+          </p:sp>
+        </p:grpSp>
+        <p:grpSp>
+          <p:nvGrpSpPr>
+            <p:cNvPr id="21" name="Agrupar 20">
+              <a:extLst>
+                <a:ext uri="{FF2B5EF4-FFF2-40B4-BE49-F238E27FC236}">
+                  <a16:creationId xmlns:a16="http://schemas.microsoft.com/office/drawing/2014/main" id="{CE98467A-193B-ADB5-D349-7F071BDEF318}"/>
+                </a:ext>
+              </a:extLst>
+            </p:cNvPr>
+            <p:cNvGrpSpPr/>
+            <p:nvPr/>
+          </p:nvGrpSpPr>
+          <p:grpSpPr>
+            <a:xfrm>
+              <a:off x="2082808" y="3966275"/>
+              <a:ext cx="3262644" cy="307777"/>
+              <a:chOff x="2082808" y="4035283"/>
+              <a:chExt cx="3262644" cy="307777"/>
+            </a:xfrm>
+          </p:grpSpPr>
+          <p:sp>
+            <p:nvSpPr>
+              <p:cNvPr id="6" name="CaixaDeTexto 5">
+                <a:extLst>
+                  <a:ext uri="{FF2B5EF4-FFF2-40B4-BE49-F238E27FC236}">
+                    <a16:creationId xmlns:a16="http://schemas.microsoft.com/office/drawing/2014/main" id="{45A733DC-7660-A01A-1607-05B99D1B678D}"/>
+                  </a:ext>
+                </a:extLst>
+              </p:cNvPr>
+              <p:cNvSpPr txBox="1"/>
+              <p:nvPr/>
+            </p:nvSpPr>
+            <p:spPr>
+              <a:xfrm>
+                <a:off x="2381865" y="4035283"/>
+                <a:ext cx="2963587" cy="307777"/>
+              </a:xfrm>
+              <a:prstGeom prst="rect">
+                <a:avLst/>
+              </a:prstGeom>
+              <a:noFill/>
+            </p:spPr>
+            <p:txBody>
+              <a:bodyPr wrap="square">
+                <a:spAutoFit/>
+              </a:bodyPr>
+              <a:lstStyle/>
+              <a:p>
+                <a:r>
+                  <a:rPr lang="pt-BR" sz="1400" dirty="0">
+                    <a:solidFill>
+                      <a:schemeClr val="accent3"/>
+                    </a:solidFill>
+                    <a:latin typeface="Consolas" panose="020B0609020204030204" pitchFamily="49" charset="0"/>
+                    <a:cs typeface="Consolas" panose="020B0609020204030204" pitchFamily="49" charset="0"/>
+                  </a:rPr>
+                  <a:t>Tempo Tempo</a:t>
+                </a:r>
+                <a:r>
+                  <a:rPr lang="pt-BR" sz="1400" dirty="0">
+                    <a:latin typeface="Consolas" panose="020B0609020204030204" pitchFamily="49" charset="0"/>
+                    <a:cs typeface="Consolas" panose="020B0609020204030204" pitchFamily="49" charset="0"/>
+                  </a:rPr>
+                  <a:t>:: </a:t>
+                </a:r>
+                <a:r>
+                  <a:rPr lang="pt-BR" sz="1400" dirty="0" err="1">
+                    <a:solidFill>
+                      <a:schemeClr val="accent6">
+                        <a:lumMod val="60000"/>
+                        <a:lumOff val="40000"/>
+                      </a:schemeClr>
+                    </a:solidFill>
+                    <a:latin typeface="Consolas" panose="020B0609020204030204" pitchFamily="49" charset="0"/>
+                    <a:cs typeface="Consolas" panose="020B0609020204030204" pitchFamily="49" charset="0"/>
+                  </a:rPr>
+                  <a:t>operator</a:t>
+                </a:r>
+                <a:r>
+                  <a:rPr lang="pt-BR" sz="1400" dirty="0">
+                    <a:solidFill>
+                      <a:schemeClr val="accent6">
+                        <a:lumMod val="60000"/>
+                        <a:lumOff val="40000"/>
+                      </a:schemeClr>
+                    </a:solidFill>
+                    <a:latin typeface="Consolas" panose="020B0609020204030204" pitchFamily="49" charset="0"/>
+                    <a:cs typeface="Consolas" panose="020B0609020204030204" pitchFamily="49" charset="0"/>
+                  </a:rPr>
+                  <a:t>+</a:t>
+                </a:r>
+                <a:r>
+                  <a:rPr lang="pt-BR" sz="1400" dirty="0">
+                    <a:latin typeface="Consolas" panose="020B0609020204030204" pitchFamily="49" charset="0"/>
+                    <a:cs typeface="Consolas" panose="020B0609020204030204" pitchFamily="49" charset="0"/>
+                  </a:rPr>
+                  <a:t>( </a:t>
+                </a:r>
+                <a:r>
+                  <a:rPr lang="pt-BR" sz="1400" dirty="0">
+                    <a:solidFill>
+                      <a:schemeClr val="accent6">
+                        <a:lumMod val="60000"/>
+                        <a:lumOff val="40000"/>
+                      </a:schemeClr>
+                    </a:solidFill>
+                    <a:latin typeface="Consolas" panose="020B0609020204030204" pitchFamily="49" charset="0"/>
+                    <a:cs typeface="Consolas" panose="020B0609020204030204" pitchFamily="49" charset="0"/>
+                  </a:rPr>
+                  <a:t>...</a:t>
+                </a:r>
+                <a:endParaRPr lang="pt-BR" sz="1400" dirty="0">
                   <a:solidFill>
                     <a:schemeClr val="accent6">
                       <a:lumMod val="60000"/>
                       <a:lumOff val="40000"/>
                     </a:schemeClr>
                   </a:solidFill>
-                  <a:latin typeface="Consolas" panose="020B0609020204030204" pitchFamily="49" charset="0"/>
-                  <a:cs typeface="Consolas" panose="020B0609020204030204" pitchFamily="49" charset="0"/>
-                </a:rPr>
-                <a:t>...</a:t>
-              </a:r>
-              <a:endParaRPr lang="pt-BR" sz="1400" dirty="0">
+                </a:endParaRPr>
+              </a:p>
+            </p:txBody>
+          </p:sp>
+          <p:pic>
+            <p:nvPicPr>
+              <p:cNvPr id="12" name="Gráfico 11" descr="Fechar com preenchimento sólido">
+                <a:extLst>
+                  <a:ext uri="{FF2B5EF4-FFF2-40B4-BE49-F238E27FC236}">
+                    <a16:creationId xmlns:a16="http://schemas.microsoft.com/office/drawing/2014/main" id="{48CB1AAE-B1B5-2B4A-E02C-D953743B6EDD}"/>
+                  </a:ext>
+                </a:extLst>
+              </p:cNvPr>
+              <p:cNvPicPr>
+                <a:picLocks noChangeAspect="1"/>
+              </p:cNvPicPr>
+              <p:nvPr/>
+            </p:nvPicPr>
+            <p:blipFill>
+              <a:blip r:embed="rId3" cstate="print">
+                <a:extLst>
+                  <a:ext uri="{28A0092B-C50C-407E-A947-70E740481C1C}">
+                    <a14:useLocalDpi xmlns:a14="http://schemas.microsoft.com/office/drawing/2010/main" val="0"/>
+                  </a:ext>
+                  <a:ext uri="{96DAC541-7B7A-43D3-8B79-37D633B846F1}">
+                    <asvg:svgBlip xmlns:asvg="http://schemas.microsoft.com/office/drawing/2016/SVG/main" r:embed="rId4"/>
+                  </a:ext>
+                </a:extLst>
+              </a:blip>
+              <a:stretch>
+                <a:fillRect/>
+              </a:stretch>
+            </p:blipFill>
+            <p:spPr>
+              <a:xfrm>
+                <a:off x="2082808" y="4079889"/>
+                <a:ext cx="218565" cy="218565"/>
+              </a:xfrm>
+              <a:prstGeom prst="rect">
+                <a:avLst/>
+              </a:prstGeom>
+            </p:spPr>
+          </p:pic>
+          <p:sp>
+            <p:nvSpPr>
+              <p:cNvPr id="20" name="Retângulo Arredondado 19">
+                <a:extLst>
+                  <a:ext uri="{FF2B5EF4-FFF2-40B4-BE49-F238E27FC236}">
+                    <a16:creationId xmlns:a16="http://schemas.microsoft.com/office/drawing/2014/main" id="{309E17C6-745F-A517-D3D0-9226C8A857B5}"/>
+                  </a:ext>
+                </a:extLst>
+              </p:cNvPr>
+              <p:cNvSpPr/>
+              <p:nvPr/>
+            </p:nvSpPr>
+            <p:spPr>
+              <a:xfrm>
+                <a:off x="3012886" y="4069560"/>
+                <a:ext cx="783224" cy="231934"/>
+              </a:xfrm>
+              <a:prstGeom prst="roundRect">
+                <a:avLst/>
+              </a:prstGeom>
+              <a:noFill/>
+              <a:ln w="19050">
                 <a:solidFill>
-                  <a:schemeClr val="accent6">
-                    <a:lumMod val="60000"/>
-                    <a:lumOff val="40000"/>
-                  </a:schemeClr>
+                  <a:schemeClr val="accent6"/>
                 </a:solidFill>
-              </a:endParaRPr>
-            </a:p>
-          </p:txBody>
-        </p:sp>
-        <p:pic>
-          <p:nvPicPr>
-            <p:cNvPr id="11" name="Gráfico 10" descr="Fechar com preenchimento sólido">
-              <a:extLst>
-                <a:ext uri="{FF2B5EF4-FFF2-40B4-BE49-F238E27FC236}">
-                  <a16:creationId xmlns:a16="http://schemas.microsoft.com/office/drawing/2014/main" id="{C58A54D0-1D06-F4A6-1575-A4A89C81B236}"/>
-                </a:ext>
-              </a:extLst>
-            </p:cNvPr>
-            <p:cNvPicPr>
-              <a:picLocks noChangeAspect="1"/>
-            </p:cNvPicPr>
-            <p:nvPr/>
-          </p:nvPicPr>
-          <p:blipFill>
-            <a:blip r:embed="rId3">
-              <a:extLst>
-                <a:ext uri="{28A0092B-C50C-407E-A947-70E740481C1C}">
-                  <a14:useLocalDpi xmlns:a14="http://schemas.microsoft.com/office/drawing/2010/main" val="0"/>
-                </a:ext>
-                <a:ext uri="{96DAC541-7B7A-43D3-8B79-37D633B846F1}">
-                  <asvg:svgBlip xmlns:asvg="http://schemas.microsoft.com/office/drawing/2016/SVG/main" r:embed="rId4"/>
-                </a:ext>
-              </a:extLst>
-            </a:blip>
-            <a:stretch>
-              <a:fillRect/>
-            </a:stretch>
-          </p:blipFill>
-          <p:spPr>
-            <a:xfrm>
-              <a:off x="7560586" y="3648016"/>
-              <a:ext cx="218565" cy="218565"/>
-            </a:xfrm>
-            <a:prstGeom prst="rect">
-              <a:avLst/>
-            </a:prstGeom>
-          </p:spPr>
-        </p:pic>
-        <p:sp>
-          <p:nvSpPr>
-            <p:cNvPr id="18" name="Retângulo Arredondado 17">
-              <a:extLst>
-                <a:ext uri="{FF2B5EF4-FFF2-40B4-BE49-F238E27FC236}">
-                  <a16:creationId xmlns:a16="http://schemas.microsoft.com/office/drawing/2014/main" id="{FC1C41F0-9434-5E32-DA4D-E845AB49C45D}"/>
-                </a:ext>
-              </a:extLst>
-            </p:cNvPr>
-            <p:cNvSpPr/>
-            <p:nvPr/>
-          </p:nvSpPr>
-          <p:spPr>
-            <a:xfrm>
-              <a:off x="7944465" y="3641326"/>
-              <a:ext cx="677352" cy="231934"/>
-            </a:xfrm>
-            <a:prstGeom prst="roundRect">
-              <a:avLst/>
-            </a:prstGeom>
-            <a:noFill/>
-            <a:ln w="19050">
-              <a:solidFill>
-                <a:schemeClr val="accent6"/>
-              </a:solidFill>
-              <a:prstDash val="sysDash"/>
-            </a:ln>
-          </p:spPr>
-          <p:style>
-            <a:lnRef idx="2">
-              <a:schemeClr val="accent1">
-                <a:shade val="50000"/>
-              </a:schemeClr>
-            </a:lnRef>
-            <a:fillRef idx="1">
-              <a:schemeClr val="accent1"/>
-            </a:fillRef>
-            <a:effectRef idx="0">
-              <a:schemeClr val="accent1"/>
-            </a:effectRef>
-            <a:fontRef idx="minor">
-              <a:schemeClr val="lt1"/>
-            </a:fontRef>
-          </p:style>
-          <p:txBody>
-            <a:bodyPr rtlCol="0" anchor="ctr"/>
-            <a:lstStyle/>
-            <a:p>
-              <a:pPr algn="ctr"/>
-              <a:endParaRPr lang="pt-BR" dirty="0"/>
-            </a:p>
-          </p:txBody>
-        </p:sp>
-      </p:grpSp>
-      <p:grpSp>
-        <p:nvGrpSpPr>
-          <p:cNvPr id="21" name="Agrupar 20">
-            <a:extLst>
-              <a:ext uri="{FF2B5EF4-FFF2-40B4-BE49-F238E27FC236}">
-                <a16:creationId xmlns:a16="http://schemas.microsoft.com/office/drawing/2014/main" id="{CE98467A-193B-ADB5-D349-7F071BDEF318}"/>
-              </a:ext>
-            </a:extLst>
-          </p:cNvPr>
-          <p:cNvGrpSpPr/>
-          <p:nvPr/>
-        </p:nvGrpSpPr>
-        <p:grpSpPr>
-          <a:xfrm>
-            <a:off x="2082808" y="3966275"/>
-            <a:ext cx="3262644" cy="307777"/>
-            <a:chOff x="2082808" y="4035283"/>
-            <a:chExt cx="3262644" cy="307777"/>
-          </a:xfrm>
-        </p:grpSpPr>
-        <p:sp>
-          <p:nvSpPr>
-            <p:cNvPr id="6" name="CaixaDeTexto 5">
-              <a:extLst>
-                <a:ext uri="{FF2B5EF4-FFF2-40B4-BE49-F238E27FC236}">
-                  <a16:creationId xmlns:a16="http://schemas.microsoft.com/office/drawing/2014/main" id="{45A733DC-7660-A01A-1607-05B99D1B678D}"/>
-                </a:ext>
-              </a:extLst>
-            </p:cNvPr>
-            <p:cNvSpPr txBox="1"/>
-            <p:nvPr/>
-          </p:nvSpPr>
-          <p:spPr>
-            <a:xfrm>
-              <a:off x="2381865" y="4035283"/>
-              <a:ext cx="2963587" cy="307777"/>
-            </a:xfrm>
-            <a:prstGeom prst="rect">
-              <a:avLst/>
-            </a:prstGeom>
-            <a:noFill/>
-          </p:spPr>
-          <p:txBody>
-            <a:bodyPr wrap="square">
-              <a:spAutoFit/>
-            </a:bodyPr>
-            <a:lstStyle/>
-            <a:p>
-              <a:r>
-                <a:rPr lang="pt-BR" sz="1400" dirty="0">
-                  <a:solidFill>
-                    <a:schemeClr val="accent3"/>
-                  </a:solidFill>
-                  <a:latin typeface="Consolas" panose="020B0609020204030204" pitchFamily="49" charset="0"/>
-                  <a:cs typeface="Consolas" panose="020B0609020204030204" pitchFamily="49" charset="0"/>
-                </a:rPr>
-                <a:t>Tempo Tempo</a:t>
-              </a:r>
-              <a:r>
-                <a:rPr lang="pt-BR" sz="1400" dirty="0">
-                  <a:latin typeface="Consolas" panose="020B0609020204030204" pitchFamily="49" charset="0"/>
-                  <a:cs typeface="Consolas" panose="020B0609020204030204" pitchFamily="49" charset="0"/>
-                </a:rPr>
-                <a:t>:: </a:t>
-              </a:r>
-              <a:r>
-                <a:rPr lang="pt-BR" sz="1400" dirty="0" err="1">
-                  <a:solidFill>
-                    <a:schemeClr val="accent6">
-                      <a:lumMod val="60000"/>
-                      <a:lumOff val="40000"/>
-                    </a:schemeClr>
-                  </a:solidFill>
-                  <a:latin typeface="Consolas" panose="020B0609020204030204" pitchFamily="49" charset="0"/>
-                  <a:cs typeface="Consolas" panose="020B0609020204030204" pitchFamily="49" charset="0"/>
-                </a:rPr>
-                <a:t>operator</a:t>
-              </a:r>
-              <a:r>
-                <a:rPr lang="pt-BR" sz="1400" dirty="0">
-                  <a:solidFill>
-                    <a:schemeClr val="accent6">
-                      <a:lumMod val="60000"/>
-                      <a:lumOff val="40000"/>
-                    </a:schemeClr>
-                  </a:solidFill>
-                  <a:latin typeface="Consolas" panose="020B0609020204030204" pitchFamily="49" charset="0"/>
-                  <a:cs typeface="Consolas" panose="020B0609020204030204" pitchFamily="49" charset="0"/>
-                </a:rPr>
-                <a:t>+</a:t>
-              </a:r>
-              <a:r>
-                <a:rPr lang="pt-BR" sz="1400" dirty="0">
-                  <a:latin typeface="Consolas" panose="020B0609020204030204" pitchFamily="49" charset="0"/>
-                  <a:cs typeface="Consolas" panose="020B0609020204030204" pitchFamily="49" charset="0"/>
-                </a:rPr>
-                <a:t>( </a:t>
-              </a:r>
-              <a:r>
-                <a:rPr lang="pt-BR" sz="1400" dirty="0">
-                  <a:solidFill>
-                    <a:schemeClr val="accent6">
-                      <a:lumMod val="60000"/>
-                      <a:lumOff val="40000"/>
-                    </a:schemeClr>
-                  </a:solidFill>
-                  <a:latin typeface="Consolas" panose="020B0609020204030204" pitchFamily="49" charset="0"/>
-                  <a:cs typeface="Consolas" panose="020B0609020204030204" pitchFamily="49" charset="0"/>
-                </a:rPr>
-                <a:t>...</a:t>
-              </a:r>
-              <a:endParaRPr lang="pt-BR" sz="1400" dirty="0">
-                <a:solidFill>
-                  <a:schemeClr val="accent6">
-                    <a:lumMod val="60000"/>
-                    <a:lumOff val="40000"/>
-                  </a:schemeClr>
-                </a:solidFill>
-              </a:endParaRPr>
-            </a:p>
-          </p:txBody>
-        </p:sp>
-        <p:pic>
-          <p:nvPicPr>
-            <p:cNvPr id="12" name="Gráfico 11" descr="Fechar com preenchimento sólido">
-              <a:extLst>
-                <a:ext uri="{FF2B5EF4-FFF2-40B4-BE49-F238E27FC236}">
-                  <a16:creationId xmlns:a16="http://schemas.microsoft.com/office/drawing/2014/main" id="{48CB1AAE-B1B5-2B4A-E02C-D953743B6EDD}"/>
-                </a:ext>
-              </a:extLst>
-            </p:cNvPr>
-            <p:cNvPicPr>
-              <a:picLocks noChangeAspect="1"/>
-            </p:cNvPicPr>
-            <p:nvPr/>
-          </p:nvPicPr>
-          <p:blipFill>
-            <a:blip r:embed="rId3">
-              <a:extLst>
-                <a:ext uri="{28A0092B-C50C-407E-A947-70E740481C1C}">
-                  <a14:useLocalDpi xmlns:a14="http://schemas.microsoft.com/office/drawing/2010/main" val="0"/>
-                </a:ext>
-                <a:ext uri="{96DAC541-7B7A-43D3-8B79-37D633B846F1}">
-                  <asvg:svgBlip xmlns:asvg="http://schemas.microsoft.com/office/drawing/2016/SVG/main" r:embed="rId4"/>
-                </a:ext>
-              </a:extLst>
-            </a:blip>
-            <a:stretch>
-              <a:fillRect/>
-            </a:stretch>
-          </p:blipFill>
-          <p:spPr>
-            <a:xfrm>
-              <a:off x="2082808" y="4079889"/>
-              <a:ext cx="218565" cy="218565"/>
-            </a:xfrm>
-            <a:prstGeom prst="rect">
-              <a:avLst/>
-            </a:prstGeom>
-          </p:spPr>
-        </p:pic>
-        <p:sp>
-          <p:nvSpPr>
-            <p:cNvPr id="20" name="Retângulo Arredondado 19">
-              <a:extLst>
-                <a:ext uri="{FF2B5EF4-FFF2-40B4-BE49-F238E27FC236}">
-                  <a16:creationId xmlns:a16="http://schemas.microsoft.com/office/drawing/2014/main" id="{309E17C6-745F-A517-D3D0-9226C8A857B5}"/>
-                </a:ext>
-              </a:extLst>
-            </p:cNvPr>
-            <p:cNvSpPr/>
-            <p:nvPr/>
-          </p:nvSpPr>
-          <p:spPr>
-            <a:xfrm>
-              <a:off x="3012886" y="4069560"/>
-              <a:ext cx="783224" cy="231934"/>
-            </a:xfrm>
-            <a:prstGeom prst="roundRect">
-              <a:avLst/>
-            </a:prstGeom>
-            <a:noFill/>
-            <a:ln w="19050">
-              <a:solidFill>
-                <a:schemeClr val="accent6"/>
-              </a:solidFill>
-              <a:prstDash val="sysDash"/>
-            </a:ln>
-          </p:spPr>
-          <p:style>
-            <a:lnRef idx="2">
-              <a:schemeClr val="accent1">
-                <a:shade val="50000"/>
-              </a:schemeClr>
-            </a:lnRef>
-            <a:fillRef idx="1">
-              <a:schemeClr val="accent1"/>
-            </a:fillRef>
-            <a:effectRef idx="0">
-              <a:schemeClr val="accent1"/>
-            </a:effectRef>
-            <a:fontRef idx="minor">
-              <a:schemeClr val="lt1"/>
-            </a:fontRef>
-          </p:style>
-          <p:txBody>
-            <a:bodyPr rtlCol="0" anchor="ctr"/>
-            <a:lstStyle/>
-            <a:p>
-              <a:pPr algn="ctr"/>
-              <a:endParaRPr lang="pt-BR" dirty="0"/>
-            </a:p>
-          </p:txBody>
-        </p:sp>
+                <a:prstDash val="sysDash"/>
+              </a:ln>
+            </p:spPr>
+            <p:style>
+              <a:lnRef idx="2">
+                <a:schemeClr val="accent1">
+                  <a:shade val="50000"/>
+                </a:schemeClr>
+              </a:lnRef>
+              <a:fillRef idx="1">
+                <a:schemeClr val="accent1"/>
+              </a:fillRef>
+              <a:effectRef idx="0">
+                <a:schemeClr val="accent1"/>
+              </a:effectRef>
+              <a:fontRef idx="minor">
+                <a:schemeClr val="lt1"/>
+              </a:fontRef>
+            </p:style>
+            <p:txBody>
+              <a:bodyPr rtlCol="0" anchor="ctr"/>
+              <a:lstStyle/>
+              <a:p>
+                <a:pPr algn="ctr"/>
+                <a:endParaRPr lang="pt-BR" dirty="0"/>
+              </a:p>
+            </p:txBody>
+          </p:sp>
+        </p:grpSp>
       </p:grpSp>
       <p:grpSp>
         <p:nvGrpSpPr>
